--- a/input/images-source/45711.pptx
+++ b/input/images-source/45711.pptx
@@ -2,18 +2,18 @@
 <file path=ppt/presentation.xml><?xml version="1.0" encoding="utf-8"?>
 <p:presentation xmlns:a="http://schemas.openxmlformats.org/drawingml/2006/main" xmlns:r="http://schemas.openxmlformats.org/officeDocument/2006/relationships" xmlns:p="http://schemas.openxmlformats.org/presentationml/2006/main" saveSubsetFonts="1">
   <p:sldMasterIdLst>
-    <p:sldMasterId id="2147483648" r:id="rId1"/>
+    <p:sldMasterId id="2147483660" r:id="rId1"/>
   </p:sldMasterIdLst>
   <p:sldIdLst>
     <p:sldId id="257" r:id="rId2"/>
   </p:sldIdLst>
-  <p:sldSz cx="12192000" cy="6858000"/>
+  <p:sldSz cx="9144000" cy="6858000" type="screen4x3"/>
   <p:notesSz cx="6858000" cy="9144000"/>
   <p:defaultTextStyle>
     <a:defPPr>
       <a:defRPr lang="en-US"/>
     </a:defPPr>
-    <a:lvl1pPr marL="0" algn="l" defTabSz="914400" rtl="0" eaLnBrk="1" latinLnBrk="0" hangingPunct="1">
+    <a:lvl1pPr marL="0" algn="l" defTabSz="457200" rtl="0" eaLnBrk="1" latinLnBrk="0" hangingPunct="1">
       <a:defRPr sz="1800" kern="1200">
         <a:solidFill>
           <a:schemeClr val="tx1"/>
@@ -23,7 +23,7 @@
         <a:cs typeface="+mn-cs"/>
       </a:defRPr>
     </a:lvl1pPr>
-    <a:lvl2pPr marL="457200" algn="l" defTabSz="914400" rtl="0" eaLnBrk="1" latinLnBrk="0" hangingPunct="1">
+    <a:lvl2pPr marL="457200" algn="l" defTabSz="457200" rtl="0" eaLnBrk="1" latinLnBrk="0" hangingPunct="1">
       <a:defRPr sz="1800" kern="1200">
         <a:solidFill>
           <a:schemeClr val="tx1"/>
@@ -33,7 +33,7 @@
         <a:cs typeface="+mn-cs"/>
       </a:defRPr>
     </a:lvl2pPr>
-    <a:lvl3pPr marL="914400" algn="l" defTabSz="914400" rtl="0" eaLnBrk="1" latinLnBrk="0" hangingPunct="1">
+    <a:lvl3pPr marL="914400" algn="l" defTabSz="457200" rtl="0" eaLnBrk="1" latinLnBrk="0" hangingPunct="1">
       <a:defRPr sz="1800" kern="1200">
         <a:solidFill>
           <a:schemeClr val="tx1"/>
@@ -43,7 +43,7 @@
         <a:cs typeface="+mn-cs"/>
       </a:defRPr>
     </a:lvl3pPr>
-    <a:lvl4pPr marL="1371600" algn="l" defTabSz="914400" rtl="0" eaLnBrk="1" latinLnBrk="0" hangingPunct="1">
+    <a:lvl4pPr marL="1371600" algn="l" defTabSz="457200" rtl="0" eaLnBrk="1" latinLnBrk="0" hangingPunct="1">
       <a:defRPr sz="1800" kern="1200">
         <a:solidFill>
           <a:schemeClr val="tx1"/>
@@ -53,7 +53,7 @@
         <a:cs typeface="+mn-cs"/>
       </a:defRPr>
     </a:lvl4pPr>
-    <a:lvl5pPr marL="1828800" algn="l" defTabSz="914400" rtl="0" eaLnBrk="1" latinLnBrk="0" hangingPunct="1">
+    <a:lvl5pPr marL="1828800" algn="l" defTabSz="457200" rtl="0" eaLnBrk="1" latinLnBrk="0" hangingPunct="1">
       <a:defRPr sz="1800" kern="1200">
         <a:solidFill>
           <a:schemeClr val="tx1"/>
@@ -63,7 +63,7 @@
         <a:cs typeface="+mn-cs"/>
       </a:defRPr>
     </a:lvl5pPr>
-    <a:lvl6pPr marL="2286000" algn="l" defTabSz="914400" rtl="0" eaLnBrk="1" latinLnBrk="0" hangingPunct="1">
+    <a:lvl6pPr marL="2286000" algn="l" defTabSz="457200" rtl="0" eaLnBrk="1" latinLnBrk="0" hangingPunct="1">
       <a:defRPr sz="1800" kern="1200">
         <a:solidFill>
           <a:schemeClr val="tx1"/>
@@ -73,7 +73,7 @@
         <a:cs typeface="+mn-cs"/>
       </a:defRPr>
     </a:lvl6pPr>
-    <a:lvl7pPr marL="2743200" algn="l" defTabSz="914400" rtl="0" eaLnBrk="1" latinLnBrk="0" hangingPunct="1">
+    <a:lvl7pPr marL="2743200" algn="l" defTabSz="457200" rtl="0" eaLnBrk="1" latinLnBrk="0" hangingPunct="1">
       <a:defRPr sz="1800" kern="1200">
         <a:solidFill>
           <a:schemeClr val="tx1"/>
@@ -83,7 +83,7 @@
         <a:cs typeface="+mn-cs"/>
       </a:defRPr>
     </a:lvl7pPr>
-    <a:lvl8pPr marL="3200400" algn="l" defTabSz="914400" rtl="0" eaLnBrk="1" latinLnBrk="0" hangingPunct="1">
+    <a:lvl8pPr marL="3200400" algn="l" defTabSz="457200" rtl="0" eaLnBrk="1" latinLnBrk="0" hangingPunct="1">
       <a:defRPr sz="1800" kern="1200">
         <a:solidFill>
           <a:schemeClr val="tx1"/>
@@ -93,7 +93,7 @@
         <a:cs typeface="+mn-cs"/>
       </a:defRPr>
     </a:lvl8pPr>
-    <a:lvl9pPr marL="3657600" algn="l" defTabSz="914400" rtl="0" eaLnBrk="1" latinLnBrk="0" hangingPunct="1">
+    <a:lvl9pPr marL="3657600" algn="l" defTabSz="457200" rtl="0" eaLnBrk="1" latinLnBrk="0" hangingPunct="1">
       <a:defRPr sz="1800" kern="1200">
         <a:solidFill>
           <a:schemeClr val="tx1"/>
@@ -104,6 +104,11 @@
       </a:defRPr>
     </a:lvl9pPr>
   </p:defaultTextStyle>
+  <p:extLst>
+    <p:ext uri="{EFAFB233-063F-42B5-8137-9DF3F51BA10A}">
+      <p15:sldGuideLst xmlns:p15="http://schemas.microsoft.com/office/powerpoint/2012/main"/>
+    </p:ext>
+  </p:extLst>
 </p:presentation>
 </file>
 
@@ -126,13 +131,7 @@
       </p:grpSpPr>
       <p:sp>
         <p:nvSpPr>
-          <p:cNvPr id="2" name="Title 1">
-            <a:extLst>
-              <a:ext uri="{FF2B5EF4-FFF2-40B4-BE49-F238E27FC236}">
-                <a16:creationId xmlns:a16="http://schemas.microsoft.com/office/drawing/2014/main" id="{6D969F02-D129-C670-1DDE-A9AA8F199934}"/>
-              </a:ext>
-            </a:extLst>
-          </p:cNvPr>
+          <p:cNvPr id="2" name="Title 1"/>
           <p:cNvSpPr>
             <a:spLocks noGrp="1"/>
           </p:cNvSpPr>
@@ -142,8 +141,8 @@
         </p:nvSpPr>
         <p:spPr>
           <a:xfrm>
-            <a:off x="1524000" y="1122363"/>
-            <a:ext cx="9144000" cy="2387600"/>
+            <a:off x="685800" y="1122363"/>
+            <a:ext cx="7772400" cy="2387600"/>
           </a:xfrm>
         </p:spPr>
         <p:txBody>
@@ -158,18 +157,13 @@
               <a:rPr lang="en-US"/>
               <a:t>Click to edit Master title style</a:t>
             </a:r>
+            <a:endParaRPr lang="en-US" dirty="0"/>
           </a:p>
         </p:txBody>
       </p:sp>
       <p:sp>
         <p:nvSpPr>
-          <p:cNvPr id="3" name="Subtitle 2">
-            <a:extLst>
-              <a:ext uri="{FF2B5EF4-FFF2-40B4-BE49-F238E27FC236}">
-                <a16:creationId xmlns:a16="http://schemas.microsoft.com/office/drawing/2014/main" id="{13117DE2-A4CE-7E5E-8BD9-39401A2E3084}"/>
-              </a:ext>
-            </a:extLst>
-          </p:cNvPr>
+          <p:cNvPr id="3" name="Subtitle 2"/>
           <p:cNvSpPr>
             <a:spLocks noGrp="1"/>
           </p:cNvSpPr>
@@ -179,8 +173,8 @@
         </p:nvSpPr>
         <p:spPr>
           <a:xfrm>
-            <a:off x="1524000" y="3602038"/>
-            <a:ext cx="9144000" cy="1655762"/>
+            <a:off x="1143000" y="3602038"/>
+            <a:ext cx="6858000" cy="1655762"/>
           </a:xfrm>
         </p:spPr>
         <p:txBody>
@@ -228,18 +222,13 @@
               <a:rPr lang="en-US"/>
               <a:t>Click to edit Master subtitle style</a:t>
             </a:r>
+            <a:endParaRPr lang="en-US" dirty="0"/>
           </a:p>
         </p:txBody>
       </p:sp>
       <p:sp>
         <p:nvSpPr>
-          <p:cNvPr id="4" name="Date Placeholder 3">
-            <a:extLst>
-              <a:ext uri="{FF2B5EF4-FFF2-40B4-BE49-F238E27FC236}">
-                <a16:creationId xmlns:a16="http://schemas.microsoft.com/office/drawing/2014/main" id="{B5C18D26-8478-EC51-0A5E-C692420DD5F8}"/>
-              </a:ext>
-            </a:extLst>
-          </p:cNvPr>
+          <p:cNvPr id="4" name="Date Placeholder 3"/>
           <p:cNvSpPr>
             <a:spLocks noGrp="1"/>
           </p:cNvSpPr>
@@ -254,7 +243,7 @@
           <a:p>
             <a:fld id="{EAAE6732-7E4A-4C71-8860-75BD38F77992}" type="datetimeFigureOut">
               <a:rPr lang="en-US" smtClean="0"/>
-              <a:t>1/6/2023</a:t>
+              <a:t>1/12/2023</a:t>
             </a:fld>
             <a:endParaRPr lang="en-US"/>
           </a:p>
@@ -262,13 +251,7 @@
       </p:sp>
       <p:sp>
         <p:nvSpPr>
-          <p:cNvPr id="5" name="Footer Placeholder 4">
-            <a:extLst>
-              <a:ext uri="{FF2B5EF4-FFF2-40B4-BE49-F238E27FC236}">
-                <a16:creationId xmlns:a16="http://schemas.microsoft.com/office/drawing/2014/main" id="{BCCC4BE3-6745-EE75-9E3F-E9028561F545}"/>
-              </a:ext>
-            </a:extLst>
-          </p:cNvPr>
+          <p:cNvPr id="5" name="Footer Placeholder 4"/>
           <p:cNvSpPr>
             <a:spLocks noGrp="1"/>
           </p:cNvSpPr>
@@ -287,13 +270,7 @@
       </p:sp>
       <p:sp>
         <p:nvSpPr>
-          <p:cNvPr id="6" name="Slide Number Placeholder 5">
-            <a:extLst>
-              <a:ext uri="{FF2B5EF4-FFF2-40B4-BE49-F238E27FC236}">
-                <a16:creationId xmlns:a16="http://schemas.microsoft.com/office/drawing/2014/main" id="{9D1ED757-9CDB-5667-2E97-1BD01B7963CD}"/>
-              </a:ext>
-            </a:extLst>
-          </p:cNvPr>
+          <p:cNvPr id="6" name="Slide Number Placeholder 5"/>
           <p:cNvSpPr>
             <a:spLocks noGrp="1"/>
           </p:cNvSpPr>
@@ -317,7 +294,7 @@
     </p:spTree>
     <p:extLst>
       <p:ext uri="{BB962C8B-B14F-4D97-AF65-F5344CB8AC3E}">
-        <p14:creationId xmlns:p14="http://schemas.microsoft.com/office/powerpoint/2010/main" val="377994579"/>
+        <p14:creationId xmlns:p14="http://schemas.microsoft.com/office/powerpoint/2010/main" val="917625837"/>
       </p:ext>
     </p:extLst>
   </p:cSld>
@@ -346,13 +323,7 @@
       </p:grpSpPr>
       <p:sp>
         <p:nvSpPr>
-          <p:cNvPr id="2" name="Title 1">
-            <a:extLst>
-              <a:ext uri="{FF2B5EF4-FFF2-40B4-BE49-F238E27FC236}">
-                <a16:creationId xmlns:a16="http://schemas.microsoft.com/office/drawing/2014/main" id="{73B2F9AB-F6F6-599A-FE18-87B49F24C521}"/>
-              </a:ext>
-            </a:extLst>
-          </p:cNvPr>
+          <p:cNvPr id="2" name="Title 1"/>
           <p:cNvSpPr>
             <a:spLocks noGrp="1"/>
           </p:cNvSpPr>
@@ -369,18 +340,13 @@
               <a:rPr lang="en-US"/>
               <a:t>Click to edit Master title style</a:t>
             </a:r>
+            <a:endParaRPr lang="en-US" dirty="0"/>
           </a:p>
         </p:txBody>
       </p:sp>
       <p:sp>
         <p:nvSpPr>
-          <p:cNvPr id="3" name="Vertical Text Placeholder 2">
-            <a:extLst>
-              <a:ext uri="{FF2B5EF4-FFF2-40B4-BE49-F238E27FC236}">
-                <a16:creationId xmlns:a16="http://schemas.microsoft.com/office/drawing/2014/main" id="{9958AE9E-5FBE-70D1-901D-DAC527C8B3D3}"/>
-              </a:ext>
-            </a:extLst>
-          </p:cNvPr>
+          <p:cNvPr id="3" name="Vertical Text Placeholder 2"/>
           <p:cNvSpPr>
             <a:spLocks noGrp="1"/>
           </p:cNvSpPr>
@@ -426,18 +392,13 @@
               <a:rPr lang="en-US"/>
               <a:t>Fifth level</a:t>
             </a:r>
+            <a:endParaRPr lang="en-US" dirty="0"/>
           </a:p>
         </p:txBody>
       </p:sp>
       <p:sp>
         <p:nvSpPr>
-          <p:cNvPr id="4" name="Date Placeholder 3">
-            <a:extLst>
-              <a:ext uri="{FF2B5EF4-FFF2-40B4-BE49-F238E27FC236}">
-                <a16:creationId xmlns:a16="http://schemas.microsoft.com/office/drawing/2014/main" id="{2B485B8D-D272-B84C-61B8-FB9DBAD888A3}"/>
-              </a:ext>
-            </a:extLst>
-          </p:cNvPr>
+          <p:cNvPr id="4" name="Date Placeholder 3"/>
           <p:cNvSpPr>
             <a:spLocks noGrp="1"/>
           </p:cNvSpPr>
@@ -452,7 +413,7 @@
           <a:p>
             <a:fld id="{EAAE6732-7E4A-4C71-8860-75BD38F77992}" type="datetimeFigureOut">
               <a:rPr lang="en-US" smtClean="0"/>
-              <a:t>1/6/2023</a:t>
+              <a:t>1/12/2023</a:t>
             </a:fld>
             <a:endParaRPr lang="en-US"/>
           </a:p>
@@ -460,13 +421,7 @@
       </p:sp>
       <p:sp>
         <p:nvSpPr>
-          <p:cNvPr id="5" name="Footer Placeholder 4">
-            <a:extLst>
-              <a:ext uri="{FF2B5EF4-FFF2-40B4-BE49-F238E27FC236}">
-                <a16:creationId xmlns:a16="http://schemas.microsoft.com/office/drawing/2014/main" id="{6D4E702C-E21E-FF2F-15EE-9C27B9525C8A}"/>
-              </a:ext>
-            </a:extLst>
-          </p:cNvPr>
+          <p:cNvPr id="5" name="Footer Placeholder 4"/>
           <p:cNvSpPr>
             <a:spLocks noGrp="1"/>
           </p:cNvSpPr>
@@ -485,13 +440,7 @@
       </p:sp>
       <p:sp>
         <p:nvSpPr>
-          <p:cNvPr id="6" name="Slide Number Placeholder 5">
-            <a:extLst>
-              <a:ext uri="{FF2B5EF4-FFF2-40B4-BE49-F238E27FC236}">
-                <a16:creationId xmlns:a16="http://schemas.microsoft.com/office/drawing/2014/main" id="{81498CE8-77E7-EB7D-9133-1B021C8F21CE}"/>
-              </a:ext>
-            </a:extLst>
-          </p:cNvPr>
+          <p:cNvPr id="6" name="Slide Number Placeholder 5"/>
           <p:cNvSpPr>
             <a:spLocks noGrp="1"/>
           </p:cNvSpPr>
@@ -515,7 +464,7 @@
     </p:spTree>
     <p:extLst>
       <p:ext uri="{BB962C8B-B14F-4D97-AF65-F5344CB8AC3E}">
-        <p14:creationId xmlns:p14="http://schemas.microsoft.com/office/powerpoint/2010/main" val="1937512367"/>
+        <p14:creationId xmlns:p14="http://schemas.microsoft.com/office/powerpoint/2010/main" val="253105455"/>
       </p:ext>
     </p:extLst>
   </p:cSld>
@@ -544,13 +493,7 @@
       </p:grpSpPr>
       <p:sp>
         <p:nvSpPr>
-          <p:cNvPr id="2" name="Vertical Title 1">
-            <a:extLst>
-              <a:ext uri="{FF2B5EF4-FFF2-40B4-BE49-F238E27FC236}">
-                <a16:creationId xmlns:a16="http://schemas.microsoft.com/office/drawing/2014/main" id="{8D039045-D633-C5AD-EF44-92BDA63C87EA}"/>
-              </a:ext>
-            </a:extLst>
-          </p:cNvPr>
+          <p:cNvPr id="2" name="Vertical Title 1"/>
           <p:cNvSpPr>
             <a:spLocks noGrp="1"/>
           </p:cNvSpPr>
@@ -560,8 +503,8 @@
         </p:nvSpPr>
         <p:spPr>
           <a:xfrm>
-            <a:off x="8724900" y="365125"/>
-            <a:ext cx="2628900" cy="5811838"/>
+            <a:off x="6543675" y="365125"/>
+            <a:ext cx="1971675" cy="5811838"/>
           </a:xfrm>
         </p:spPr>
         <p:txBody>
@@ -572,18 +515,13 @@
               <a:rPr lang="en-US"/>
               <a:t>Click to edit Master title style</a:t>
             </a:r>
+            <a:endParaRPr lang="en-US" dirty="0"/>
           </a:p>
         </p:txBody>
       </p:sp>
       <p:sp>
         <p:nvSpPr>
-          <p:cNvPr id="3" name="Vertical Text Placeholder 2">
-            <a:extLst>
-              <a:ext uri="{FF2B5EF4-FFF2-40B4-BE49-F238E27FC236}">
-                <a16:creationId xmlns:a16="http://schemas.microsoft.com/office/drawing/2014/main" id="{9A85C746-248C-834E-46FF-90A986FFB146}"/>
-              </a:ext>
-            </a:extLst>
-          </p:cNvPr>
+          <p:cNvPr id="3" name="Vertical Text Placeholder 2"/>
           <p:cNvSpPr>
             <a:spLocks noGrp="1"/>
           </p:cNvSpPr>
@@ -593,8 +531,8 @@
         </p:nvSpPr>
         <p:spPr>
           <a:xfrm>
-            <a:off x="838200" y="365125"/>
-            <a:ext cx="7734300" cy="5811838"/>
+            <a:off x="628650" y="365125"/>
+            <a:ext cx="5800725" cy="5811838"/>
           </a:xfrm>
         </p:spPr>
         <p:txBody>
@@ -634,18 +572,13 @@
               <a:rPr lang="en-US"/>
               <a:t>Fifth level</a:t>
             </a:r>
+            <a:endParaRPr lang="en-US" dirty="0"/>
           </a:p>
         </p:txBody>
       </p:sp>
       <p:sp>
         <p:nvSpPr>
-          <p:cNvPr id="4" name="Date Placeholder 3">
-            <a:extLst>
-              <a:ext uri="{FF2B5EF4-FFF2-40B4-BE49-F238E27FC236}">
-                <a16:creationId xmlns:a16="http://schemas.microsoft.com/office/drawing/2014/main" id="{5604B651-88A9-1572-6CFD-62762665C114}"/>
-              </a:ext>
-            </a:extLst>
-          </p:cNvPr>
+          <p:cNvPr id="4" name="Date Placeholder 3"/>
           <p:cNvSpPr>
             <a:spLocks noGrp="1"/>
           </p:cNvSpPr>
@@ -660,7 +593,7 @@
           <a:p>
             <a:fld id="{EAAE6732-7E4A-4C71-8860-75BD38F77992}" type="datetimeFigureOut">
               <a:rPr lang="en-US" smtClean="0"/>
-              <a:t>1/6/2023</a:t>
+              <a:t>1/12/2023</a:t>
             </a:fld>
             <a:endParaRPr lang="en-US"/>
           </a:p>
@@ -668,13 +601,7 @@
       </p:sp>
       <p:sp>
         <p:nvSpPr>
-          <p:cNvPr id="5" name="Footer Placeholder 4">
-            <a:extLst>
-              <a:ext uri="{FF2B5EF4-FFF2-40B4-BE49-F238E27FC236}">
-                <a16:creationId xmlns:a16="http://schemas.microsoft.com/office/drawing/2014/main" id="{8CE2F52D-2E41-8C01-BB07-00E9DEC0A123}"/>
-              </a:ext>
-            </a:extLst>
-          </p:cNvPr>
+          <p:cNvPr id="5" name="Footer Placeholder 4"/>
           <p:cNvSpPr>
             <a:spLocks noGrp="1"/>
           </p:cNvSpPr>
@@ -693,13 +620,7 @@
       </p:sp>
       <p:sp>
         <p:nvSpPr>
-          <p:cNvPr id="6" name="Slide Number Placeholder 5">
-            <a:extLst>
-              <a:ext uri="{FF2B5EF4-FFF2-40B4-BE49-F238E27FC236}">
-                <a16:creationId xmlns:a16="http://schemas.microsoft.com/office/drawing/2014/main" id="{45183CC5-BAA7-E1E1-8DB1-83F45BF76C42}"/>
-              </a:ext>
-            </a:extLst>
-          </p:cNvPr>
+          <p:cNvPr id="6" name="Slide Number Placeholder 5"/>
           <p:cNvSpPr>
             <a:spLocks noGrp="1"/>
           </p:cNvSpPr>
@@ -723,7 +644,7 @@
     </p:spTree>
     <p:extLst>
       <p:ext uri="{BB962C8B-B14F-4D97-AF65-F5344CB8AC3E}">
-        <p14:creationId xmlns:p14="http://schemas.microsoft.com/office/powerpoint/2010/main" val="435303291"/>
+        <p14:creationId xmlns:p14="http://schemas.microsoft.com/office/powerpoint/2010/main" val="882268025"/>
       </p:ext>
     </p:extLst>
   </p:cSld>
@@ -752,13 +673,7 @@
       </p:grpSpPr>
       <p:sp>
         <p:nvSpPr>
-          <p:cNvPr id="2" name="Title 1">
-            <a:extLst>
-              <a:ext uri="{FF2B5EF4-FFF2-40B4-BE49-F238E27FC236}">
-                <a16:creationId xmlns:a16="http://schemas.microsoft.com/office/drawing/2014/main" id="{26D8BA72-9525-04B3-766D-15EB288E1040}"/>
-              </a:ext>
-            </a:extLst>
-          </p:cNvPr>
+          <p:cNvPr id="2" name="Title 1"/>
           <p:cNvSpPr>
             <a:spLocks noGrp="1"/>
           </p:cNvSpPr>
@@ -775,18 +690,13 @@
               <a:rPr lang="en-US"/>
               <a:t>Click to edit Master title style</a:t>
             </a:r>
+            <a:endParaRPr lang="en-US" dirty="0"/>
           </a:p>
         </p:txBody>
       </p:sp>
       <p:sp>
         <p:nvSpPr>
-          <p:cNvPr id="3" name="Content Placeholder 2">
-            <a:extLst>
-              <a:ext uri="{FF2B5EF4-FFF2-40B4-BE49-F238E27FC236}">
-                <a16:creationId xmlns:a16="http://schemas.microsoft.com/office/drawing/2014/main" id="{2DDA690E-03CF-C76B-57D0-6120BF63E2EC}"/>
-              </a:ext>
-            </a:extLst>
-          </p:cNvPr>
+          <p:cNvPr id="3" name="Content Placeholder 2"/>
           <p:cNvSpPr>
             <a:spLocks noGrp="1"/>
           </p:cNvSpPr>
@@ -832,18 +742,13 @@
               <a:rPr lang="en-US"/>
               <a:t>Fifth level</a:t>
             </a:r>
+            <a:endParaRPr lang="en-US" dirty="0"/>
           </a:p>
         </p:txBody>
       </p:sp>
       <p:sp>
         <p:nvSpPr>
-          <p:cNvPr id="4" name="Date Placeholder 3">
-            <a:extLst>
-              <a:ext uri="{FF2B5EF4-FFF2-40B4-BE49-F238E27FC236}">
-                <a16:creationId xmlns:a16="http://schemas.microsoft.com/office/drawing/2014/main" id="{282A545B-D1A0-CF0E-5C3D-933609226567}"/>
-              </a:ext>
-            </a:extLst>
-          </p:cNvPr>
+          <p:cNvPr id="4" name="Date Placeholder 3"/>
           <p:cNvSpPr>
             <a:spLocks noGrp="1"/>
           </p:cNvSpPr>
@@ -858,7 +763,7 @@
           <a:p>
             <a:fld id="{EAAE6732-7E4A-4C71-8860-75BD38F77992}" type="datetimeFigureOut">
               <a:rPr lang="en-US" smtClean="0"/>
-              <a:t>1/6/2023</a:t>
+              <a:t>1/12/2023</a:t>
             </a:fld>
             <a:endParaRPr lang="en-US"/>
           </a:p>
@@ -866,13 +771,7 @@
       </p:sp>
       <p:sp>
         <p:nvSpPr>
-          <p:cNvPr id="5" name="Footer Placeholder 4">
-            <a:extLst>
-              <a:ext uri="{FF2B5EF4-FFF2-40B4-BE49-F238E27FC236}">
-                <a16:creationId xmlns:a16="http://schemas.microsoft.com/office/drawing/2014/main" id="{CA0370F9-0144-C501-592A-AE799DCA6256}"/>
-              </a:ext>
-            </a:extLst>
-          </p:cNvPr>
+          <p:cNvPr id="5" name="Footer Placeholder 4"/>
           <p:cNvSpPr>
             <a:spLocks noGrp="1"/>
           </p:cNvSpPr>
@@ -891,13 +790,7 @@
       </p:sp>
       <p:sp>
         <p:nvSpPr>
-          <p:cNvPr id="6" name="Slide Number Placeholder 5">
-            <a:extLst>
-              <a:ext uri="{FF2B5EF4-FFF2-40B4-BE49-F238E27FC236}">
-                <a16:creationId xmlns:a16="http://schemas.microsoft.com/office/drawing/2014/main" id="{4FD59873-ECDF-FC1B-3515-D381C932083C}"/>
-              </a:ext>
-            </a:extLst>
-          </p:cNvPr>
+          <p:cNvPr id="6" name="Slide Number Placeholder 5"/>
           <p:cNvSpPr>
             <a:spLocks noGrp="1"/>
           </p:cNvSpPr>
@@ -921,7 +814,7 @@
     </p:spTree>
     <p:extLst>
       <p:ext uri="{BB962C8B-B14F-4D97-AF65-F5344CB8AC3E}">
-        <p14:creationId xmlns:p14="http://schemas.microsoft.com/office/powerpoint/2010/main" val="195480660"/>
+        <p14:creationId xmlns:p14="http://schemas.microsoft.com/office/powerpoint/2010/main" val="656272795"/>
       </p:ext>
     </p:extLst>
   </p:cSld>
@@ -950,13 +843,7 @@
       </p:grpSpPr>
       <p:sp>
         <p:nvSpPr>
-          <p:cNvPr id="2" name="Title 1">
-            <a:extLst>
-              <a:ext uri="{FF2B5EF4-FFF2-40B4-BE49-F238E27FC236}">
-                <a16:creationId xmlns:a16="http://schemas.microsoft.com/office/drawing/2014/main" id="{7314805B-E318-C707-6B6B-6C651452AD51}"/>
-              </a:ext>
-            </a:extLst>
-          </p:cNvPr>
+          <p:cNvPr id="2" name="Title 1"/>
           <p:cNvSpPr>
             <a:spLocks noGrp="1"/>
           </p:cNvSpPr>
@@ -966,8 +853,8 @@
         </p:nvSpPr>
         <p:spPr>
           <a:xfrm>
-            <a:off x="831850" y="1709738"/>
-            <a:ext cx="10515600" cy="2852737"/>
+            <a:off x="623888" y="1709739"/>
+            <a:ext cx="7886700" cy="2852737"/>
           </a:xfrm>
         </p:spPr>
         <p:txBody>
@@ -982,18 +869,13 @@
               <a:rPr lang="en-US"/>
               <a:t>Click to edit Master title style</a:t>
             </a:r>
+            <a:endParaRPr lang="en-US" dirty="0"/>
           </a:p>
         </p:txBody>
       </p:sp>
       <p:sp>
         <p:nvSpPr>
-          <p:cNvPr id="3" name="Text Placeholder 2">
-            <a:extLst>
-              <a:ext uri="{FF2B5EF4-FFF2-40B4-BE49-F238E27FC236}">
-                <a16:creationId xmlns:a16="http://schemas.microsoft.com/office/drawing/2014/main" id="{C6C8F277-9CFB-7946-6D8F-A191235AEBAD}"/>
-              </a:ext>
-            </a:extLst>
-          </p:cNvPr>
+          <p:cNvPr id="3" name="Text Placeholder 2"/>
           <p:cNvSpPr>
             <a:spLocks noGrp="1"/>
           </p:cNvSpPr>
@@ -1003,8 +885,8 @@
         </p:nvSpPr>
         <p:spPr>
           <a:xfrm>
-            <a:off x="831850" y="4589463"/>
-            <a:ext cx="10515600" cy="1500187"/>
+            <a:off x="623888" y="4589464"/>
+            <a:ext cx="7886700" cy="1500187"/>
           </a:xfrm>
         </p:spPr>
         <p:txBody>
@@ -1014,9 +896,7 @@
               <a:buNone/>
               <a:defRPr sz="2400">
                 <a:solidFill>
-                  <a:schemeClr val="tx1">
-                    <a:tint val="75000"/>
-                  </a:schemeClr>
+                  <a:schemeClr val="tx1"/>
                 </a:solidFill>
               </a:defRPr>
             </a:lvl1pPr>
@@ -1112,13 +992,7 @@
       </p:sp>
       <p:sp>
         <p:nvSpPr>
-          <p:cNvPr id="4" name="Date Placeholder 3">
-            <a:extLst>
-              <a:ext uri="{FF2B5EF4-FFF2-40B4-BE49-F238E27FC236}">
-                <a16:creationId xmlns:a16="http://schemas.microsoft.com/office/drawing/2014/main" id="{ED8B8AE1-473F-8CE7-CD6C-68702291230F}"/>
-              </a:ext>
-            </a:extLst>
-          </p:cNvPr>
+          <p:cNvPr id="4" name="Date Placeholder 3"/>
           <p:cNvSpPr>
             <a:spLocks noGrp="1"/>
           </p:cNvSpPr>
@@ -1133,7 +1007,7 @@
           <a:p>
             <a:fld id="{EAAE6732-7E4A-4C71-8860-75BD38F77992}" type="datetimeFigureOut">
               <a:rPr lang="en-US" smtClean="0"/>
-              <a:t>1/6/2023</a:t>
+              <a:t>1/12/2023</a:t>
             </a:fld>
             <a:endParaRPr lang="en-US"/>
           </a:p>
@@ -1141,13 +1015,7 @@
       </p:sp>
       <p:sp>
         <p:nvSpPr>
-          <p:cNvPr id="5" name="Footer Placeholder 4">
-            <a:extLst>
-              <a:ext uri="{FF2B5EF4-FFF2-40B4-BE49-F238E27FC236}">
-                <a16:creationId xmlns:a16="http://schemas.microsoft.com/office/drawing/2014/main" id="{94C2B926-F767-7F17-9714-E216A257C991}"/>
-              </a:ext>
-            </a:extLst>
-          </p:cNvPr>
+          <p:cNvPr id="5" name="Footer Placeholder 4"/>
           <p:cNvSpPr>
             <a:spLocks noGrp="1"/>
           </p:cNvSpPr>
@@ -1166,13 +1034,7 @@
       </p:sp>
       <p:sp>
         <p:nvSpPr>
-          <p:cNvPr id="6" name="Slide Number Placeholder 5">
-            <a:extLst>
-              <a:ext uri="{FF2B5EF4-FFF2-40B4-BE49-F238E27FC236}">
-                <a16:creationId xmlns:a16="http://schemas.microsoft.com/office/drawing/2014/main" id="{93DD8D2E-F85E-15B2-2A33-00CA4CC4C377}"/>
-              </a:ext>
-            </a:extLst>
-          </p:cNvPr>
+          <p:cNvPr id="6" name="Slide Number Placeholder 5"/>
           <p:cNvSpPr>
             <a:spLocks noGrp="1"/>
           </p:cNvSpPr>
@@ -1196,7 +1058,7 @@
     </p:spTree>
     <p:extLst>
       <p:ext uri="{BB962C8B-B14F-4D97-AF65-F5344CB8AC3E}">
-        <p14:creationId xmlns:p14="http://schemas.microsoft.com/office/powerpoint/2010/main" val="4226255830"/>
+        <p14:creationId xmlns:p14="http://schemas.microsoft.com/office/powerpoint/2010/main" val="1146736296"/>
       </p:ext>
     </p:extLst>
   </p:cSld>
@@ -1225,13 +1087,7 @@
       </p:grpSpPr>
       <p:sp>
         <p:nvSpPr>
-          <p:cNvPr id="2" name="Title 1">
-            <a:extLst>
-              <a:ext uri="{FF2B5EF4-FFF2-40B4-BE49-F238E27FC236}">
-                <a16:creationId xmlns:a16="http://schemas.microsoft.com/office/drawing/2014/main" id="{61E7BC25-C53A-48CC-28DB-9B76D38715E4}"/>
-              </a:ext>
-            </a:extLst>
-          </p:cNvPr>
+          <p:cNvPr id="2" name="Title 1"/>
           <p:cNvSpPr>
             <a:spLocks noGrp="1"/>
           </p:cNvSpPr>
@@ -1248,18 +1104,13 @@
               <a:rPr lang="en-US"/>
               <a:t>Click to edit Master title style</a:t>
             </a:r>
+            <a:endParaRPr lang="en-US" dirty="0"/>
           </a:p>
         </p:txBody>
       </p:sp>
       <p:sp>
         <p:nvSpPr>
-          <p:cNvPr id="3" name="Content Placeholder 2">
-            <a:extLst>
-              <a:ext uri="{FF2B5EF4-FFF2-40B4-BE49-F238E27FC236}">
-                <a16:creationId xmlns:a16="http://schemas.microsoft.com/office/drawing/2014/main" id="{5225C2AB-0FFD-96EB-2B3D-9242BA39B09A}"/>
-              </a:ext>
-            </a:extLst>
-          </p:cNvPr>
+          <p:cNvPr id="3" name="Content Placeholder 2"/>
           <p:cNvSpPr>
             <a:spLocks noGrp="1"/>
           </p:cNvSpPr>
@@ -1269,8 +1120,8 @@
         </p:nvSpPr>
         <p:spPr>
           <a:xfrm>
-            <a:off x="838200" y="1825625"/>
-            <a:ext cx="5181600" cy="4351338"/>
+            <a:off x="628650" y="1825625"/>
+            <a:ext cx="3886200" cy="4351338"/>
           </a:xfrm>
         </p:spPr>
         <p:txBody>
@@ -1310,18 +1161,13 @@
               <a:rPr lang="en-US"/>
               <a:t>Fifth level</a:t>
             </a:r>
+            <a:endParaRPr lang="en-US" dirty="0"/>
           </a:p>
         </p:txBody>
       </p:sp>
       <p:sp>
         <p:nvSpPr>
-          <p:cNvPr id="4" name="Content Placeholder 3">
-            <a:extLst>
-              <a:ext uri="{FF2B5EF4-FFF2-40B4-BE49-F238E27FC236}">
-                <a16:creationId xmlns:a16="http://schemas.microsoft.com/office/drawing/2014/main" id="{CB4DECBB-24CC-5314-7716-2E799C9F4392}"/>
-              </a:ext>
-            </a:extLst>
-          </p:cNvPr>
+          <p:cNvPr id="4" name="Content Placeholder 3"/>
           <p:cNvSpPr>
             <a:spLocks noGrp="1"/>
           </p:cNvSpPr>
@@ -1331,8 +1177,8 @@
         </p:nvSpPr>
         <p:spPr>
           <a:xfrm>
-            <a:off x="6172200" y="1825625"/>
-            <a:ext cx="5181600" cy="4351338"/>
+            <a:off x="4629150" y="1825625"/>
+            <a:ext cx="3886200" cy="4351338"/>
           </a:xfrm>
         </p:spPr>
         <p:txBody>
@@ -1372,18 +1218,13 @@
               <a:rPr lang="en-US"/>
               <a:t>Fifth level</a:t>
             </a:r>
+            <a:endParaRPr lang="en-US" dirty="0"/>
           </a:p>
         </p:txBody>
       </p:sp>
       <p:sp>
         <p:nvSpPr>
-          <p:cNvPr id="5" name="Date Placeholder 4">
-            <a:extLst>
-              <a:ext uri="{FF2B5EF4-FFF2-40B4-BE49-F238E27FC236}">
-                <a16:creationId xmlns:a16="http://schemas.microsoft.com/office/drawing/2014/main" id="{885290D2-D10D-A933-E4BD-A0ACE8612D26}"/>
-              </a:ext>
-            </a:extLst>
-          </p:cNvPr>
+          <p:cNvPr id="5" name="Date Placeholder 4"/>
           <p:cNvSpPr>
             <a:spLocks noGrp="1"/>
           </p:cNvSpPr>
@@ -1398,7 +1239,7 @@
           <a:p>
             <a:fld id="{EAAE6732-7E4A-4C71-8860-75BD38F77992}" type="datetimeFigureOut">
               <a:rPr lang="en-US" smtClean="0"/>
-              <a:t>1/6/2023</a:t>
+              <a:t>1/12/2023</a:t>
             </a:fld>
             <a:endParaRPr lang="en-US"/>
           </a:p>
@@ -1406,13 +1247,7 @@
       </p:sp>
       <p:sp>
         <p:nvSpPr>
-          <p:cNvPr id="6" name="Footer Placeholder 5">
-            <a:extLst>
-              <a:ext uri="{FF2B5EF4-FFF2-40B4-BE49-F238E27FC236}">
-                <a16:creationId xmlns:a16="http://schemas.microsoft.com/office/drawing/2014/main" id="{465832B9-B586-8688-A2EC-E2536EBF2E46}"/>
-              </a:ext>
-            </a:extLst>
-          </p:cNvPr>
+          <p:cNvPr id="6" name="Footer Placeholder 5"/>
           <p:cNvSpPr>
             <a:spLocks noGrp="1"/>
           </p:cNvSpPr>
@@ -1431,13 +1266,7 @@
       </p:sp>
       <p:sp>
         <p:nvSpPr>
-          <p:cNvPr id="7" name="Slide Number Placeholder 6">
-            <a:extLst>
-              <a:ext uri="{FF2B5EF4-FFF2-40B4-BE49-F238E27FC236}">
-                <a16:creationId xmlns:a16="http://schemas.microsoft.com/office/drawing/2014/main" id="{712E4546-10FB-5621-30E0-E58C2E8975B9}"/>
-              </a:ext>
-            </a:extLst>
-          </p:cNvPr>
+          <p:cNvPr id="7" name="Slide Number Placeholder 6"/>
           <p:cNvSpPr>
             <a:spLocks noGrp="1"/>
           </p:cNvSpPr>
@@ -1461,7 +1290,7 @@
     </p:spTree>
     <p:extLst>
       <p:ext uri="{BB962C8B-B14F-4D97-AF65-F5344CB8AC3E}">
-        <p14:creationId xmlns:p14="http://schemas.microsoft.com/office/powerpoint/2010/main" val="4116640191"/>
+        <p14:creationId xmlns:p14="http://schemas.microsoft.com/office/powerpoint/2010/main" val="2178310777"/>
       </p:ext>
     </p:extLst>
   </p:cSld>
@@ -1490,13 +1319,7 @@
       </p:grpSpPr>
       <p:sp>
         <p:nvSpPr>
-          <p:cNvPr id="2" name="Title 1">
-            <a:extLst>
-              <a:ext uri="{FF2B5EF4-FFF2-40B4-BE49-F238E27FC236}">
-                <a16:creationId xmlns:a16="http://schemas.microsoft.com/office/drawing/2014/main" id="{984ACC63-0456-01CA-E178-014943F18EF8}"/>
-              </a:ext>
-            </a:extLst>
-          </p:cNvPr>
+          <p:cNvPr id="2" name="Title 1"/>
           <p:cNvSpPr>
             <a:spLocks noGrp="1"/>
           </p:cNvSpPr>
@@ -1506,8 +1329,8 @@
         </p:nvSpPr>
         <p:spPr>
           <a:xfrm>
-            <a:off x="839788" y="365125"/>
-            <a:ext cx="10515600" cy="1325563"/>
+            <a:off x="629841" y="365126"/>
+            <a:ext cx="7886700" cy="1325563"/>
           </a:xfrm>
         </p:spPr>
         <p:txBody>
@@ -1518,18 +1341,13 @@
               <a:rPr lang="en-US"/>
               <a:t>Click to edit Master title style</a:t>
             </a:r>
+            <a:endParaRPr lang="en-US" dirty="0"/>
           </a:p>
         </p:txBody>
       </p:sp>
       <p:sp>
         <p:nvSpPr>
-          <p:cNvPr id="3" name="Text Placeholder 2">
-            <a:extLst>
-              <a:ext uri="{FF2B5EF4-FFF2-40B4-BE49-F238E27FC236}">
-                <a16:creationId xmlns:a16="http://schemas.microsoft.com/office/drawing/2014/main" id="{2E9F6FA1-683B-555E-74E6-053147D7983D}"/>
-              </a:ext>
-            </a:extLst>
-          </p:cNvPr>
+          <p:cNvPr id="3" name="Text Placeholder 2"/>
           <p:cNvSpPr>
             <a:spLocks noGrp="1"/>
           </p:cNvSpPr>
@@ -1539,8 +1357,8 @@
         </p:nvSpPr>
         <p:spPr>
           <a:xfrm>
-            <a:off x="839788" y="1681163"/>
-            <a:ext cx="5157787" cy="823912"/>
+            <a:off x="629842" y="1681163"/>
+            <a:ext cx="3868340" cy="823912"/>
           </a:xfrm>
         </p:spPr>
         <p:txBody>
@@ -1594,13 +1412,7 @@
       </p:sp>
       <p:sp>
         <p:nvSpPr>
-          <p:cNvPr id="4" name="Content Placeholder 3">
-            <a:extLst>
-              <a:ext uri="{FF2B5EF4-FFF2-40B4-BE49-F238E27FC236}">
-                <a16:creationId xmlns:a16="http://schemas.microsoft.com/office/drawing/2014/main" id="{60728DED-6779-85FB-5DFA-C2DDFDB86C1B}"/>
-              </a:ext>
-            </a:extLst>
-          </p:cNvPr>
+          <p:cNvPr id="4" name="Content Placeholder 3"/>
           <p:cNvSpPr>
             <a:spLocks noGrp="1"/>
           </p:cNvSpPr>
@@ -1610,8 +1422,8 @@
         </p:nvSpPr>
         <p:spPr>
           <a:xfrm>
-            <a:off x="839788" y="2505075"/>
-            <a:ext cx="5157787" cy="3684588"/>
+            <a:off x="629842" y="2505075"/>
+            <a:ext cx="3868340" cy="3684588"/>
           </a:xfrm>
         </p:spPr>
         <p:txBody>
@@ -1651,18 +1463,13 @@
               <a:rPr lang="en-US"/>
               <a:t>Fifth level</a:t>
             </a:r>
+            <a:endParaRPr lang="en-US" dirty="0"/>
           </a:p>
         </p:txBody>
       </p:sp>
       <p:sp>
         <p:nvSpPr>
-          <p:cNvPr id="5" name="Text Placeholder 4">
-            <a:extLst>
-              <a:ext uri="{FF2B5EF4-FFF2-40B4-BE49-F238E27FC236}">
-                <a16:creationId xmlns:a16="http://schemas.microsoft.com/office/drawing/2014/main" id="{66A97EB5-4FF3-5475-FF08-EE0AA38E6D08}"/>
-              </a:ext>
-            </a:extLst>
-          </p:cNvPr>
+          <p:cNvPr id="5" name="Text Placeholder 4"/>
           <p:cNvSpPr>
             <a:spLocks noGrp="1"/>
           </p:cNvSpPr>
@@ -1672,8 +1479,8 @@
         </p:nvSpPr>
         <p:spPr>
           <a:xfrm>
-            <a:off x="6172200" y="1681163"/>
-            <a:ext cx="5183188" cy="823912"/>
+            <a:off x="4629150" y="1681163"/>
+            <a:ext cx="3887391" cy="823912"/>
           </a:xfrm>
         </p:spPr>
         <p:txBody>
@@ -1727,13 +1534,7 @@
       </p:sp>
       <p:sp>
         <p:nvSpPr>
-          <p:cNvPr id="6" name="Content Placeholder 5">
-            <a:extLst>
-              <a:ext uri="{FF2B5EF4-FFF2-40B4-BE49-F238E27FC236}">
-                <a16:creationId xmlns:a16="http://schemas.microsoft.com/office/drawing/2014/main" id="{116133E7-4367-3399-6FAA-20D3721940C0}"/>
-              </a:ext>
-            </a:extLst>
-          </p:cNvPr>
+          <p:cNvPr id="6" name="Content Placeholder 5"/>
           <p:cNvSpPr>
             <a:spLocks noGrp="1"/>
           </p:cNvSpPr>
@@ -1743,8 +1544,8 @@
         </p:nvSpPr>
         <p:spPr>
           <a:xfrm>
-            <a:off x="6172200" y="2505075"/>
-            <a:ext cx="5183188" cy="3684588"/>
+            <a:off x="4629150" y="2505075"/>
+            <a:ext cx="3887391" cy="3684588"/>
           </a:xfrm>
         </p:spPr>
         <p:txBody>
@@ -1784,18 +1585,13 @@
               <a:rPr lang="en-US"/>
               <a:t>Fifth level</a:t>
             </a:r>
+            <a:endParaRPr lang="en-US" dirty="0"/>
           </a:p>
         </p:txBody>
       </p:sp>
       <p:sp>
         <p:nvSpPr>
-          <p:cNvPr id="7" name="Date Placeholder 6">
-            <a:extLst>
-              <a:ext uri="{FF2B5EF4-FFF2-40B4-BE49-F238E27FC236}">
-                <a16:creationId xmlns:a16="http://schemas.microsoft.com/office/drawing/2014/main" id="{9E8244AD-0CFD-C8D4-14EF-E98D95A42163}"/>
-              </a:ext>
-            </a:extLst>
-          </p:cNvPr>
+          <p:cNvPr id="7" name="Date Placeholder 6"/>
           <p:cNvSpPr>
             <a:spLocks noGrp="1"/>
           </p:cNvSpPr>
@@ -1810,7 +1606,7 @@
           <a:p>
             <a:fld id="{EAAE6732-7E4A-4C71-8860-75BD38F77992}" type="datetimeFigureOut">
               <a:rPr lang="en-US" smtClean="0"/>
-              <a:t>1/6/2023</a:t>
+              <a:t>1/12/2023</a:t>
             </a:fld>
             <a:endParaRPr lang="en-US"/>
           </a:p>
@@ -1818,13 +1614,7 @@
       </p:sp>
       <p:sp>
         <p:nvSpPr>
-          <p:cNvPr id="8" name="Footer Placeholder 7">
-            <a:extLst>
-              <a:ext uri="{FF2B5EF4-FFF2-40B4-BE49-F238E27FC236}">
-                <a16:creationId xmlns:a16="http://schemas.microsoft.com/office/drawing/2014/main" id="{91E8CF1E-B957-A01E-6E3D-8DD1BDEF4971}"/>
-              </a:ext>
-            </a:extLst>
-          </p:cNvPr>
+          <p:cNvPr id="8" name="Footer Placeholder 7"/>
           <p:cNvSpPr>
             <a:spLocks noGrp="1"/>
           </p:cNvSpPr>
@@ -1843,13 +1633,7 @@
       </p:sp>
       <p:sp>
         <p:nvSpPr>
-          <p:cNvPr id="9" name="Slide Number Placeholder 8">
-            <a:extLst>
-              <a:ext uri="{FF2B5EF4-FFF2-40B4-BE49-F238E27FC236}">
-                <a16:creationId xmlns:a16="http://schemas.microsoft.com/office/drawing/2014/main" id="{B2E54606-2248-CE48-FCCD-19EDE0912BA3}"/>
-              </a:ext>
-            </a:extLst>
-          </p:cNvPr>
+          <p:cNvPr id="9" name="Slide Number Placeholder 8"/>
           <p:cNvSpPr>
             <a:spLocks noGrp="1"/>
           </p:cNvSpPr>
@@ -1873,7 +1657,7 @@
     </p:spTree>
     <p:extLst>
       <p:ext uri="{BB962C8B-B14F-4D97-AF65-F5344CB8AC3E}">
-        <p14:creationId xmlns:p14="http://schemas.microsoft.com/office/powerpoint/2010/main" val="2871511831"/>
+        <p14:creationId xmlns:p14="http://schemas.microsoft.com/office/powerpoint/2010/main" val="2220137888"/>
       </p:ext>
     </p:extLst>
   </p:cSld>
@@ -1902,13 +1686,7 @@
       </p:grpSpPr>
       <p:sp>
         <p:nvSpPr>
-          <p:cNvPr id="2" name="Title 1">
-            <a:extLst>
-              <a:ext uri="{FF2B5EF4-FFF2-40B4-BE49-F238E27FC236}">
-                <a16:creationId xmlns:a16="http://schemas.microsoft.com/office/drawing/2014/main" id="{4923E58B-255F-F9BF-D423-CEAEE78F0332}"/>
-              </a:ext>
-            </a:extLst>
-          </p:cNvPr>
+          <p:cNvPr id="2" name="Title 1"/>
           <p:cNvSpPr>
             <a:spLocks noGrp="1"/>
           </p:cNvSpPr>
@@ -1925,18 +1703,13 @@
               <a:rPr lang="en-US"/>
               <a:t>Click to edit Master title style</a:t>
             </a:r>
+            <a:endParaRPr lang="en-US" dirty="0"/>
           </a:p>
         </p:txBody>
       </p:sp>
       <p:sp>
         <p:nvSpPr>
-          <p:cNvPr id="3" name="Date Placeholder 2">
-            <a:extLst>
-              <a:ext uri="{FF2B5EF4-FFF2-40B4-BE49-F238E27FC236}">
-                <a16:creationId xmlns:a16="http://schemas.microsoft.com/office/drawing/2014/main" id="{274A046E-68BD-A200-F28A-2BFA255E49BE}"/>
-              </a:ext>
-            </a:extLst>
-          </p:cNvPr>
+          <p:cNvPr id="3" name="Date Placeholder 2"/>
           <p:cNvSpPr>
             <a:spLocks noGrp="1"/>
           </p:cNvSpPr>
@@ -1951,7 +1724,7 @@
           <a:p>
             <a:fld id="{EAAE6732-7E4A-4C71-8860-75BD38F77992}" type="datetimeFigureOut">
               <a:rPr lang="en-US" smtClean="0"/>
-              <a:t>1/6/2023</a:t>
+              <a:t>1/12/2023</a:t>
             </a:fld>
             <a:endParaRPr lang="en-US"/>
           </a:p>
@@ -1959,13 +1732,7 @@
       </p:sp>
       <p:sp>
         <p:nvSpPr>
-          <p:cNvPr id="4" name="Footer Placeholder 3">
-            <a:extLst>
-              <a:ext uri="{FF2B5EF4-FFF2-40B4-BE49-F238E27FC236}">
-                <a16:creationId xmlns:a16="http://schemas.microsoft.com/office/drawing/2014/main" id="{BCD16196-3E80-690B-A154-FAF04B379137}"/>
-              </a:ext>
-            </a:extLst>
-          </p:cNvPr>
+          <p:cNvPr id="4" name="Footer Placeholder 3"/>
           <p:cNvSpPr>
             <a:spLocks noGrp="1"/>
           </p:cNvSpPr>
@@ -1984,13 +1751,7 @@
       </p:sp>
       <p:sp>
         <p:nvSpPr>
-          <p:cNvPr id="5" name="Slide Number Placeholder 4">
-            <a:extLst>
-              <a:ext uri="{FF2B5EF4-FFF2-40B4-BE49-F238E27FC236}">
-                <a16:creationId xmlns:a16="http://schemas.microsoft.com/office/drawing/2014/main" id="{B7C7D2BB-6363-AC2A-65AA-DE06FE8EA538}"/>
-              </a:ext>
-            </a:extLst>
-          </p:cNvPr>
+          <p:cNvPr id="5" name="Slide Number Placeholder 4"/>
           <p:cNvSpPr>
             <a:spLocks noGrp="1"/>
           </p:cNvSpPr>
@@ -2014,7 +1775,7 @@
     </p:spTree>
     <p:extLst>
       <p:ext uri="{BB962C8B-B14F-4D97-AF65-F5344CB8AC3E}">
-        <p14:creationId xmlns:p14="http://schemas.microsoft.com/office/powerpoint/2010/main" val="2715046708"/>
+        <p14:creationId xmlns:p14="http://schemas.microsoft.com/office/powerpoint/2010/main" val="544784133"/>
       </p:ext>
     </p:extLst>
   </p:cSld>
@@ -2043,13 +1804,7 @@
       </p:grpSpPr>
       <p:sp>
         <p:nvSpPr>
-          <p:cNvPr id="2" name="Date Placeholder 1">
-            <a:extLst>
-              <a:ext uri="{FF2B5EF4-FFF2-40B4-BE49-F238E27FC236}">
-                <a16:creationId xmlns:a16="http://schemas.microsoft.com/office/drawing/2014/main" id="{1F4999E9-3EA4-95B0-2828-9FBFDD21C53C}"/>
-              </a:ext>
-            </a:extLst>
-          </p:cNvPr>
+          <p:cNvPr id="2" name="Date Placeholder 1"/>
           <p:cNvSpPr>
             <a:spLocks noGrp="1"/>
           </p:cNvSpPr>
@@ -2064,7 +1819,7 @@
           <a:p>
             <a:fld id="{EAAE6732-7E4A-4C71-8860-75BD38F77992}" type="datetimeFigureOut">
               <a:rPr lang="en-US" smtClean="0"/>
-              <a:t>1/6/2023</a:t>
+              <a:t>1/12/2023</a:t>
             </a:fld>
             <a:endParaRPr lang="en-US"/>
           </a:p>
@@ -2072,13 +1827,7 @@
       </p:sp>
       <p:sp>
         <p:nvSpPr>
-          <p:cNvPr id="3" name="Footer Placeholder 2">
-            <a:extLst>
-              <a:ext uri="{FF2B5EF4-FFF2-40B4-BE49-F238E27FC236}">
-                <a16:creationId xmlns:a16="http://schemas.microsoft.com/office/drawing/2014/main" id="{FDDB2851-DCFD-4903-0317-7E8D108B7DCD}"/>
-              </a:ext>
-            </a:extLst>
-          </p:cNvPr>
+          <p:cNvPr id="3" name="Footer Placeholder 2"/>
           <p:cNvSpPr>
             <a:spLocks noGrp="1"/>
           </p:cNvSpPr>
@@ -2097,13 +1846,7 @@
       </p:sp>
       <p:sp>
         <p:nvSpPr>
-          <p:cNvPr id="4" name="Slide Number Placeholder 3">
-            <a:extLst>
-              <a:ext uri="{FF2B5EF4-FFF2-40B4-BE49-F238E27FC236}">
-                <a16:creationId xmlns:a16="http://schemas.microsoft.com/office/drawing/2014/main" id="{A3AC6B3D-5A82-5549-804B-F0B0F06047A4}"/>
-              </a:ext>
-            </a:extLst>
-          </p:cNvPr>
+          <p:cNvPr id="4" name="Slide Number Placeholder 3"/>
           <p:cNvSpPr>
             <a:spLocks noGrp="1"/>
           </p:cNvSpPr>
@@ -2127,7 +1870,7 @@
     </p:spTree>
     <p:extLst>
       <p:ext uri="{BB962C8B-B14F-4D97-AF65-F5344CB8AC3E}">
-        <p14:creationId xmlns:p14="http://schemas.microsoft.com/office/powerpoint/2010/main" val="2780369719"/>
+        <p14:creationId xmlns:p14="http://schemas.microsoft.com/office/powerpoint/2010/main" val="3227542814"/>
       </p:ext>
     </p:extLst>
   </p:cSld>
@@ -2156,13 +1899,7 @@
       </p:grpSpPr>
       <p:sp>
         <p:nvSpPr>
-          <p:cNvPr id="2" name="Title 1">
-            <a:extLst>
-              <a:ext uri="{FF2B5EF4-FFF2-40B4-BE49-F238E27FC236}">
-                <a16:creationId xmlns:a16="http://schemas.microsoft.com/office/drawing/2014/main" id="{95C4AD04-45BA-214E-71CF-8D4477C054CD}"/>
-              </a:ext>
-            </a:extLst>
-          </p:cNvPr>
+          <p:cNvPr id="2" name="Title 1"/>
           <p:cNvSpPr>
             <a:spLocks noGrp="1"/>
           </p:cNvSpPr>
@@ -2172,8 +1909,8 @@
         </p:nvSpPr>
         <p:spPr>
           <a:xfrm>
-            <a:off x="839788" y="457200"/>
-            <a:ext cx="3932237" cy="1600200"/>
+            <a:off x="629841" y="457200"/>
+            <a:ext cx="2949178" cy="1600200"/>
           </a:xfrm>
         </p:spPr>
         <p:txBody>
@@ -2188,18 +1925,13 @@
               <a:rPr lang="en-US"/>
               <a:t>Click to edit Master title style</a:t>
             </a:r>
+            <a:endParaRPr lang="en-US" dirty="0"/>
           </a:p>
         </p:txBody>
       </p:sp>
       <p:sp>
         <p:nvSpPr>
-          <p:cNvPr id="3" name="Content Placeholder 2">
-            <a:extLst>
-              <a:ext uri="{FF2B5EF4-FFF2-40B4-BE49-F238E27FC236}">
-                <a16:creationId xmlns:a16="http://schemas.microsoft.com/office/drawing/2014/main" id="{08AF3179-E6BB-B4AC-A569-28431AEC3A47}"/>
-              </a:ext>
-            </a:extLst>
-          </p:cNvPr>
+          <p:cNvPr id="3" name="Content Placeholder 2"/>
           <p:cNvSpPr>
             <a:spLocks noGrp="1"/>
           </p:cNvSpPr>
@@ -2209,8 +1941,8 @@
         </p:nvSpPr>
         <p:spPr>
           <a:xfrm>
-            <a:off x="5183188" y="987425"/>
-            <a:ext cx="6172200" cy="4873625"/>
+            <a:off x="3887391" y="987426"/>
+            <a:ext cx="4629150" cy="4873625"/>
           </a:xfrm>
         </p:spPr>
         <p:txBody>
@@ -2278,18 +2010,13 @@
               <a:rPr lang="en-US"/>
               <a:t>Fifth level</a:t>
             </a:r>
+            <a:endParaRPr lang="en-US" dirty="0"/>
           </a:p>
         </p:txBody>
       </p:sp>
       <p:sp>
         <p:nvSpPr>
-          <p:cNvPr id="4" name="Text Placeholder 3">
-            <a:extLst>
-              <a:ext uri="{FF2B5EF4-FFF2-40B4-BE49-F238E27FC236}">
-                <a16:creationId xmlns:a16="http://schemas.microsoft.com/office/drawing/2014/main" id="{AFE499DE-0042-2A58-175B-8056D0134CE9}"/>
-              </a:ext>
-            </a:extLst>
-          </p:cNvPr>
+          <p:cNvPr id="4" name="Text Placeholder 3"/>
           <p:cNvSpPr>
             <a:spLocks noGrp="1"/>
           </p:cNvSpPr>
@@ -2299,8 +2026,8 @@
         </p:nvSpPr>
         <p:spPr>
           <a:xfrm>
-            <a:off x="839788" y="2057400"/>
-            <a:ext cx="3932237" cy="3811588"/>
+            <a:off x="629841" y="2057400"/>
+            <a:ext cx="2949178" cy="3811588"/>
           </a:xfrm>
         </p:spPr>
         <p:txBody>
@@ -2354,13 +2081,7 @@
       </p:sp>
       <p:sp>
         <p:nvSpPr>
-          <p:cNvPr id="5" name="Date Placeholder 4">
-            <a:extLst>
-              <a:ext uri="{FF2B5EF4-FFF2-40B4-BE49-F238E27FC236}">
-                <a16:creationId xmlns:a16="http://schemas.microsoft.com/office/drawing/2014/main" id="{084A43E0-12E8-0931-1487-3B96317ECA9F}"/>
-              </a:ext>
-            </a:extLst>
-          </p:cNvPr>
+          <p:cNvPr id="5" name="Date Placeholder 4"/>
           <p:cNvSpPr>
             <a:spLocks noGrp="1"/>
           </p:cNvSpPr>
@@ -2375,7 +2096,7 @@
           <a:p>
             <a:fld id="{EAAE6732-7E4A-4C71-8860-75BD38F77992}" type="datetimeFigureOut">
               <a:rPr lang="en-US" smtClean="0"/>
-              <a:t>1/6/2023</a:t>
+              <a:t>1/12/2023</a:t>
             </a:fld>
             <a:endParaRPr lang="en-US"/>
           </a:p>
@@ -2383,13 +2104,7 @@
       </p:sp>
       <p:sp>
         <p:nvSpPr>
-          <p:cNvPr id="6" name="Footer Placeholder 5">
-            <a:extLst>
-              <a:ext uri="{FF2B5EF4-FFF2-40B4-BE49-F238E27FC236}">
-                <a16:creationId xmlns:a16="http://schemas.microsoft.com/office/drawing/2014/main" id="{41CE0D39-1E74-4B4F-8521-1CF8885E5EBE}"/>
-              </a:ext>
-            </a:extLst>
-          </p:cNvPr>
+          <p:cNvPr id="6" name="Footer Placeholder 5"/>
           <p:cNvSpPr>
             <a:spLocks noGrp="1"/>
           </p:cNvSpPr>
@@ -2408,13 +2123,7 @@
       </p:sp>
       <p:sp>
         <p:nvSpPr>
-          <p:cNvPr id="7" name="Slide Number Placeholder 6">
-            <a:extLst>
-              <a:ext uri="{FF2B5EF4-FFF2-40B4-BE49-F238E27FC236}">
-                <a16:creationId xmlns:a16="http://schemas.microsoft.com/office/drawing/2014/main" id="{19F7A848-FD73-EB23-C2B8-24FB08ED864D}"/>
-              </a:ext>
-            </a:extLst>
-          </p:cNvPr>
+          <p:cNvPr id="7" name="Slide Number Placeholder 6"/>
           <p:cNvSpPr>
             <a:spLocks noGrp="1"/>
           </p:cNvSpPr>
@@ -2438,7 +2147,7 @@
     </p:spTree>
     <p:extLst>
       <p:ext uri="{BB962C8B-B14F-4D97-AF65-F5344CB8AC3E}">
-        <p14:creationId xmlns:p14="http://schemas.microsoft.com/office/powerpoint/2010/main" val="2730702192"/>
+        <p14:creationId xmlns:p14="http://schemas.microsoft.com/office/powerpoint/2010/main" val="4235545755"/>
       </p:ext>
     </p:extLst>
   </p:cSld>
@@ -2467,13 +2176,7 @@
       </p:grpSpPr>
       <p:sp>
         <p:nvSpPr>
-          <p:cNvPr id="2" name="Title 1">
-            <a:extLst>
-              <a:ext uri="{FF2B5EF4-FFF2-40B4-BE49-F238E27FC236}">
-                <a16:creationId xmlns:a16="http://schemas.microsoft.com/office/drawing/2014/main" id="{FEDFD735-362D-E710-91D8-E71B81CD30AE}"/>
-              </a:ext>
-            </a:extLst>
-          </p:cNvPr>
+          <p:cNvPr id="2" name="Title 1"/>
           <p:cNvSpPr>
             <a:spLocks noGrp="1"/>
           </p:cNvSpPr>
@@ -2483,8 +2186,8 @@
         </p:nvSpPr>
         <p:spPr>
           <a:xfrm>
-            <a:off x="839788" y="457200"/>
-            <a:ext cx="3932237" cy="1600200"/>
+            <a:off x="629841" y="457200"/>
+            <a:ext cx="2949178" cy="1600200"/>
           </a:xfrm>
         </p:spPr>
         <p:txBody>
@@ -2499,20 +2202,15 @@
               <a:rPr lang="en-US"/>
               <a:t>Click to edit Master title style</a:t>
             </a:r>
+            <a:endParaRPr lang="en-US" dirty="0"/>
           </a:p>
         </p:txBody>
       </p:sp>
       <p:sp>
         <p:nvSpPr>
-          <p:cNvPr id="3" name="Picture Placeholder 2">
-            <a:extLst>
-              <a:ext uri="{FF2B5EF4-FFF2-40B4-BE49-F238E27FC236}">
-                <a16:creationId xmlns:a16="http://schemas.microsoft.com/office/drawing/2014/main" id="{C7F7B556-8381-996E-FD62-98258633328B}"/>
-              </a:ext>
-            </a:extLst>
-          </p:cNvPr>
+          <p:cNvPr id="3" name="Picture Placeholder 2"/>
           <p:cNvSpPr>
-            <a:spLocks noGrp="1"/>
+            <a:spLocks noGrp="1" noChangeAspect="1"/>
           </p:cNvSpPr>
           <p:nvPr>
             <p:ph type="pic" idx="1"/>
@@ -2520,12 +2218,12 @@
         </p:nvSpPr>
         <p:spPr>
           <a:xfrm>
-            <a:off x="5183188" y="987425"/>
-            <a:ext cx="6172200" cy="4873625"/>
+            <a:off x="3887391" y="987426"/>
+            <a:ext cx="4629150" cy="4873625"/>
           </a:xfrm>
         </p:spPr>
         <p:txBody>
-          <a:bodyPr/>
+          <a:bodyPr anchor="t"/>
           <a:lstStyle>
             <a:lvl1pPr marL="0" indent="0">
               <a:buNone/>
@@ -2565,19 +2263,17 @@
             </a:lvl9pPr>
           </a:lstStyle>
           <a:p>
-            <a:endParaRPr lang="en-US"/>
+            <a:r>
+              <a:rPr lang="en-US"/>
+              <a:t>Click icon to add picture</a:t>
+            </a:r>
+            <a:endParaRPr lang="en-US" dirty="0"/>
           </a:p>
         </p:txBody>
       </p:sp>
       <p:sp>
         <p:nvSpPr>
-          <p:cNvPr id="4" name="Text Placeholder 3">
-            <a:extLst>
-              <a:ext uri="{FF2B5EF4-FFF2-40B4-BE49-F238E27FC236}">
-                <a16:creationId xmlns:a16="http://schemas.microsoft.com/office/drawing/2014/main" id="{DEFF114E-CBD5-2083-09C5-54218076419D}"/>
-              </a:ext>
-            </a:extLst>
-          </p:cNvPr>
+          <p:cNvPr id="4" name="Text Placeholder 3"/>
           <p:cNvSpPr>
             <a:spLocks noGrp="1"/>
           </p:cNvSpPr>
@@ -2587,8 +2283,8 @@
         </p:nvSpPr>
         <p:spPr>
           <a:xfrm>
-            <a:off x="839788" y="2057400"/>
-            <a:ext cx="3932237" cy="3811588"/>
+            <a:off x="629841" y="2057400"/>
+            <a:ext cx="2949178" cy="3811588"/>
           </a:xfrm>
         </p:spPr>
         <p:txBody>
@@ -2642,13 +2338,7 @@
       </p:sp>
       <p:sp>
         <p:nvSpPr>
-          <p:cNvPr id="5" name="Date Placeholder 4">
-            <a:extLst>
-              <a:ext uri="{FF2B5EF4-FFF2-40B4-BE49-F238E27FC236}">
-                <a16:creationId xmlns:a16="http://schemas.microsoft.com/office/drawing/2014/main" id="{AB845989-24FA-7EBB-EC4C-6E67C74E8962}"/>
-              </a:ext>
-            </a:extLst>
-          </p:cNvPr>
+          <p:cNvPr id="5" name="Date Placeholder 4"/>
           <p:cNvSpPr>
             <a:spLocks noGrp="1"/>
           </p:cNvSpPr>
@@ -2663,7 +2353,7 @@
           <a:p>
             <a:fld id="{EAAE6732-7E4A-4C71-8860-75BD38F77992}" type="datetimeFigureOut">
               <a:rPr lang="en-US" smtClean="0"/>
-              <a:t>1/6/2023</a:t>
+              <a:t>1/12/2023</a:t>
             </a:fld>
             <a:endParaRPr lang="en-US"/>
           </a:p>
@@ -2671,13 +2361,7 @@
       </p:sp>
       <p:sp>
         <p:nvSpPr>
-          <p:cNvPr id="6" name="Footer Placeholder 5">
-            <a:extLst>
-              <a:ext uri="{FF2B5EF4-FFF2-40B4-BE49-F238E27FC236}">
-                <a16:creationId xmlns:a16="http://schemas.microsoft.com/office/drawing/2014/main" id="{8C5E2B74-25D3-1526-F544-AC4B82F351E7}"/>
-              </a:ext>
-            </a:extLst>
-          </p:cNvPr>
+          <p:cNvPr id="6" name="Footer Placeholder 5"/>
           <p:cNvSpPr>
             <a:spLocks noGrp="1"/>
           </p:cNvSpPr>
@@ -2696,13 +2380,7 @@
       </p:sp>
       <p:sp>
         <p:nvSpPr>
-          <p:cNvPr id="7" name="Slide Number Placeholder 6">
-            <a:extLst>
-              <a:ext uri="{FF2B5EF4-FFF2-40B4-BE49-F238E27FC236}">
-                <a16:creationId xmlns:a16="http://schemas.microsoft.com/office/drawing/2014/main" id="{09D16044-8344-CADB-B268-A4C929296388}"/>
-              </a:ext>
-            </a:extLst>
-          </p:cNvPr>
+          <p:cNvPr id="7" name="Slide Number Placeholder 6"/>
           <p:cNvSpPr>
             <a:spLocks noGrp="1"/>
           </p:cNvSpPr>
@@ -2726,7 +2404,7 @@
     </p:spTree>
     <p:extLst>
       <p:ext uri="{BB962C8B-B14F-4D97-AF65-F5344CB8AC3E}">
-        <p14:creationId xmlns:p14="http://schemas.microsoft.com/office/powerpoint/2010/main" val="2493167239"/>
+        <p14:creationId xmlns:p14="http://schemas.microsoft.com/office/powerpoint/2010/main" val="1460186964"/>
       </p:ext>
     </p:extLst>
   </p:cSld>
@@ -2760,13 +2438,7 @@
       </p:grpSpPr>
       <p:sp>
         <p:nvSpPr>
-          <p:cNvPr id="2" name="Title Placeholder 1">
-            <a:extLst>
-              <a:ext uri="{FF2B5EF4-FFF2-40B4-BE49-F238E27FC236}">
-                <a16:creationId xmlns:a16="http://schemas.microsoft.com/office/drawing/2014/main" id="{0EE29991-DF9A-A0FA-4C3D-37FF22A0F0CC}"/>
-              </a:ext>
-            </a:extLst>
-          </p:cNvPr>
+          <p:cNvPr id="2" name="Title Placeholder 1"/>
           <p:cNvSpPr>
             <a:spLocks noGrp="1"/>
           </p:cNvSpPr>
@@ -2776,8 +2448,8 @@
         </p:nvSpPr>
         <p:spPr>
           <a:xfrm>
-            <a:off x="838200" y="365125"/>
-            <a:ext cx="10515600" cy="1325563"/>
+            <a:off x="628650" y="365126"/>
+            <a:ext cx="7886700" cy="1325563"/>
           </a:xfrm>
           <a:prstGeom prst="rect">
             <a:avLst/>
@@ -2793,18 +2465,13 @@
               <a:rPr lang="en-US"/>
               <a:t>Click to edit Master title style</a:t>
             </a:r>
+            <a:endParaRPr lang="en-US" dirty="0"/>
           </a:p>
         </p:txBody>
       </p:sp>
       <p:sp>
         <p:nvSpPr>
-          <p:cNvPr id="3" name="Text Placeholder 2">
-            <a:extLst>
-              <a:ext uri="{FF2B5EF4-FFF2-40B4-BE49-F238E27FC236}">
-                <a16:creationId xmlns:a16="http://schemas.microsoft.com/office/drawing/2014/main" id="{2C439523-AF7A-58CA-C973-1575B12A99E3}"/>
-              </a:ext>
-            </a:extLst>
-          </p:cNvPr>
+          <p:cNvPr id="3" name="Text Placeholder 2"/>
           <p:cNvSpPr>
             <a:spLocks noGrp="1"/>
           </p:cNvSpPr>
@@ -2814,8 +2481,8 @@
         </p:nvSpPr>
         <p:spPr>
           <a:xfrm>
-            <a:off x="838200" y="1825625"/>
-            <a:ext cx="10515600" cy="4351338"/>
+            <a:off x="628650" y="1825625"/>
+            <a:ext cx="7886700" cy="4351338"/>
           </a:xfrm>
           <a:prstGeom prst="rect">
             <a:avLst/>
@@ -2860,18 +2527,13 @@
               <a:rPr lang="en-US"/>
               <a:t>Fifth level</a:t>
             </a:r>
+            <a:endParaRPr lang="en-US" dirty="0"/>
           </a:p>
         </p:txBody>
       </p:sp>
       <p:sp>
         <p:nvSpPr>
-          <p:cNvPr id="4" name="Date Placeholder 3">
-            <a:extLst>
-              <a:ext uri="{FF2B5EF4-FFF2-40B4-BE49-F238E27FC236}">
-                <a16:creationId xmlns:a16="http://schemas.microsoft.com/office/drawing/2014/main" id="{BF37DD92-0551-EA27-DD91-47AE6B847034}"/>
-              </a:ext>
-            </a:extLst>
-          </p:cNvPr>
+          <p:cNvPr id="4" name="Date Placeholder 3"/>
           <p:cNvSpPr>
             <a:spLocks noGrp="1"/>
           </p:cNvSpPr>
@@ -2881,8 +2543,8 @@
         </p:nvSpPr>
         <p:spPr>
           <a:xfrm>
-            <a:off x="838200" y="6356350"/>
-            <a:ext cx="2743200" cy="365125"/>
+            <a:off x="628650" y="6356351"/>
+            <a:ext cx="2057400" cy="365125"/>
           </a:xfrm>
           <a:prstGeom prst="rect">
             <a:avLst/>
@@ -2904,7 +2566,7 @@
           <a:p>
             <a:fld id="{EAAE6732-7E4A-4C71-8860-75BD38F77992}" type="datetimeFigureOut">
               <a:rPr lang="en-US" smtClean="0"/>
-              <a:t>1/6/2023</a:t>
+              <a:t>1/12/2023</a:t>
             </a:fld>
             <a:endParaRPr lang="en-US"/>
           </a:p>
@@ -2912,13 +2574,7 @@
       </p:sp>
       <p:sp>
         <p:nvSpPr>
-          <p:cNvPr id="5" name="Footer Placeholder 4">
-            <a:extLst>
-              <a:ext uri="{FF2B5EF4-FFF2-40B4-BE49-F238E27FC236}">
-                <a16:creationId xmlns:a16="http://schemas.microsoft.com/office/drawing/2014/main" id="{C4587847-09F1-025C-DA41-1943EBF7C4A1}"/>
-              </a:ext>
-            </a:extLst>
-          </p:cNvPr>
+          <p:cNvPr id="5" name="Footer Placeholder 4"/>
           <p:cNvSpPr>
             <a:spLocks noGrp="1"/>
           </p:cNvSpPr>
@@ -2928,8 +2584,8 @@
         </p:nvSpPr>
         <p:spPr>
           <a:xfrm>
-            <a:off x="4038600" y="6356350"/>
-            <a:ext cx="4114800" cy="365125"/>
+            <a:off x="3028950" y="6356351"/>
+            <a:ext cx="3086100" cy="365125"/>
           </a:xfrm>
           <a:prstGeom prst="rect">
             <a:avLst/>
@@ -2955,13 +2611,7 @@
       </p:sp>
       <p:sp>
         <p:nvSpPr>
-          <p:cNvPr id="6" name="Slide Number Placeholder 5">
-            <a:extLst>
-              <a:ext uri="{FF2B5EF4-FFF2-40B4-BE49-F238E27FC236}">
-                <a16:creationId xmlns:a16="http://schemas.microsoft.com/office/drawing/2014/main" id="{30EACDD9-E543-5399-7DD0-B66491212436}"/>
-              </a:ext>
-            </a:extLst>
-          </p:cNvPr>
+          <p:cNvPr id="6" name="Slide Number Placeholder 5"/>
           <p:cNvSpPr>
             <a:spLocks noGrp="1"/>
           </p:cNvSpPr>
@@ -2971,8 +2621,8 @@
         </p:nvSpPr>
         <p:spPr>
           <a:xfrm>
-            <a:off x="8610600" y="6356350"/>
-            <a:ext cx="2743200" cy="365125"/>
+            <a:off x="6457950" y="6356351"/>
+            <a:ext cx="2057400" cy="365125"/>
           </a:xfrm>
           <a:prstGeom prst="rect">
             <a:avLst/>
@@ -3003,23 +2653,23 @@
     </p:spTree>
     <p:extLst>
       <p:ext uri="{BB962C8B-B14F-4D97-AF65-F5344CB8AC3E}">
-        <p14:creationId xmlns:p14="http://schemas.microsoft.com/office/powerpoint/2010/main" val="1533403884"/>
+        <p14:creationId xmlns:p14="http://schemas.microsoft.com/office/powerpoint/2010/main" val="717721128"/>
       </p:ext>
     </p:extLst>
   </p:cSld>
   <p:clrMap bg1="lt1" tx1="dk1" bg2="lt2" tx2="dk2" accent1="accent1" accent2="accent2" accent3="accent3" accent4="accent4" accent5="accent5" accent6="accent6" hlink="hlink" folHlink="folHlink"/>
   <p:sldLayoutIdLst>
-    <p:sldLayoutId id="2147483649" r:id="rId1"/>
-    <p:sldLayoutId id="2147483650" r:id="rId2"/>
-    <p:sldLayoutId id="2147483651" r:id="rId3"/>
-    <p:sldLayoutId id="2147483652" r:id="rId4"/>
-    <p:sldLayoutId id="2147483653" r:id="rId5"/>
-    <p:sldLayoutId id="2147483654" r:id="rId6"/>
-    <p:sldLayoutId id="2147483655" r:id="rId7"/>
-    <p:sldLayoutId id="2147483656" r:id="rId8"/>
-    <p:sldLayoutId id="2147483657" r:id="rId9"/>
-    <p:sldLayoutId id="2147483658" r:id="rId10"/>
-    <p:sldLayoutId id="2147483659" r:id="rId11"/>
+    <p:sldLayoutId id="2147483661" r:id="rId1"/>
+    <p:sldLayoutId id="2147483662" r:id="rId2"/>
+    <p:sldLayoutId id="2147483663" r:id="rId3"/>
+    <p:sldLayoutId id="2147483664" r:id="rId4"/>
+    <p:sldLayoutId id="2147483665" r:id="rId5"/>
+    <p:sldLayoutId id="2147483666" r:id="rId6"/>
+    <p:sldLayoutId id="2147483667" r:id="rId7"/>
+    <p:sldLayoutId id="2147483668" r:id="rId8"/>
+    <p:sldLayoutId id="2147483669" r:id="rId9"/>
+    <p:sldLayoutId id="2147483670" r:id="rId10"/>
+    <p:sldLayoutId id="2147483671" r:id="rId11"/>
   </p:sldLayoutIdLst>
   <p:txStyles>
     <p:titleStyle>
@@ -3335,7 +2985,7 @@
         </p:nvGrpSpPr>
         <p:grpSpPr>
           <a:xfrm>
-            <a:off x="2457975" y="1037788"/>
+            <a:off x="933976" y="1037788"/>
             <a:ext cx="5972175" cy="3086100"/>
             <a:chOff x="0" y="0"/>
             <a:chExt cx="5972175" cy="3086100"/>
@@ -3410,17 +3060,13 @@
             </a:bodyPr>
             <a:lstStyle/>
             <a:p>
-              <a:pPr marL="0" marR="0" algn="ctr">
+              <a:pPr algn="ctr">
                 <a:spcBef>
                   <a:spcPts val="600"/>
                 </a:spcBef>
-                <a:spcAft>
-                  <a:spcPts val="0"/>
-                </a:spcAft>
               </a:pPr>
               <a:r>
                 <a:rPr lang="en-US" sz="1200">
-                  <a:effectLst/>
                   <a:latin typeface="Times New Roman" panose="02020603050405020304" pitchFamily="18" charset="0"/>
                   <a:ea typeface="Times New Roman" panose="02020603050405020304" pitchFamily="18" charset="0"/>
                 </a:rPr>
@@ -3476,17 +3122,13 @@
             </a:bodyPr>
             <a:lstStyle/>
             <a:p>
-              <a:pPr marL="0" marR="0" algn="ctr">
+              <a:pPr algn="ctr">
                 <a:spcBef>
                   <a:spcPts val="600"/>
                 </a:spcBef>
-                <a:spcAft>
-                  <a:spcPts val="0"/>
-                </a:spcAft>
               </a:pPr>
               <a:r>
                 <a:rPr lang="en-US" sz="1200">
-                  <a:effectLst/>
                   <a:latin typeface="Times New Roman" panose="02020603050405020304" pitchFamily="18" charset="0"/>
                   <a:ea typeface="Times New Roman" panose="02020603050405020304" pitchFamily="18" charset="0"/>
                 </a:rPr>
@@ -3584,7 +3226,7 @@
               </a:ln>
               <a:extLst>
                 <a:ext uri="{909E8E84-426E-40dd-AFC4-6F175D3DCCD1}">
-                  <a14:hiddenFill xmlns:wpc="http://schemas.microsoft.com/office/word/2010/wordprocessingCanvas" xmlns:mc="http://schemas.openxmlformats.org/markup-compatibility/2006" xmlns:m="http://schemas.openxmlformats.org/officeDocument/2006/math" xmlns:wp14="http://schemas.microsoft.com/office/word/2010/wordprocessingDrawing" xmlns:wp="http://schemas.openxmlformats.org/drawingml/2006/wordprocessingDrawing" xmlns:w14="http://schemas.microsoft.com/office/word/2010/wordml" xmlns:w15="http://schemas.microsoft.com/office/word/2012/wordml" xmlns:wpg="http://schemas.microsoft.com/office/word/2010/wordprocessingGroup" xmlns:wpi="http://schemas.microsoft.com/office/word/2010/wordprocessingInk" xmlns:wne="http://schemas.microsoft.com/office/word/2006/wordml" xmlns:wps="http://schemas.microsoft.com/office/word/2010/wordprocessingShape" xmlns:cx="http://schemas.microsoft.com/office/drawing/2014/chartex" xmlns:cx1="http://schemas.microsoft.com/office/drawing/2015/9/8/chartex" xmlns:cx2="http://schemas.microsoft.com/office/drawing/2015/10/21/chartex" xmlns:cx3="http://schemas.microsoft.com/office/drawing/2016/5/9/chartex" xmlns:cx4="http://schemas.microsoft.com/office/drawing/2016/5/10/chartex" xmlns:cx5="http://schemas.microsoft.com/office/drawing/2016/5/11/chartex" xmlns:cx6="http://schemas.microsoft.com/office/drawing/2016/5/12/chartex" xmlns:cx7="http://schemas.microsoft.com/office/drawing/2016/5/13/chartex" xmlns:cx8="http://schemas.microsoft.com/office/drawing/2016/5/14/chartex" xmlns:aink="http://schemas.microsoft.com/office/drawing/2016/ink" xmlns:am3d="http://schemas.microsoft.com/office/drawing/2017/model3d" xmlns:w16cid="http://schemas.microsoft.com/office/word/2016/wordml/cid" xmlns:w16se="http://schemas.microsoft.com/office/word/2015/wordml/symex" xmlns:a14="http://schemas.microsoft.com/office/drawing/2010/main" xmlns:w="http://schemas.openxmlformats.org/wordprocessingml/2006/main" xmlns:w10="urn:schemas-microsoft-com:office:word" xmlns:v="urn:schemas-microsoft-com:vml" xmlns:o="urn:schemas-microsoft-com:office:office" xmlns:mv="urn:schemas-microsoft-com:mac:vml" xmlns:mo="http://schemas.microsoft.com/office/mac/office/2008/main" xmlns="" xmlns:arto="http://schemas.microsoft.com/office/word/2006/arto" xmlns:lc="http://schemas.openxmlformats.org/drawingml/2006/lockedCanvas">
+                  <a14:hiddenFill xmlns:lc="http://schemas.openxmlformats.org/drawingml/2006/lockedCanvas" xmlns:arto="http://schemas.microsoft.com/office/word/2006/arto" xmlns="" xmlns:mo="http://schemas.microsoft.com/office/mac/office/2008/main" xmlns:mv="urn:schemas-microsoft-com:mac:vml" xmlns:o="urn:schemas-microsoft-com:office:office" xmlns:v="urn:schemas-microsoft-com:vml" xmlns:w10="urn:schemas-microsoft-com:office:word" xmlns:w="http://schemas.openxmlformats.org/wordprocessingml/2006/main" xmlns:a14="http://schemas.microsoft.com/office/drawing/2010/main" xmlns:w16se="http://schemas.microsoft.com/office/word/2015/wordml/symex" xmlns:w16cid="http://schemas.microsoft.com/office/word/2016/wordml/cid" xmlns:am3d="http://schemas.microsoft.com/office/drawing/2017/model3d" xmlns:aink="http://schemas.microsoft.com/office/drawing/2016/ink" xmlns:cx8="http://schemas.microsoft.com/office/drawing/2016/5/14/chartex" xmlns:cx7="http://schemas.microsoft.com/office/drawing/2016/5/13/chartex" xmlns:cx6="http://schemas.microsoft.com/office/drawing/2016/5/12/chartex" xmlns:cx5="http://schemas.microsoft.com/office/drawing/2016/5/11/chartex" xmlns:cx4="http://schemas.microsoft.com/office/drawing/2016/5/10/chartex" xmlns:cx3="http://schemas.microsoft.com/office/drawing/2016/5/9/chartex" xmlns:cx2="http://schemas.microsoft.com/office/drawing/2015/10/21/chartex" xmlns:cx1="http://schemas.microsoft.com/office/drawing/2015/9/8/chartex" xmlns:cx="http://schemas.microsoft.com/office/drawing/2014/chartex" xmlns:wps="http://schemas.microsoft.com/office/word/2010/wordprocessingShape" xmlns:wne="http://schemas.microsoft.com/office/word/2006/wordml" xmlns:wpi="http://schemas.microsoft.com/office/word/2010/wordprocessingInk" xmlns:wpg="http://schemas.microsoft.com/office/word/2010/wordprocessingGroup" xmlns:w15="http://schemas.microsoft.com/office/word/2012/wordml" xmlns:w14="http://schemas.microsoft.com/office/word/2010/wordml" xmlns:wp="http://schemas.openxmlformats.org/drawingml/2006/wordprocessingDrawing" xmlns:wp14="http://schemas.microsoft.com/office/word/2010/wordprocessingDrawing" xmlns:m="http://schemas.openxmlformats.org/officeDocument/2006/math" xmlns:mc="http://schemas.openxmlformats.org/markup-compatibility/2006" xmlns:wpc="http://schemas.microsoft.com/office/word/2010/wordprocessingCanvas">
                     <a:noFill/>
                   </a14:hiddenFill>
                 </a:ext>
@@ -3625,7 +3267,7 @@
               </a:ln>
               <a:extLst>
                 <a:ext uri="{909E8E84-426E-40dd-AFC4-6F175D3DCCD1}">
-                  <a14:hiddenFill xmlns:wpc="http://schemas.microsoft.com/office/word/2010/wordprocessingCanvas" xmlns:mc="http://schemas.openxmlformats.org/markup-compatibility/2006" xmlns:m="http://schemas.openxmlformats.org/officeDocument/2006/math" xmlns:wp14="http://schemas.microsoft.com/office/word/2010/wordprocessingDrawing" xmlns:wp="http://schemas.openxmlformats.org/drawingml/2006/wordprocessingDrawing" xmlns:w14="http://schemas.microsoft.com/office/word/2010/wordml" xmlns:w15="http://schemas.microsoft.com/office/word/2012/wordml" xmlns:wpg="http://schemas.microsoft.com/office/word/2010/wordprocessingGroup" xmlns:wpi="http://schemas.microsoft.com/office/word/2010/wordprocessingInk" xmlns:wne="http://schemas.microsoft.com/office/word/2006/wordml" xmlns:wps="http://schemas.microsoft.com/office/word/2010/wordprocessingShape" xmlns:cx="http://schemas.microsoft.com/office/drawing/2014/chartex" xmlns:cx1="http://schemas.microsoft.com/office/drawing/2015/9/8/chartex" xmlns:cx2="http://schemas.microsoft.com/office/drawing/2015/10/21/chartex" xmlns:cx3="http://schemas.microsoft.com/office/drawing/2016/5/9/chartex" xmlns:cx4="http://schemas.microsoft.com/office/drawing/2016/5/10/chartex" xmlns:cx5="http://schemas.microsoft.com/office/drawing/2016/5/11/chartex" xmlns:cx6="http://schemas.microsoft.com/office/drawing/2016/5/12/chartex" xmlns:cx7="http://schemas.microsoft.com/office/drawing/2016/5/13/chartex" xmlns:cx8="http://schemas.microsoft.com/office/drawing/2016/5/14/chartex" xmlns:aink="http://schemas.microsoft.com/office/drawing/2016/ink" xmlns:am3d="http://schemas.microsoft.com/office/drawing/2017/model3d" xmlns:w16cid="http://schemas.microsoft.com/office/word/2016/wordml/cid" xmlns:w16se="http://schemas.microsoft.com/office/word/2015/wordml/symex" xmlns:a14="http://schemas.microsoft.com/office/drawing/2010/main" xmlns:w="http://schemas.openxmlformats.org/wordprocessingml/2006/main" xmlns:w10="urn:schemas-microsoft-com:office:word" xmlns:v="urn:schemas-microsoft-com:vml" xmlns:o="urn:schemas-microsoft-com:office:office" xmlns:mv="urn:schemas-microsoft-com:mac:vml" xmlns:mo="http://schemas.microsoft.com/office/mac/office/2008/main" xmlns="" xmlns:arto="http://schemas.microsoft.com/office/word/2006/arto" xmlns:lc="http://schemas.openxmlformats.org/drawingml/2006/lockedCanvas">
+                  <a14:hiddenFill xmlns:lc="http://schemas.openxmlformats.org/drawingml/2006/lockedCanvas" xmlns:arto="http://schemas.microsoft.com/office/word/2006/arto" xmlns="" xmlns:mo="http://schemas.microsoft.com/office/mac/office/2008/main" xmlns:mv="urn:schemas-microsoft-com:mac:vml" xmlns:o="urn:schemas-microsoft-com:office:office" xmlns:v="urn:schemas-microsoft-com:vml" xmlns:w10="urn:schemas-microsoft-com:office:word" xmlns:w="http://schemas.openxmlformats.org/wordprocessingml/2006/main" xmlns:a14="http://schemas.microsoft.com/office/drawing/2010/main" xmlns:w16se="http://schemas.microsoft.com/office/word/2015/wordml/symex" xmlns:w16cid="http://schemas.microsoft.com/office/word/2016/wordml/cid" xmlns:am3d="http://schemas.microsoft.com/office/drawing/2017/model3d" xmlns:aink="http://schemas.microsoft.com/office/drawing/2016/ink" xmlns:cx8="http://schemas.microsoft.com/office/drawing/2016/5/14/chartex" xmlns:cx7="http://schemas.microsoft.com/office/drawing/2016/5/13/chartex" xmlns:cx6="http://schemas.microsoft.com/office/drawing/2016/5/12/chartex" xmlns:cx5="http://schemas.microsoft.com/office/drawing/2016/5/11/chartex" xmlns:cx4="http://schemas.microsoft.com/office/drawing/2016/5/10/chartex" xmlns:cx3="http://schemas.microsoft.com/office/drawing/2016/5/9/chartex" xmlns:cx2="http://schemas.microsoft.com/office/drawing/2015/10/21/chartex" xmlns:cx1="http://schemas.microsoft.com/office/drawing/2015/9/8/chartex" xmlns:cx="http://schemas.microsoft.com/office/drawing/2014/chartex" xmlns:wps="http://schemas.microsoft.com/office/word/2010/wordprocessingShape" xmlns:wne="http://schemas.microsoft.com/office/word/2006/wordml" xmlns:wpi="http://schemas.microsoft.com/office/word/2010/wordprocessingInk" xmlns:wpg="http://schemas.microsoft.com/office/word/2010/wordprocessingGroup" xmlns:w15="http://schemas.microsoft.com/office/word/2012/wordml" xmlns:w14="http://schemas.microsoft.com/office/word/2010/wordml" xmlns:wp="http://schemas.openxmlformats.org/drawingml/2006/wordprocessingDrawing" xmlns:wp14="http://schemas.microsoft.com/office/word/2010/wordprocessingDrawing" xmlns:m="http://schemas.openxmlformats.org/officeDocument/2006/math" xmlns:mc="http://schemas.openxmlformats.org/markup-compatibility/2006" xmlns:wpc="http://schemas.microsoft.com/office/word/2010/wordprocessingCanvas">
                     <a:noFill/>
                   </a14:hiddenFill>
                 </a:ext>
@@ -3666,7 +3308,7 @@
               </a:ln>
               <a:extLst>
                 <a:ext uri="{909E8E84-426E-40dd-AFC4-6F175D3DCCD1}">
-                  <a14:hiddenFill xmlns:wpc="http://schemas.microsoft.com/office/word/2010/wordprocessingCanvas" xmlns:mc="http://schemas.openxmlformats.org/markup-compatibility/2006" xmlns:m="http://schemas.openxmlformats.org/officeDocument/2006/math" xmlns:wp14="http://schemas.microsoft.com/office/word/2010/wordprocessingDrawing" xmlns:wp="http://schemas.openxmlformats.org/drawingml/2006/wordprocessingDrawing" xmlns:w14="http://schemas.microsoft.com/office/word/2010/wordml" xmlns:w15="http://schemas.microsoft.com/office/word/2012/wordml" xmlns:wpg="http://schemas.microsoft.com/office/word/2010/wordprocessingGroup" xmlns:wpi="http://schemas.microsoft.com/office/word/2010/wordprocessingInk" xmlns:wne="http://schemas.microsoft.com/office/word/2006/wordml" xmlns:wps="http://schemas.microsoft.com/office/word/2010/wordprocessingShape" xmlns:cx="http://schemas.microsoft.com/office/drawing/2014/chartex" xmlns:cx1="http://schemas.microsoft.com/office/drawing/2015/9/8/chartex" xmlns:cx2="http://schemas.microsoft.com/office/drawing/2015/10/21/chartex" xmlns:cx3="http://schemas.microsoft.com/office/drawing/2016/5/9/chartex" xmlns:cx4="http://schemas.microsoft.com/office/drawing/2016/5/10/chartex" xmlns:cx5="http://schemas.microsoft.com/office/drawing/2016/5/11/chartex" xmlns:cx6="http://schemas.microsoft.com/office/drawing/2016/5/12/chartex" xmlns:cx7="http://schemas.microsoft.com/office/drawing/2016/5/13/chartex" xmlns:cx8="http://schemas.microsoft.com/office/drawing/2016/5/14/chartex" xmlns:aink="http://schemas.microsoft.com/office/drawing/2016/ink" xmlns:am3d="http://schemas.microsoft.com/office/drawing/2017/model3d" xmlns:w16cid="http://schemas.microsoft.com/office/word/2016/wordml/cid" xmlns:w16se="http://schemas.microsoft.com/office/word/2015/wordml/symex" xmlns:a14="http://schemas.microsoft.com/office/drawing/2010/main" xmlns:w="http://schemas.openxmlformats.org/wordprocessingml/2006/main" xmlns:w10="urn:schemas-microsoft-com:office:word" xmlns:v="urn:schemas-microsoft-com:vml" xmlns:o="urn:schemas-microsoft-com:office:office" xmlns:mv="urn:schemas-microsoft-com:mac:vml" xmlns:mo="http://schemas.microsoft.com/office/mac/office/2008/main" xmlns="" xmlns:arto="http://schemas.microsoft.com/office/word/2006/arto" xmlns:lc="http://schemas.openxmlformats.org/drawingml/2006/lockedCanvas">
+                  <a14:hiddenFill xmlns:lc="http://schemas.openxmlformats.org/drawingml/2006/lockedCanvas" xmlns:arto="http://schemas.microsoft.com/office/word/2006/arto" xmlns="" xmlns:mo="http://schemas.microsoft.com/office/mac/office/2008/main" xmlns:mv="urn:schemas-microsoft-com:mac:vml" xmlns:o="urn:schemas-microsoft-com:office:office" xmlns:v="urn:schemas-microsoft-com:vml" xmlns:w10="urn:schemas-microsoft-com:office:word" xmlns:w="http://schemas.openxmlformats.org/wordprocessingml/2006/main" xmlns:a14="http://schemas.microsoft.com/office/drawing/2010/main" xmlns:w16se="http://schemas.microsoft.com/office/word/2015/wordml/symex" xmlns:w16cid="http://schemas.microsoft.com/office/word/2016/wordml/cid" xmlns:am3d="http://schemas.microsoft.com/office/drawing/2017/model3d" xmlns:aink="http://schemas.microsoft.com/office/drawing/2016/ink" xmlns:cx8="http://schemas.microsoft.com/office/drawing/2016/5/14/chartex" xmlns:cx7="http://schemas.microsoft.com/office/drawing/2016/5/13/chartex" xmlns:cx6="http://schemas.microsoft.com/office/drawing/2016/5/12/chartex" xmlns:cx5="http://schemas.microsoft.com/office/drawing/2016/5/11/chartex" xmlns:cx4="http://schemas.microsoft.com/office/drawing/2016/5/10/chartex" xmlns:cx3="http://schemas.microsoft.com/office/drawing/2016/5/9/chartex" xmlns:cx2="http://schemas.microsoft.com/office/drawing/2015/10/21/chartex" xmlns:cx1="http://schemas.microsoft.com/office/drawing/2015/9/8/chartex" xmlns:cx="http://schemas.microsoft.com/office/drawing/2014/chartex" xmlns:wps="http://schemas.microsoft.com/office/word/2010/wordprocessingShape" xmlns:wne="http://schemas.microsoft.com/office/word/2006/wordml" xmlns:wpi="http://schemas.microsoft.com/office/word/2010/wordprocessingInk" xmlns:wpg="http://schemas.microsoft.com/office/word/2010/wordprocessingGroup" xmlns:w15="http://schemas.microsoft.com/office/word/2012/wordml" xmlns:w14="http://schemas.microsoft.com/office/word/2010/wordml" xmlns:wp="http://schemas.openxmlformats.org/drawingml/2006/wordprocessingDrawing" xmlns:wp14="http://schemas.microsoft.com/office/word/2010/wordprocessingDrawing" xmlns:m="http://schemas.openxmlformats.org/officeDocument/2006/math" xmlns:mc="http://schemas.openxmlformats.org/markup-compatibility/2006" xmlns:wpc="http://schemas.microsoft.com/office/word/2010/wordprocessingCanvas">
                     <a:noFill/>
                   </a14:hiddenFill>
                 </a:ext>
@@ -3702,14 +3344,14 @@
             </a:ln>
             <a:extLst>
               <a:ext uri="{909E8E84-426E-40dd-AFC4-6F175D3DCCD1}">
-                <a14:hiddenFill xmlns:wpc="http://schemas.microsoft.com/office/word/2010/wordprocessingCanvas" xmlns:mc="http://schemas.openxmlformats.org/markup-compatibility/2006" xmlns:m="http://schemas.openxmlformats.org/officeDocument/2006/math" xmlns:wp14="http://schemas.microsoft.com/office/word/2010/wordprocessingDrawing" xmlns:wp="http://schemas.openxmlformats.org/drawingml/2006/wordprocessingDrawing" xmlns:w14="http://schemas.microsoft.com/office/word/2010/wordml" xmlns:w15="http://schemas.microsoft.com/office/word/2012/wordml" xmlns:wpg="http://schemas.microsoft.com/office/word/2010/wordprocessingGroup" xmlns:wpi="http://schemas.microsoft.com/office/word/2010/wordprocessingInk" xmlns:wne="http://schemas.microsoft.com/office/word/2006/wordml" xmlns:wps="http://schemas.microsoft.com/office/word/2010/wordprocessingShape" xmlns:cx="http://schemas.microsoft.com/office/drawing/2014/chartex" xmlns:cx1="http://schemas.microsoft.com/office/drawing/2015/9/8/chartex" xmlns:cx2="http://schemas.microsoft.com/office/drawing/2015/10/21/chartex" xmlns:cx3="http://schemas.microsoft.com/office/drawing/2016/5/9/chartex" xmlns:cx4="http://schemas.microsoft.com/office/drawing/2016/5/10/chartex" xmlns:cx5="http://schemas.microsoft.com/office/drawing/2016/5/11/chartex" xmlns:cx6="http://schemas.microsoft.com/office/drawing/2016/5/12/chartex" xmlns:cx7="http://schemas.microsoft.com/office/drawing/2016/5/13/chartex" xmlns:cx8="http://schemas.microsoft.com/office/drawing/2016/5/14/chartex" xmlns:aink="http://schemas.microsoft.com/office/drawing/2016/ink" xmlns:am3d="http://schemas.microsoft.com/office/drawing/2017/model3d" xmlns:w16cid="http://schemas.microsoft.com/office/word/2016/wordml/cid" xmlns:w16se="http://schemas.microsoft.com/office/word/2015/wordml/symex" xmlns:a14="http://schemas.microsoft.com/office/drawing/2010/main" xmlns:w="http://schemas.openxmlformats.org/wordprocessingml/2006/main" xmlns:w10="urn:schemas-microsoft-com:office:word" xmlns:v="urn:schemas-microsoft-com:vml" xmlns:o="urn:schemas-microsoft-com:office:office" xmlns:mv="urn:schemas-microsoft-com:mac:vml" xmlns:mo="http://schemas.microsoft.com/office/mac/office/2008/main" xmlns="" xmlns:arto="http://schemas.microsoft.com/office/word/2006/arto" xmlns:lc="http://schemas.openxmlformats.org/drawingml/2006/lockedCanvas">
+                <a14:hiddenFill xmlns:lc="http://schemas.openxmlformats.org/drawingml/2006/lockedCanvas" xmlns:arto="http://schemas.microsoft.com/office/word/2006/arto" xmlns="" xmlns:mo="http://schemas.microsoft.com/office/mac/office/2008/main" xmlns:mv="urn:schemas-microsoft-com:mac:vml" xmlns:o="urn:schemas-microsoft-com:office:office" xmlns:v="urn:schemas-microsoft-com:vml" xmlns:w10="urn:schemas-microsoft-com:office:word" xmlns:w="http://schemas.openxmlformats.org/wordprocessingml/2006/main" xmlns:a14="http://schemas.microsoft.com/office/drawing/2010/main" xmlns:w16se="http://schemas.microsoft.com/office/word/2015/wordml/symex" xmlns:w16cid="http://schemas.microsoft.com/office/word/2016/wordml/cid" xmlns:am3d="http://schemas.microsoft.com/office/drawing/2017/model3d" xmlns:aink="http://schemas.microsoft.com/office/drawing/2016/ink" xmlns:cx8="http://schemas.microsoft.com/office/drawing/2016/5/14/chartex" xmlns:cx7="http://schemas.microsoft.com/office/drawing/2016/5/13/chartex" xmlns:cx6="http://schemas.microsoft.com/office/drawing/2016/5/12/chartex" xmlns:cx5="http://schemas.microsoft.com/office/drawing/2016/5/11/chartex" xmlns:cx4="http://schemas.microsoft.com/office/drawing/2016/5/10/chartex" xmlns:cx3="http://schemas.microsoft.com/office/drawing/2016/5/9/chartex" xmlns:cx2="http://schemas.microsoft.com/office/drawing/2015/10/21/chartex" xmlns:cx1="http://schemas.microsoft.com/office/drawing/2015/9/8/chartex" xmlns:cx="http://schemas.microsoft.com/office/drawing/2014/chartex" xmlns:wps="http://schemas.microsoft.com/office/word/2010/wordprocessingShape" xmlns:wne="http://schemas.microsoft.com/office/word/2006/wordml" xmlns:wpi="http://schemas.microsoft.com/office/word/2010/wordprocessingInk" xmlns:wpg="http://schemas.microsoft.com/office/word/2010/wordprocessingGroup" xmlns:w15="http://schemas.microsoft.com/office/word/2012/wordml" xmlns:w14="http://schemas.microsoft.com/office/word/2010/wordml" xmlns:wp="http://schemas.openxmlformats.org/drawingml/2006/wordprocessingDrawing" xmlns:wp14="http://schemas.microsoft.com/office/word/2010/wordprocessingDrawing" xmlns:m="http://schemas.openxmlformats.org/officeDocument/2006/math" xmlns:mc="http://schemas.openxmlformats.org/markup-compatibility/2006" xmlns:wpc="http://schemas.microsoft.com/office/word/2010/wordprocessingCanvas">
                   <a:solidFill>
                     <a:srgbClr val="FFFFFF"/>
                   </a:solidFill>
                 </a14:hiddenFill>
               </a:ext>
               <a:ext uri="{91240B29-F687-4f45-9708-019B960494DF}">
-                <a14:hiddenLine xmlns:wpc="http://schemas.microsoft.com/office/word/2010/wordprocessingCanvas" xmlns:mc="http://schemas.openxmlformats.org/markup-compatibility/2006" xmlns:m="http://schemas.openxmlformats.org/officeDocument/2006/math" xmlns:wp14="http://schemas.microsoft.com/office/word/2010/wordprocessingDrawing" xmlns:wp="http://schemas.openxmlformats.org/drawingml/2006/wordprocessingDrawing" xmlns:w14="http://schemas.microsoft.com/office/word/2010/wordml" xmlns:w15="http://schemas.microsoft.com/office/word/2012/wordml" xmlns:wpg="http://schemas.microsoft.com/office/word/2010/wordprocessingGroup" xmlns:wpi="http://schemas.microsoft.com/office/word/2010/wordprocessingInk" xmlns:wne="http://schemas.microsoft.com/office/word/2006/wordml" xmlns:wps="http://schemas.microsoft.com/office/word/2010/wordprocessingShape" xmlns:cx="http://schemas.microsoft.com/office/drawing/2014/chartex" xmlns:cx1="http://schemas.microsoft.com/office/drawing/2015/9/8/chartex" xmlns:cx2="http://schemas.microsoft.com/office/drawing/2015/10/21/chartex" xmlns:cx3="http://schemas.microsoft.com/office/drawing/2016/5/9/chartex" xmlns:cx4="http://schemas.microsoft.com/office/drawing/2016/5/10/chartex" xmlns:cx5="http://schemas.microsoft.com/office/drawing/2016/5/11/chartex" xmlns:cx6="http://schemas.microsoft.com/office/drawing/2016/5/12/chartex" xmlns:cx7="http://schemas.microsoft.com/office/drawing/2016/5/13/chartex" xmlns:cx8="http://schemas.microsoft.com/office/drawing/2016/5/14/chartex" xmlns:aink="http://schemas.microsoft.com/office/drawing/2016/ink" xmlns:am3d="http://schemas.microsoft.com/office/drawing/2017/model3d" xmlns:w16cid="http://schemas.microsoft.com/office/word/2016/wordml/cid" xmlns:w16se="http://schemas.microsoft.com/office/word/2015/wordml/symex" xmlns:a14="http://schemas.microsoft.com/office/drawing/2010/main" xmlns:w="http://schemas.openxmlformats.org/wordprocessingml/2006/main" xmlns:w10="urn:schemas-microsoft-com:office:word" xmlns:v="urn:schemas-microsoft-com:vml" xmlns:o="urn:schemas-microsoft-com:office:office" xmlns:mv="urn:schemas-microsoft-com:mac:vml" xmlns:mo="http://schemas.microsoft.com/office/mac/office/2008/main" xmlns="" xmlns:arto="http://schemas.microsoft.com/office/word/2006/arto" xmlns:lc="http://schemas.openxmlformats.org/drawingml/2006/lockedCanvas" w="9525">
+                <a14:hiddenLine xmlns:lc="http://schemas.openxmlformats.org/drawingml/2006/lockedCanvas" xmlns:arto="http://schemas.microsoft.com/office/word/2006/arto" xmlns="" xmlns:mo="http://schemas.microsoft.com/office/mac/office/2008/main" xmlns:mv="urn:schemas-microsoft-com:mac:vml" xmlns:o="urn:schemas-microsoft-com:office:office" xmlns:v="urn:schemas-microsoft-com:vml" xmlns:w10="urn:schemas-microsoft-com:office:word" xmlns:w="http://schemas.openxmlformats.org/wordprocessingml/2006/main" xmlns:a14="http://schemas.microsoft.com/office/drawing/2010/main" xmlns:w16se="http://schemas.microsoft.com/office/word/2015/wordml/symex" xmlns:w16cid="http://schemas.microsoft.com/office/word/2016/wordml/cid" xmlns:am3d="http://schemas.microsoft.com/office/drawing/2017/model3d" xmlns:aink="http://schemas.microsoft.com/office/drawing/2016/ink" xmlns:cx8="http://schemas.microsoft.com/office/drawing/2016/5/14/chartex" xmlns:cx7="http://schemas.microsoft.com/office/drawing/2016/5/13/chartex" xmlns:cx6="http://schemas.microsoft.com/office/drawing/2016/5/12/chartex" xmlns:cx5="http://schemas.microsoft.com/office/drawing/2016/5/11/chartex" xmlns:cx4="http://schemas.microsoft.com/office/drawing/2016/5/10/chartex" xmlns:cx3="http://schemas.microsoft.com/office/drawing/2016/5/9/chartex" xmlns:cx2="http://schemas.microsoft.com/office/drawing/2015/10/21/chartex" xmlns:cx1="http://schemas.microsoft.com/office/drawing/2015/9/8/chartex" xmlns:cx="http://schemas.microsoft.com/office/drawing/2014/chartex" xmlns:wps="http://schemas.microsoft.com/office/word/2010/wordprocessingShape" xmlns:wne="http://schemas.microsoft.com/office/word/2006/wordml" xmlns:wpi="http://schemas.microsoft.com/office/word/2010/wordprocessingInk" xmlns:wpg="http://schemas.microsoft.com/office/word/2010/wordprocessingGroup" xmlns:w15="http://schemas.microsoft.com/office/word/2012/wordml" xmlns:w14="http://schemas.microsoft.com/office/word/2010/wordml" xmlns:wp="http://schemas.openxmlformats.org/drawingml/2006/wordprocessingDrawing" xmlns:wp14="http://schemas.microsoft.com/office/word/2010/wordprocessingDrawing" xmlns:m="http://schemas.openxmlformats.org/officeDocument/2006/math" xmlns:mc="http://schemas.openxmlformats.org/markup-compatibility/2006" xmlns:wpc="http://schemas.microsoft.com/office/word/2010/wordprocessingCanvas" w="9525">
                   <a:solidFill>
                     <a:srgbClr val="000000"/>
                   </a:solidFill>
@@ -3726,20 +3368,13 @@
             </a:bodyPr>
             <a:lstStyle/>
             <a:p>
-              <a:pPr marL="0" marR="0" algn="ctr">
+              <a:pPr algn="ctr">
                 <a:lnSpc>
                   <a:spcPct val="115000"/>
                 </a:lnSpc>
-                <a:spcBef>
-                  <a:spcPts val="0"/>
-                </a:spcBef>
-                <a:spcAft>
-                  <a:spcPts val="0"/>
-                </a:spcAft>
               </a:pPr>
               <a:r>
                 <a:rPr lang="en-US" sz="700" dirty="0">
-                  <a:effectLst/>
                   <a:highlight>
                     <a:srgbClr val="D3D3D3"/>
                   </a:highlight>
@@ -3750,14 +3385,12 @@
               </a:r>
               <a:r>
                 <a:rPr lang="en-US" sz="700" dirty="0">
-                  <a:effectLst/>
                   <a:latin typeface="Times New Roman" panose="02020603050405020304" pitchFamily="18" charset="0"/>
                   <a:ea typeface="Times New Roman" panose="02020603050405020304" pitchFamily="18" charset="0"/>
                 </a:rPr>
                 <a:t> Request</a:t>
               </a:r>
               <a:endParaRPr lang="en-US" sz="1200" dirty="0">
-                <a:effectLst/>
                 <a:latin typeface="Times New Roman" panose="02020603050405020304" pitchFamily="18" charset="0"/>
                 <a:ea typeface="Times New Roman" panose="02020603050405020304" pitchFamily="18" charset="0"/>
               </a:endParaRPr>
@@ -3817,7 +3450,7 @@
               </a:ln>
               <a:extLst>
                 <a:ext uri="{909E8E84-426E-40dd-AFC4-6F175D3DCCD1}">
-                  <a14:hiddenFill xmlns:wpc="http://schemas.microsoft.com/office/word/2010/wordprocessingCanvas" xmlns:mc="http://schemas.openxmlformats.org/markup-compatibility/2006" xmlns:m="http://schemas.openxmlformats.org/officeDocument/2006/math" xmlns:wp14="http://schemas.microsoft.com/office/word/2010/wordprocessingDrawing" xmlns:wp="http://schemas.openxmlformats.org/drawingml/2006/wordprocessingDrawing" xmlns:w14="http://schemas.microsoft.com/office/word/2010/wordml" xmlns:w15="http://schemas.microsoft.com/office/word/2012/wordml" xmlns:wpg="http://schemas.microsoft.com/office/word/2010/wordprocessingGroup" xmlns:wpi="http://schemas.microsoft.com/office/word/2010/wordprocessingInk" xmlns:wne="http://schemas.microsoft.com/office/word/2006/wordml" xmlns:wps="http://schemas.microsoft.com/office/word/2010/wordprocessingShape" xmlns:cx="http://schemas.microsoft.com/office/drawing/2014/chartex" xmlns:cx1="http://schemas.microsoft.com/office/drawing/2015/9/8/chartex" xmlns:cx2="http://schemas.microsoft.com/office/drawing/2015/10/21/chartex" xmlns:cx3="http://schemas.microsoft.com/office/drawing/2016/5/9/chartex" xmlns:cx4="http://schemas.microsoft.com/office/drawing/2016/5/10/chartex" xmlns:cx5="http://schemas.microsoft.com/office/drawing/2016/5/11/chartex" xmlns:cx6="http://schemas.microsoft.com/office/drawing/2016/5/12/chartex" xmlns:cx7="http://schemas.microsoft.com/office/drawing/2016/5/13/chartex" xmlns:cx8="http://schemas.microsoft.com/office/drawing/2016/5/14/chartex" xmlns:aink="http://schemas.microsoft.com/office/drawing/2016/ink" xmlns:am3d="http://schemas.microsoft.com/office/drawing/2017/model3d" xmlns:w16cid="http://schemas.microsoft.com/office/word/2016/wordml/cid" xmlns:w16se="http://schemas.microsoft.com/office/word/2015/wordml/symex" xmlns:a14="http://schemas.microsoft.com/office/drawing/2010/main" xmlns:w="http://schemas.openxmlformats.org/wordprocessingml/2006/main" xmlns:w10="urn:schemas-microsoft-com:office:word" xmlns:v="urn:schemas-microsoft-com:vml" xmlns:o="urn:schemas-microsoft-com:office:office" xmlns:mv="urn:schemas-microsoft-com:mac:vml" xmlns:mo="http://schemas.microsoft.com/office/mac/office/2008/main" xmlns="" xmlns:arto="http://schemas.microsoft.com/office/word/2006/arto" xmlns:lc="http://schemas.openxmlformats.org/drawingml/2006/lockedCanvas">
+                  <a14:hiddenFill xmlns:lc="http://schemas.openxmlformats.org/drawingml/2006/lockedCanvas" xmlns:arto="http://schemas.microsoft.com/office/word/2006/arto" xmlns="" xmlns:mo="http://schemas.microsoft.com/office/mac/office/2008/main" xmlns:mv="urn:schemas-microsoft-com:mac:vml" xmlns:o="urn:schemas-microsoft-com:office:office" xmlns:v="urn:schemas-microsoft-com:vml" xmlns:w10="urn:schemas-microsoft-com:office:word" xmlns:w="http://schemas.openxmlformats.org/wordprocessingml/2006/main" xmlns:a14="http://schemas.microsoft.com/office/drawing/2010/main" xmlns:w16se="http://schemas.microsoft.com/office/word/2015/wordml/symex" xmlns:w16cid="http://schemas.microsoft.com/office/word/2016/wordml/cid" xmlns:am3d="http://schemas.microsoft.com/office/drawing/2017/model3d" xmlns:aink="http://schemas.microsoft.com/office/drawing/2016/ink" xmlns:cx8="http://schemas.microsoft.com/office/drawing/2016/5/14/chartex" xmlns:cx7="http://schemas.microsoft.com/office/drawing/2016/5/13/chartex" xmlns:cx6="http://schemas.microsoft.com/office/drawing/2016/5/12/chartex" xmlns:cx5="http://schemas.microsoft.com/office/drawing/2016/5/11/chartex" xmlns:cx4="http://schemas.microsoft.com/office/drawing/2016/5/10/chartex" xmlns:cx3="http://schemas.microsoft.com/office/drawing/2016/5/9/chartex" xmlns:cx2="http://schemas.microsoft.com/office/drawing/2015/10/21/chartex" xmlns:cx1="http://schemas.microsoft.com/office/drawing/2015/9/8/chartex" xmlns:cx="http://schemas.microsoft.com/office/drawing/2014/chartex" xmlns:wps="http://schemas.microsoft.com/office/word/2010/wordprocessingShape" xmlns:wne="http://schemas.microsoft.com/office/word/2006/wordml" xmlns:wpi="http://schemas.microsoft.com/office/word/2010/wordprocessingInk" xmlns:wpg="http://schemas.microsoft.com/office/word/2010/wordprocessingGroup" xmlns:w15="http://schemas.microsoft.com/office/word/2012/wordml" xmlns:w14="http://schemas.microsoft.com/office/word/2010/wordml" xmlns:wp="http://schemas.openxmlformats.org/drawingml/2006/wordprocessingDrawing" xmlns:wp14="http://schemas.microsoft.com/office/word/2010/wordprocessingDrawing" xmlns:m="http://schemas.openxmlformats.org/officeDocument/2006/math" xmlns:mc="http://schemas.openxmlformats.org/markup-compatibility/2006" xmlns:wpc="http://schemas.microsoft.com/office/word/2010/wordprocessingCanvas">
                     <a:noFill/>
                   </a14:hiddenFill>
                 </a:ext>
@@ -3857,7 +3490,7 @@
               </a:ln>
               <a:extLst>
                 <a:ext uri="{909E8E84-426E-40dd-AFC4-6F175D3DCCD1}">
-                  <a14:hiddenFill xmlns:wpc="http://schemas.microsoft.com/office/word/2010/wordprocessingCanvas" xmlns:mc="http://schemas.openxmlformats.org/markup-compatibility/2006" xmlns:m="http://schemas.openxmlformats.org/officeDocument/2006/math" xmlns:wp14="http://schemas.microsoft.com/office/word/2010/wordprocessingDrawing" xmlns:wp="http://schemas.openxmlformats.org/drawingml/2006/wordprocessingDrawing" xmlns:w14="http://schemas.microsoft.com/office/word/2010/wordml" xmlns:w15="http://schemas.microsoft.com/office/word/2012/wordml" xmlns:wpg="http://schemas.microsoft.com/office/word/2010/wordprocessingGroup" xmlns:wpi="http://schemas.microsoft.com/office/word/2010/wordprocessingInk" xmlns:wne="http://schemas.microsoft.com/office/word/2006/wordml" xmlns:wps="http://schemas.microsoft.com/office/word/2010/wordprocessingShape" xmlns:cx="http://schemas.microsoft.com/office/drawing/2014/chartex" xmlns:cx1="http://schemas.microsoft.com/office/drawing/2015/9/8/chartex" xmlns:cx2="http://schemas.microsoft.com/office/drawing/2015/10/21/chartex" xmlns:cx3="http://schemas.microsoft.com/office/drawing/2016/5/9/chartex" xmlns:cx4="http://schemas.microsoft.com/office/drawing/2016/5/10/chartex" xmlns:cx5="http://schemas.microsoft.com/office/drawing/2016/5/11/chartex" xmlns:cx6="http://schemas.microsoft.com/office/drawing/2016/5/12/chartex" xmlns:cx7="http://schemas.microsoft.com/office/drawing/2016/5/13/chartex" xmlns:cx8="http://schemas.microsoft.com/office/drawing/2016/5/14/chartex" xmlns:aink="http://schemas.microsoft.com/office/drawing/2016/ink" xmlns:am3d="http://schemas.microsoft.com/office/drawing/2017/model3d" xmlns:w16cid="http://schemas.microsoft.com/office/word/2016/wordml/cid" xmlns:w16se="http://schemas.microsoft.com/office/word/2015/wordml/symex" xmlns:a14="http://schemas.microsoft.com/office/drawing/2010/main" xmlns:w="http://schemas.openxmlformats.org/wordprocessingml/2006/main" xmlns:w10="urn:schemas-microsoft-com:office:word" xmlns:v="urn:schemas-microsoft-com:vml" xmlns:o="urn:schemas-microsoft-com:office:office" xmlns:mv="urn:schemas-microsoft-com:mac:vml" xmlns:mo="http://schemas.microsoft.com/office/mac/office/2008/main" xmlns="" xmlns:arto="http://schemas.microsoft.com/office/word/2006/arto" xmlns:lc="http://schemas.openxmlformats.org/drawingml/2006/lockedCanvas">
+                  <a14:hiddenFill xmlns:lc="http://schemas.openxmlformats.org/drawingml/2006/lockedCanvas" xmlns:arto="http://schemas.microsoft.com/office/word/2006/arto" xmlns="" xmlns:mo="http://schemas.microsoft.com/office/mac/office/2008/main" xmlns:mv="urn:schemas-microsoft-com:mac:vml" xmlns:o="urn:schemas-microsoft-com:office:office" xmlns:v="urn:schemas-microsoft-com:vml" xmlns:w10="urn:schemas-microsoft-com:office:word" xmlns:w="http://schemas.openxmlformats.org/wordprocessingml/2006/main" xmlns:a14="http://schemas.microsoft.com/office/drawing/2010/main" xmlns:w16se="http://schemas.microsoft.com/office/word/2015/wordml/symex" xmlns:w16cid="http://schemas.microsoft.com/office/word/2016/wordml/cid" xmlns:am3d="http://schemas.microsoft.com/office/drawing/2017/model3d" xmlns:aink="http://schemas.microsoft.com/office/drawing/2016/ink" xmlns:cx8="http://schemas.microsoft.com/office/drawing/2016/5/14/chartex" xmlns:cx7="http://schemas.microsoft.com/office/drawing/2016/5/13/chartex" xmlns:cx6="http://schemas.microsoft.com/office/drawing/2016/5/12/chartex" xmlns:cx5="http://schemas.microsoft.com/office/drawing/2016/5/11/chartex" xmlns:cx4="http://schemas.microsoft.com/office/drawing/2016/5/10/chartex" xmlns:cx3="http://schemas.microsoft.com/office/drawing/2016/5/9/chartex" xmlns:cx2="http://schemas.microsoft.com/office/drawing/2015/10/21/chartex" xmlns:cx1="http://schemas.microsoft.com/office/drawing/2015/9/8/chartex" xmlns:cx="http://schemas.microsoft.com/office/drawing/2014/chartex" xmlns:wps="http://schemas.microsoft.com/office/word/2010/wordprocessingShape" xmlns:wne="http://schemas.microsoft.com/office/word/2006/wordml" xmlns:wpi="http://schemas.microsoft.com/office/word/2010/wordprocessingInk" xmlns:wpg="http://schemas.microsoft.com/office/word/2010/wordprocessingGroup" xmlns:w15="http://schemas.microsoft.com/office/word/2012/wordml" xmlns:w14="http://schemas.microsoft.com/office/word/2010/wordml" xmlns:wp="http://schemas.openxmlformats.org/drawingml/2006/wordprocessingDrawing" xmlns:wp14="http://schemas.microsoft.com/office/word/2010/wordprocessingDrawing" xmlns:m="http://schemas.openxmlformats.org/officeDocument/2006/math" xmlns:mc="http://schemas.openxmlformats.org/markup-compatibility/2006" xmlns:wpc="http://schemas.microsoft.com/office/word/2010/wordprocessingCanvas">
                     <a:noFill/>
                   </a14:hiddenFill>
                 </a:ext>
@@ -4041,27 +3674,18 @@
             </a:bodyPr>
             <a:lstStyle/>
             <a:p>
-              <a:pPr marL="0" marR="0" algn="ctr">
-                <a:spcBef>
-                  <a:spcPts val="0"/>
-                </a:spcBef>
-                <a:spcAft>
-                  <a:spcPts val="0"/>
-                </a:spcAft>
-              </a:pPr>
+              <a:pPr algn="ctr"/>
               <a:r>
                 <a:rPr lang="en-US" sz="800" b="1">
                   <a:solidFill>
                     <a:srgbClr val="FFFFFF"/>
                   </a:solidFill>
-                  <a:effectLst/>
                   <a:latin typeface="Arial" panose="020B0604020202020204" pitchFamily="34" charset="0"/>
                   <a:ea typeface="Times New Roman" panose="02020603050405020304" pitchFamily="18" charset="0"/>
                 </a:rPr>
                 <a:t>1</a:t>
               </a:r>
               <a:endParaRPr lang="en-US" sz="1200">
-                <a:effectLst/>
                 <a:latin typeface="Times New Roman" panose="02020603050405020304" pitchFamily="18" charset="0"/>
                 <a:ea typeface="Times New Roman" panose="02020603050405020304" pitchFamily="18" charset="0"/>
               </a:endParaRPr>
@@ -4115,27 +3739,18 @@
             </a:bodyPr>
             <a:lstStyle/>
             <a:p>
-              <a:pPr marL="0" marR="0" algn="ctr">
-                <a:spcBef>
-                  <a:spcPts val="0"/>
-                </a:spcBef>
-                <a:spcAft>
-                  <a:spcPts val="0"/>
-                </a:spcAft>
-              </a:pPr>
+              <a:pPr algn="ctr"/>
               <a:r>
                 <a:rPr lang="en-US" sz="800" b="1">
                   <a:solidFill>
                     <a:srgbClr val="FFFFFF"/>
                   </a:solidFill>
-                  <a:effectLst/>
                   <a:latin typeface="Arial" panose="020B0604020202020204" pitchFamily="34" charset="0"/>
                   <a:ea typeface="Times New Roman" panose="02020603050405020304" pitchFamily="18" charset="0"/>
                 </a:rPr>
                 <a:t>2</a:t>
               </a:r>
               <a:endParaRPr lang="en-US" sz="1200">
-                <a:effectLst/>
                 <a:latin typeface="Times New Roman" panose="02020603050405020304" pitchFamily="18" charset="0"/>
                 <a:ea typeface="Times New Roman" panose="02020603050405020304" pitchFamily="18" charset="0"/>
               </a:endParaRPr>
@@ -4175,20 +3790,13 @@
             </a:bodyPr>
             <a:lstStyle/>
             <a:p>
-              <a:pPr marL="0" marR="0" algn="ctr">
+              <a:pPr algn="ctr">
                 <a:lnSpc>
                   <a:spcPct val="80000"/>
                 </a:lnSpc>
-                <a:spcBef>
-                  <a:spcPts val="0"/>
-                </a:spcBef>
-                <a:spcAft>
-                  <a:spcPts val="0"/>
-                </a:spcAft>
               </a:pPr>
               <a:r>
                 <a:rPr lang="en-US" sz="650" b="1">
-                  <a:effectLst/>
                   <a:latin typeface="Times New Roman" panose="02020603050405020304" pitchFamily="18" charset="0"/>
                   <a:ea typeface="Times New Roman" panose="02020603050405020304" pitchFamily="18" charset="0"/>
                 </a:rPr>
@@ -4196,21 +3804,18 @@
               </a:r>
               <a:br>
                 <a:rPr lang="en-US" sz="650" b="1">
-                  <a:effectLst/>
                   <a:latin typeface="Times New Roman" panose="02020603050405020304" pitchFamily="18" charset="0"/>
                   <a:ea typeface="Times New Roman" panose="02020603050405020304" pitchFamily="18" charset="0"/>
                 </a:rPr>
               </a:br>
               <a:r>
                 <a:rPr lang="en-US" sz="650" b="1">
-                  <a:effectLst/>
                   <a:latin typeface="Times New Roman" panose="02020603050405020304" pitchFamily="18" charset="0"/>
                   <a:ea typeface="Times New Roman" panose="02020603050405020304" pitchFamily="18" charset="0"/>
                 </a:rPr>
                 <a:t>Source</a:t>
               </a:r>
               <a:endParaRPr lang="en-US" sz="1200">
-                <a:effectLst/>
                 <a:latin typeface="Times New Roman" panose="02020603050405020304" pitchFamily="18" charset="0"/>
                 <a:ea typeface="Times New Roman" panose="02020603050405020304" pitchFamily="18" charset="0"/>
               </a:endParaRPr>
@@ -4280,20 +3885,13 @@
             </a:bodyPr>
             <a:lstStyle/>
             <a:p>
-              <a:pPr marL="0" marR="0" algn="r">
+              <a:pPr algn="r">
                 <a:lnSpc>
                   <a:spcPct val="90000"/>
                 </a:lnSpc>
-                <a:spcBef>
-                  <a:spcPts val="0"/>
-                </a:spcBef>
-                <a:spcAft>
-                  <a:spcPts val="0"/>
-                </a:spcAft>
               </a:pPr>
               <a:r>
                 <a:rPr lang="en-US" sz="650">
-                  <a:effectLst/>
                   <a:latin typeface="Times New Roman" panose="02020603050405020304" pitchFamily="18" charset="0"/>
                   <a:ea typeface="Times New Roman" panose="02020603050405020304" pitchFamily="18" charset="0"/>
                 </a:rPr>
@@ -4301,21 +3899,18 @@
               </a:r>
               <a:br>
                 <a:rPr lang="en-US" sz="650">
-                  <a:effectLst/>
                   <a:latin typeface="Times New Roman" panose="02020603050405020304" pitchFamily="18" charset="0"/>
                   <a:ea typeface="Times New Roman" panose="02020603050405020304" pitchFamily="18" charset="0"/>
                 </a:rPr>
               </a:br>
               <a:r>
                 <a:rPr lang="en-US" sz="650">
-                  <a:effectLst/>
                   <a:latin typeface="Times New Roman" panose="02020603050405020304" pitchFamily="18" charset="0"/>
                   <a:ea typeface="Times New Roman" panose="02020603050405020304" pitchFamily="18" charset="0"/>
                 </a:rPr>
                 <a:t>and parse its provenance </a:t>
               </a:r>
               <a:endParaRPr lang="en-US" sz="1200">
-                <a:effectLst/>
                 <a:latin typeface="Times New Roman" panose="02020603050405020304" pitchFamily="18" charset="0"/>
                 <a:ea typeface="Times New Roman" panose="02020603050405020304" pitchFamily="18" charset="0"/>
               </a:endParaRPr>
@@ -4415,17 +4010,13 @@
                   </a:bodyPr>
                   <a:lstStyle/>
                   <a:p>
-                    <a:pPr marL="0" marR="0" algn="ctr">
+                    <a:pPr algn="ctr">
                       <a:spcBef>
                         <a:spcPts val="600"/>
                       </a:spcBef>
-                      <a:spcAft>
-                        <a:spcPts val="0"/>
-                      </a:spcAft>
                     </a:pPr>
                     <a:r>
                       <a:rPr lang="it-IT" sz="650" b="1" dirty="0">
-                        <a:effectLst/>
                         <a:latin typeface="Times New Roman" panose="02020603050405020304" pitchFamily="18" charset="0"/>
                         <a:ea typeface="Times New Roman" panose="02020603050405020304" pitchFamily="18" charset="0"/>
                       </a:rPr>
@@ -4433,7 +4024,6 @@
                     </a:r>
                     <a:r>
                       <a:rPr lang="en-US" sz="650" b="1" dirty="0">
-                        <a:effectLst/>
                         <a:latin typeface="Times New Roman" panose="02020603050405020304" pitchFamily="18" charset="0"/>
                         <a:ea typeface="Times New Roman" panose="02020603050405020304" pitchFamily="18" charset="0"/>
                       </a:rPr>
@@ -4441,14 +4031,12 @@
                     </a:r>
                     <a:r>
                       <a:rPr lang="it-IT" sz="650" b="1" dirty="0">
-                        <a:effectLst/>
                         <a:latin typeface="Times New Roman" panose="02020603050405020304" pitchFamily="18" charset="0"/>
                         <a:ea typeface="Times New Roman" panose="02020603050405020304" pitchFamily="18" charset="0"/>
                       </a:rPr>
                       <a:t> Consumer </a:t>
                     </a:r>
                     <a:endParaRPr lang="en-US" sz="1200" dirty="0">
-                      <a:effectLst/>
                       <a:latin typeface="Times New Roman" panose="02020603050405020304" pitchFamily="18" charset="0"/>
                       <a:ea typeface="Times New Roman" panose="02020603050405020304" pitchFamily="18" charset="0"/>
                     </a:endParaRPr>
@@ -4488,20 +4076,13 @@
                   </a:bodyPr>
                   <a:lstStyle/>
                   <a:p>
-                    <a:pPr marL="0" marR="0">
+                    <a:pPr>
                       <a:lnSpc>
                         <a:spcPct val="80000"/>
                       </a:lnSpc>
-                      <a:spcBef>
-                        <a:spcPts val="0"/>
-                      </a:spcBef>
-                      <a:spcAft>
-                        <a:spcPts val="0"/>
-                      </a:spcAft>
                     </a:pPr>
                     <a:r>
                       <a:rPr lang="it-IT" sz="650" b="1">
-                        <a:effectLst/>
                         <a:latin typeface="Times New Roman" panose="02020603050405020304" pitchFamily="18" charset="0"/>
                         <a:ea typeface="Times New Roman" panose="02020603050405020304" pitchFamily="18" charset="0"/>
                       </a:rPr>
@@ -4509,14 +4090,12 @@
                     </a:r>
                     <a:br>
                       <a:rPr lang="it-IT" sz="650" b="1">
-                        <a:effectLst/>
                         <a:latin typeface="Times New Roman" panose="02020603050405020304" pitchFamily="18" charset="0"/>
                         <a:ea typeface="Times New Roman" panose="02020603050405020304" pitchFamily="18" charset="0"/>
                       </a:rPr>
                     </a:br>
                     <a:r>
                       <a:rPr lang="it-IT" sz="650" b="1">
-                        <a:effectLst/>
                         <a:latin typeface="Times New Roman" panose="02020603050405020304" pitchFamily="18" charset="0"/>
                         <a:ea typeface="Times New Roman" panose="02020603050405020304" pitchFamily="18" charset="0"/>
                       </a:rPr>
@@ -4524,21 +4103,18 @@
                     </a:r>
                     <a:br>
                       <a:rPr lang="it-IT" sz="650" b="1">
-                        <a:effectLst/>
                         <a:latin typeface="Times New Roman" panose="02020603050405020304" pitchFamily="18" charset="0"/>
                         <a:ea typeface="Times New Roman" panose="02020603050405020304" pitchFamily="18" charset="0"/>
                       </a:rPr>
                     </a:br>
                     <a:r>
                       <a:rPr lang="it-IT" sz="650" b="1">
-                        <a:effectLst/>
                         <a:latin typeface="Times New Roman" panose="02020603050405020304" pitchFamily="18" charset="0"/>
                         <a:ea typeface="Times New Roman" panose="02020603050405020304" pitchFamily="18" charset="0"/>
                       </a:rPr>
                       <a:t>Consumer</a:t>
                     </a:r>
                     <a:endParaRPr lang="en-US" sz="1200">
-                      <a:effectLst/>
                       <a:latin typeface="Times New Roman" panose="02020603050405020304" pitchFamily="18" charset="0"/>
                       <a:ea typeface="Times New Roman" panose="02020603050405020304" pitchFamily="18" charset="0"/>
                     </a:endParaRPr>
@@ -4578,20 +4154,13 @@
                   </a:bodyPr>
                   <a:lstStyle/>
                   <a:p>
-                    <a:pPr marL="0" marR="0" algn="r">
+                    <a:pPr algn="r">
                       <a:lnSpc>
                         <a:spcPct val="80000"/>
                       </a:lnSpc>
-                      <a:spcBef>
-                        <a:spcPts val="0"/>
-                      </a:spcBef>
-                      <a:spcAft>
-                        <a:spcPts val="0"/>
-                      </a:spcAft>
                     </a:pPr>
                     <a:r>
                       <a:rPr lang="en-US" sz="650" b="1">
-                        <a:effectLst/>
                         <a:latin typeface="Times New Roman" panose="02020603050405020304" pitchFamily="18" charset="0"/>
                         <a:ea typeface="Times New Roman" panose="02020603050405020304" pitchFamily="18" charset="0"/>
                       </a:rPr>
@@ -4599,21 +4168,18 @@
                     </a:r>
                     <a:br>
                       <a:rPr lang="en-US" sz="650" b="1">
-                        <a:effectLst/>
                         <a:latin typeface="Times New Roman" panose="02020603050405020304" pitchFamily="18" charset="0"/>
                         <a:ea typeface="Times New Roman" panose="02020603050405020304" pitchFamily="18" charset="0"/>
                       </a:rPr>
                     </a:br>
                     <a:r>
                       <a:rPr lang="en-US" sz="650" b="1">
-                        <a:effectLst/>
                         <a:latin typeface="Times New Roman" panose="02020603050405020304" pitchFamily="18" charset="0"/>
                         <a:ea typeface="Times New Roman" panose="02020603050405020304" pitchFamily="18" charset="0"/>
                       </a:rPr>
                       <a:t>Consumer</a:t>
                     </a:r>
                     <a:endParaRPr lang="en-US" sz="1200">
-                      <a:effectLst/>
                       <a:latin typeface="Times New Roman" panose="02020603050405020304" pitchFamily="18" charset="0"/>
                       <a:ea typeface="Times New Roman" panose="02020603050405020304" pitchFamily="18" charset="0"/>
                     </a:endParaRPr>
@@ -4783,23 +4349,16 @@
                     </a:bodyPr>
                     <a:lstStyle/>
                     <a:p>
-                      <a:pPr marL="0" marR="0" algn="ctr">
+                      <a:pPr algn="ctr">
                         <a:lnSpc>
                           <a:spcPct val="80000"/>
                         </a:lnSpc>
-                        <a:spcBef>
-                          <a:spcPts val="0"/>
-                        </a:spcBef>
-                        <a:spcAft>
-                          <a:spcPts val="0"/>
-                        </a:spcAft>
                       </a:pPr>
                       <a:r>
                         <a:rPr lang="it-IT" sz="650" b="1">
                           <a:solidFill>
                             <a:srgbClr val="595959"/>
                           </a:solidFill>
-                          <a:effectLst/>
                           <a:latin typeface="Times New Roman" panose="02020603050405020304" pitchFamily="18" charset="0"/>
                           <a:ea typeface="Times New Roman" panose="02020603050405020304" pitchFamily="18" charset="0"/>
                         </a:rPr>
@@ -4810,7 +4369,6 @@
                           <a:solidFill>
                             <a:srgbClr val="595959"/>
                           </a:solidFill>
-                          <a:effectLst/>
                           <a:latin typeface="Times New Roman" panose="02020603050405020304" pitchFamily="18" charset="0"/>
                           <a:ea typeface="Times New Roman" panose="02020603050405020304" pitchFamily="18" charset="0"/>
                         </a:rPr>
@@ -4820,7 +4378,6 @@
                           <a:solidFill>
                             <a:srgbClr val="595959"/>
                           </a:solidFill>
-                          <a:effectLst/>
                           <a:latin typeface="Times New Roman" panose="02020603050405020304" pitchFamily="18" charset="0"/>
                           <a:ea typeface="Times New Roman" panose="02020603050405020304" pitchFamily="18" charset="0"/>
                         </a:rPr>
@@ -4831,14 +4388,12 @@
                           <a:solidFill>
                             <a:srgbClr val="595959"/>
                           </a:solidFill>
-                          <a:effectLst/>
                           <a:latin typeface="Times New Roman" panose="02020603050405020304" pitchFamily="18" charset="0"/>
                           <a:ea typeface="Times New Roman" panose="02020603050405020304" pitchFamily="18" charset="0"/>
                         </a:rPr>
                         <a:t>Documents</a:t>
                       </a:r>
                       <a:endParaRPr lang="en-US" sz="1200">
-                        <a:effectLst/>
                         <a:latin typeface="Times New Roman" panose="02020603050405020304" pitchFamily="18" charset="0"/>
                         <a:ea typeface="Times New Roman" panose="02020603050405020304" pitchFamily="18" charset="0"/>
                       </a:endParaRPr>
@@ -5236,23 +4791,16 @@
                   </a:bodyPr>
                   <a:lstStyle/>
                   <a:p>
-                    <a:pPr marL="0" marR="0" algn="ctr">
+                    <a:pPr algn="ctr">
                       <a:lnSpc>
                         <a:spcPct val="80000"/>
                       </a:lnSpc>
-                      <a:spcBef>
-                        <a:spcPts val="0"/>
-                      </a:spcBef>
-                      <a:spcAft>
-                        <a:spcPts val="0"/>
-                      </a:spcAft>
                     </a:pPr>
                     <a:r>
                       <a:rPr lang="it-IT" sz="650" b="1">
                         <a:solidFill>
                           <a:srgbClr val="595959"/>
                         </a:solidFill>
-                        <a:effectLst/>
                         <a:latin typeface="Times New Roman" panose="02020603050405020304" pitchFamily="18" charset="0"/>
                         <a:ea typeface="Times New Roman" panose="02020603050405020304" pitchFamily="18" charset="0"/>
                       </a:rPr>
@@ -5263,14 +4811,12 @@
                         <a:solidFill>
                           <a:srgbClr val="595959"/>
                         </a:solidFill>
-                        <a:effectLst/>
                         <a:latin typeface="Times New Roman" panose="02020603050405020304" pitchFamily="18" charset="0"/>
                         <a:ea typeface="Times New Roman" panose="02020603050405020304" pitchFamily="18" charset="0"/>
                       </a:rPr>
                       <a:t>Documents</a:t>
                     </a:r>
                     <a:endParaRPr lang="en-US" sz="1200">
-                      <a:effectLst/>
                       <a:latin typeface="Times New Roman" panose="02020603050405020304" pitchFamily="18" charset="0"/>
                       <a:ea typeface="Times New Roman" panose="02020603050405020304" pitchFamily="18" charset="0"/>
                     </a:endParaRPr>
@@ -5471,17 +5017,13 @@
             </a:bodyPr>
             <a:lstStyle/>
             <a:p>
-              <a:pPr marL="0" marR="0" algn="ctr">
+              <a:pPr algn="ctr">
                 <a:spcBef>
                   <a:spcPts val="600"/>
                 </a:spcBef>
-                <a:spcAft>
-                  <a:spcPts val="0"/>
-                </a:spcAft>
               </a:pPr>
               <a:r>
                 <a:rPr lang="en-US" sz="1200">
-                  <a:effectLst/>
                   <a:latin typeface="Times New Roman" panose="02020603050405020304" pitchFamily="18" charset="0"/>
                   <a:ea typeface="Times New Roman" panose="02020603050405020304" pitchFamily="18" charset="0"/>
                 </a:rPr>
@@ -5727,14 +5269,14 @@
             </a:ln>
             <a:extLst>
               <a:ext uri="{909E8E84-426E-40dd-AFC4-6F175D3DCCD1}">
-                <a14:hiddenFill xmlns:wpc="http://schemas.microsoft.com/office/word/2010/wordprocessingCanvas" xmlns:mc="http://schemas.openxmlformats.org/markup-compatibility/2006" xmlns:m="http://schemas.openxmlformats.org/officeDocument/2006/math" xmlns:wp14="http://schemas.microsoft.com/office/word/2010/wordprocessingDrawing" xmlns:wp="http://schemas.openxmlformats.org/drawingml/2006/wordprocessingDrawing" xmlns:w14="http://schemas.microsoft.com/office/word/2010/wordml" xmlns:w15="http://schemas.microsoft.com/office/word/2012/wordml" xmlns:wpg="http://schemas.microsoft.com/office/word/2010/wordprocessingGroup" xmlns:wpi="http://schemas.microsoft.com/office/word/2010/wordprocessingInk" xmlns:wne="http://schemas.microsoft.com/office/word/2006/wordml" xmlns:wps="http://schemas.microsoft.com/office/word/2010/wordprocessingShape" xmlns:cx="http://schemas.microsoft.com/office/drawing/2014/chartex" xmlns:cx1="http://schemas.microsoft.com/office/drawing/2015/9/8/chartex" xmlns:cx2="http://schemas.microsoft.com/office/drawing/2015/10/21/chartex" xmlns:cx3="http://schemas.microsoft.com/office/drawing/2016/5/9/chartex" xmlns:cx4="http://schemas.microsoft.com/office/drawing/2016/5/10/chartex" xmlns:cx5="http://schemas.microsoft.com/office/drawing/2016/5/11/chartex" xmlns:cx6="http://schemas.microsoft.com/office/drawing/2016/5/12/chartex" xmlns:cx7="http://schemas.microsoft.com/office/drawing/2016/5/13/chartex" xmlns:cx8="http://schemas.microsoft.com/office/drawing/2016/5/14/chartex" xmlns:aink="http://schemas.microsoft.com/office/drawing/2016/ink" xmlns:am3d="http://schemas.microsoft.com/office/drawing/2017/model3d" xmlns:w16cid="http://schemas.microsoft.com/office/word/2016/wordml/cid" xmlns:w16se="http://schemas.microsoft.com/office/word/2015/wordml/symex" xmlns:a14="http://schemas.microsoft.com/office/drawing/2010/main" xmlns:w="http://schemas.openxmlformats.org/wordprocessingml/2006/main" xmlns:w10="urn:schemas-microsoft-com:office:word" xmlns:v="urn:schemas-microsoft-com:vml" xmlns:o="urn:schemas-microsoft-com:office:office" xmlns:mv="urn:schemas-microsoft-com:mac:vml" xmlns:mo="http://schemas.microsoft.com/office/mac/office/2008/main" xmlns="" xmlns:arto="http://schemas.microsoft.com/office/word/2006/arto" xmlns:lc="http://schemas.openxmlformats.org/drawingml/2006/lockedCanvas">
+                <a14:hiddenFill xmlns:lc="http://schemas.openxmlformats.org/drawingml/2006/lockedCanvas" xmlns:arto="http://schemas.microsoft.com/office/word/2006/arto" xmlns="" xmlns:mo="http://schemas.microsoft.com/office/mac/office/2008/main" xmlns:mv="urn:schemas-microsoft-com:mac:vml" xmlns:o="urn:schemas-microsoft-com:office:office" xmlns:v="urn:schemas-microsoft-com:vml" xmlns:w10="urn:schemas-microsoft-com:office:word" xmlns:w="http://schemas.openxmlformats.org/wordprocessingml/2006/main" xmlns:a14="http://schemas.microsoft.com/office/drawing/2010/main" xmlns:w16se="http://schemas.microsoft.com/office/word/2015/wordml/symex" xmlns:w16cid="http://schemas.microsoft.com/office/word/2016/wordml/cid" xmlns:am3d="http://schemas.microsoft.com/office/drawing/2017/model3d" xmlns:aink="http://schemas.microsoft.com/office/drawing/2016/ink" xmlns:cx8="http://schemas.microsoft.com/office/drawing/2016/5/14/chartex" xmlns:cx7="http://schemas.microsoft.com/office/drawing/2016/5/13/chartex" xmlns:cx6="http://schemas.microsoft.com/office/drawing/2016/5/12/chartex" xmlns:cx5="http://schemas.microsoft.com/office/drawing/2016/5/11/chartex" xmlns:cx4="http://schemas.microsoft.com/office/drawing/2016/5/10/chartex" xmlns:cx3="http://schemas.microsoft.com/office/drawing/2016/5/9/chartex" xmlns:cx2="http://schemas.microsoft.com/office/drawing/2015/10/21/chartex" xmlns:cx1="http://schemas.microsoft.com/office/drawing/2015/9/8/chartex" xmlns:cx="http://schemas.microsoft.com/office/drawing/2014/chartex" xmlns:wps="http://schemas.microsoft.com/office/word/2010/wordprocessingShape" xmlns:wne="http://schemas.microsoft.com/office/word/2006/wordml" xmlns:wpi="http://schemas.microsoft.com/office/word/2010/wordprocessingInk" xmlns:wpg="http://schemas.microsoft.com/office/word/2010/wordprocessingGroup" xmlns:w15="http://schemas.microsoft.com/office/word/2012/wordml" xmlns:w14="http://schemas.microsoft.com/office/word/2010/wordml" xmlns:wp="http://schemas.openxmlformats.org/drawingml/2006/wordprocessingDrawing" xmlns:wp14="http://schemas.microsoft.com/office/word/2010/wordprocessingDrawing" xmlns:m="http://schemas.openxmlformats.org/officeDocument/2006/math" xmlns:mc="http://schemas.openxmlformats.org/markup-compatibility/2006" xmlns:wpc="http://schemas.microsoft.com/office/word/2010/wordprocessingCanvas">
                   <a:solidFill>
                     <a:srgbClr val="FFFFFF"/>
                   </a:solidFill>
                 </a14:hiddenFill>
               </a:ext>
               <a:ext uri="{91240B29-F687-4f45-9708-019B960494DF}">
-                <a14:hiddenLine xmlns:wpc="http://schemas.microsoft.com/office/word/2010/wordprocessingCanvas" xmlns:mc="http://schemas.openxmlformats.org/markup-compatibility/2006" xmlns:m="http://schemas.openxmlformats.org/officeDocument/2006/math" xmlns:wp14="http://schemas.microsoft.com/office/word/2010/wordprocessingDrawing" xmlns:wp="http://schemas.openxmlformats.org/drawingml/2006/wordprocessingDrawing" xmlns:w14="http://schemas.microsoft.com/office/word/2010/wordml" xmlns:w15="http://schemas.microsoft.com/office/word/2012/wordml" xmlns:wpg="http://schemas.microsoft.com/office/word/2010/wordprocessingGroup" xmlns:wpi="http://schemas.microsoft.com/office/word/2010/wordprocessingInk" xmlns:wne="http://schemas.microsoft.com/office/word/2006/wordml" xmlns:wps="http://schemas.microsoft.com/office/word/2010/wordprocessingShape" xmlns:cx="http://schemas.microsoft.com/office/drawing/2014/chartex" xmlns:cx1="http://schemas.microsoft.com/office/drawing/2015/9/8/chartex" xmlns:cx2="http://schemas.microsoft.com/office/drawing/2015/10/21/chartex" xmlns:cx3="http://schemas.microsoft.com/office/drawing/2016/5/9/chartex" xmlns:cx4="http://schemas.microsoft.com/office/drawing/2016/5/10/chartex" xmlns:cx5="http://schemas.microsoft.com/office/drawing/2016/5/11/chartex" xmlns:cx6="http://schemas.microsoft.com/office/drawing/2016/5/12/chartex" xmlns:cx7="http://schemas.microsoft.com/office/drawing/2016/5/13/chartex" xmlns:cx8="http://schemas.microsoft.com/office/drawing/2016/5/14/chartex" xmlns:aink="http://schemas.microsoft.com/office/drawing/2016/ink" xmlns:am3d="http://schemas.microsoft.com/office/drawing/2017/model3d" xmlns:w16cid="http://schemas.microsoft.com/office/word/2016/wordml/cid" xmlns:w16se="http://schemas.microsoft.com/office/word/2015/wordml/symex" xmlns:a14="http://schemas.microsoft.com/office/drawing/2010/main" xmlns:w="http://schemas.openxmlformats.org/wordprocessingml/2006/main" xmlns:w10="urn:schemas-microsoft-com:office:word" xmlns:v="urn:schemas-microsoft-com:vml" xmlns:o="urn:schemas-microsoft-com:office:office" xmlns:mv="urn:schemas-microsoft-com:mac:vml" xmlns:mo="http://schemas.microsoft.com/office/mac/office/2008/main" xmlns="" xmlns:arto="http://schemas.microsoft.com/office/word/2006/arto" xmlns:lc="http://schemas.openxmlformats.org/drawingml/2006/lockedCanvas" w="9525">
+                <a14:hiddenLine xmlns:lc="http://schemas.openxmlformats.org/drawingml/2006/lockedCanvas" xmlns:arto="http://schemas.microsoft.com/office/word/2006/arto" xmlns="" xmlns:mo="http://schemas.microsoft.com/office/mac/office/2008/main" xmlns:mv="urn:schemas-microsoft-com:mac:vml" xmlns:o="urn:schemas-microsoft-com:office:office" xmlns:v="urn:schemas-microsoft-com:vml" xmlns:w10="urn:schemas-microsoft-com:office:word" xmlns:w="http://schemas.openxmlformats.org/wordprocessingml/2006/main" xmlns:a14="http://schemas.microsoft.com/office/drawing/2010/main" xmlns:w16se="http://schemas.microsoft.com/office/word/2015/wordml/symex" xmlns:w16cid="http://schemas.microsoft.com/office/word/2016/wordml/cid" xmlns:am3d="http://schemas.microsoft.com/office/drawing/2017/model3d" xmlns:aink="http://schemas.microsoft.com/office/drawing/2016/ink" xmlns:cx8="http://schemas.microsoft.com/office/drawing/2016/5/14/chartex" xmlns:cx7="http://schemas.microsoft.com/office/drawing/2016/5/13/chartex" xmlns:cx6="http://schemas.microsoft.com/office/drawing/2016/5/12/chartex" xmlns:cx5="http://schemas.microsoft.com/office/drawing/2016/5/11/chartex" xmlns:cx4="http://schemas.microsoft.com/office/drawing/2016/5/10/chartex" xmlns:cx3="http://schemas.microsoft.com/office/drawing/2016/5/9/chartex" xmlns:cx2="http://schemas.microsoft.com/office/drawing/2015/10/21/chartex" xmlns:cx1="http://schemas.microsoft.com/office/drawing/2015/9/8/chartex" xmlns:cx="http://schemas.microsoft.com/office/drawing/2014/chartex" xmlns:wps="http://schemas.microsoft.com/office/word/2010/wordprocessingShape" xmlns:wne="http://schemas.microsoft.com/office/word/2006/wordml" xmlns:wpi="http://schemas.microsoft.com/office/word/2010/wordprocessingInk" xmlns:wpg="http://schemas.microsoft.com/office/word/2010/wordprocessingGroup" xmlns:w15="http://schemas.microsoft.com/office/word/2012/wordml" xmlns:w14="http://schemas.microsoft.com/office/word/2010/wordml" xmlns:wp="http://schemas.openxmlformats.org/drawingml/2006/wordprocessingDrawing" xmlns:wp14="http://schemas.microsoft.com/office/word/2010/wordprocessingDrawing" xmlns:m="http://schemas.openxmlformats.org/officeDocument/2006/math" xmlns:mc="http://schemas.openxmlformats.org/markup-compatibility/2006" xmlns:wpc="http://schemas.microsoft.com/office/word/2010/wordprocessingCanvas" w="9525">
                   <a:solidFill>
                     <a:srgbClr val="000000"/>
                   </a:solidFill>
@@ -5751,20 +5293,13 @@
             </a:bodyPr>
             <a:lstStyle/>
             <a:p>
-              <a:pPr marL="0" marR="0" algn="ctr">
+              <a:pPr algn="ctr">
                 <a:lnSpc>
                   <a:spcPct val="115000"/>
                 </a:lnSpc>
-                <a:spcBef>
-                  <a:spcPts val="0"/>
-                </a:spcBef>
-                <a:spcAft>
-                  <a:spcPts val="0"/>
-                </a:spcAft>
               </a:pPr>
               <a:r>
                 <a:rPr lang="en-US" sz="700">
-                  <a:effectLst/>
                   <a:highlight>
                     <a:srgbClr val="D3D3D3"/>
                   </a:highlight>
@@ -5775,14 +5310,12 @@
               </a:r>
               <a:r>
                 <a:rPr lang="en-US" sz="700">
-                  <a:effectLst/>
                   <a:latin typeface="Times New Roman" panose="02020603050405020304" pitchFamily="18" charset="0"/>
                   <a:ea typeface="Times New Roman" panose="02020603050405020304" pitchFamily="18" charset="0"/>
                 </a:rPr>
                 <a:t> Response</a:t>
               </a:r>
               <a:endParaRPr lang="en-US" sz="1200">
-                <a:effectLst/>
                 <a:latin typeface="Times New Roman" panose="02020603050405020304" pitchFamily="18" charset="0"/>
                 <a:ea typeface="Times New Roman" panose="02020603050405020304" pitchFamily="18" charset="0"/>
               </a:endParaRPr>
@@ -5842,7 +5375,7 @@
               </a:ln>
               <a:extLst>
                 <a:ext uri="{909E8E84-426E-40dd-AFC4-6F175D3DCCD1}">
-                  <a14:hiddenFill xmlns:wpc="http://schemas.microsoft.com/office/word/2010/wordprocessingCanvas" xmlns:mc="http://schemas.openxmlformats.org/markup-compatibility/2006" xmlns:m="http://schemas.openxmlformats.org/officeDocument/2006/math" xmlns:wp14="http://schemas.microsoft.com/office/word/2010/wordprocessingDrawing" xmlns:wp="http://schemas.openxmlformats.org/drawingml/2006/wordprocessingDrawing" xmlns:w14="http://schemas.microsoft.com/office/word/2010/wordml" xmlns:w15="http://schemas.microsoft.com/office/word/2012/wordml" xmlns:wpg="http://schemas.microsoft.com/office/word/2010/wordprocessingGroup" xmlns:wpi="http://schemas.microsoft.com/office/word/2010/wordprocessingInk" xmlns:wne="http://schemas.microsoft.com/office/word/2006/wordml" xmlns:wps="http://schemas.microsoft.com/office/word/2010/wordprocessingShape" xmlns:cx="http://schemas.microsoft.com/office/drawing/2014/chartex" xmlns:cx1="http://schemas.microsoft.com/office/drawing/2015/9/8/chartex" xmlns:cx2="http://schemas.microsoft.com/office/drawing/2015/10/21/chartex" xmlns:cx3="http://schemas.microsoft.com/office/drawing/2016/5/9/chartex" xmlns:cx4="http://schemas.microsoft.com/office/drawing/2016/5/10/chartex" xmlns:cx5="http://schemas.microsoft.com/office/drawing/2016/5/11/chartex" xmlns:cx6="http://schemas.microsoft.com/office/drawing/2016/5/12/chartex" xmlns:cx7="http://schemas.microsoft.com/office/drawing/2016/5/13/chartex" xmlns:cx8="http://schemas.microsoft.com/office/drawing/2016/5/14/chartex" xmlns:aink="http://schemas.microsoft.com/office/drawing/2016/ink" xmlns:am3d="http://schemas.microsoft.com/office/drawing/2017/model3d" xmlns:w16cid="http://schemas.microsoft.com/office/word/2016/wordml/cid" xmlns:w16se="http://schemas.microsoft.com/office/word/2015/wordml/symex" xmlns:a14="http://schemas.microsoft.com/office/drawing/2010/main" xmlns:w="http://schemas.openxmlformats.org/wordprocessingml/2006/main" xmlns:w10="urn:schemas-microsoft-com:office:word" xmlns:v="urn:schemas-microsoft-com:vml" xmlns:o="urn:schemas-microsoft-com:office:office" xmlns:mv="urn:schemas-microsoft-com:mac:vml" xmlns:mo="http://schemas.microsoft.com/office/mac/office/2008/main" xmlns="" xmlns:arto="http://schemas.microsoft.com/office/word/2006/arto" xmlns:lc="http://schemas.openxmlformats.org/drawingml/2006/lockedCanvas">
+                  <a14:hiddenFill xmlns:lc="http://schemas.openxmlformats.org/drawingml/2006/lockedCanvas" xmlns:arto="http://schemas.microsoft.com/office/word/2006/arto" xmlns="" xmlns:mo="http://schemas.microsoft.com/office/mac/office/2008/main" xmlns:mv="urn:schemas-microsoft-com:mac:vml" xmlns:o="urn:schemas-microsoft-com:office:office" xmlns:v="urn:schemas-microsoft-com:vml" xmlns:w10="urn:schemas-microsoft-com:office:word" xmlns:w="http://schemas.openxmlformats.org/wordprocessingml/2006/main" xmlns:a14="http://schemas.microsoft.com/office/drawing/2010/main" xmlns:w16se="http://schemas.microsoft.com/office/word/2015/wordml/symex" xmlns:w16cid="http://schemas.microsoft.com/office/word/2016/wordml/cid" xmlns:am3d="http://schemas.microsoft.com/office/drawing/2017/model3d" xmlns:aink="http://schemas.microsoft.com/office/drawing/2016/ink" xmlns:cx8="http://schemas.microsoft.com/office/drawing/2016/5/14/chartex" xmlns:cx7="http://schemas.microsoft.com/office/drawing/2016/5/13/chartex" xmlns:cx6="http://schemas.microsoft.com/office/drawing/2016/5/12/chartex" xmlns:cx5="http://schemas.microsoft.com/office/drawing/2016/5/11/chartex" xmlns:cx4="http://schemas.microsoft.com/office/drawing/2016/5/10/chartex" xmlns:cx3="http://schemas.microsoft.com/office/drawing/2016/5/9/chartex" xmlns:cx2="http://schemas.microsoft.com/office/drawing/2015/10/21/chartex" xmlns:cx1="http://schemas.microsoft.com/office/drawing/2015/9/8/chartex" xmlns:cx="http://schemas.microsoft.com/office/drawing/2014/chartex" xmlns:wps="http://schemas.microsoft.com/office/word/2010/wordprocessingShape" xmlns:wne="http://schemas.microsoft.com/office/word/2006/wordml" xmlns:wpi="http://schemas.microsoft.com/office/word/2010/wordprocessingInk" xmlns:wpg="http://schemas.microsoft.com/office/word/2010/wordprocessingGroup" xmlns:w15="http://schemas.microsoft.com/office/word/2012/wordml" xmlns:w14="http://schemas.microsoft.com/office/word/2010/wordml" xmlns:wp="http://schemas.openxmlformats.org/drawingml/2006/wordprocessingDrawing" xmlns:wp14="http://schemas.microsoft.com/office/word/2010/wordprocessingDrawing" xmlns:m="http://schemas.openxmlformats.org/officeDocument/2006/math" xmlns:mc="http://schemas.openxmlformats.org/markup-compatibility/2006" xmlns:wpc="http://schemas.microsoft.com/office/word/2010/wordprocessingCanvas">
                     <a:noFill/>
                   </a14:hiddenFill>
                 </a:ext>
@@ -5882,7 +5415,7 @@
               </a:ln>
               <a:extLst>
                 <a:ext uri="{909E8E84-426E-40dd-AFC4-6F175D3DCCD1}">
-                  <a14:hiddenFill xmlns:wpc="http://schemas.microsoft.com/office/word/2010/wordprocessingCanvas" xmlns:mc="http://schemas.openxmlformats.org/markup-compatibility/2006" xmlns:m="http://schemas.openxmlformats.org/officeDocument/2006/math" xmlns:wp14="http://schemas.microsoft.com/office/word/2010/wordprocessingDrawing" xmlns:wp="http://schemas.openxmlformats.org/drawingml/2006/wordprocessingDrawing" xmlns:w14="http://schemas.microsoft.com/office/word/2010/wordml" xmlns:w15="http://schemas.microsoft.com/office/word/2012/wordml" xmlns:wpg="http://schemas.microsoft.com/office/word/2010/wordprocessingGroup" xmlns:wpi="http://schemas.microsoft.com/office/word/2010/wordprocessingInk" xmlns:wne="http://schemas.microsoft.com/office/word/2006/wordml" xmlns:wps="http://schemas.microsoft.com/office/word/2010/wordprocessingShape" xmlns:cx="http://schemas.microsoft.com/office/drawing/2014/chartex" xmlns:cx1="http://schemas.microsoft.com/office/drawing/2015/9/8/chartex" xmlns:cx2="http://schemas.microsoft.com/office/drawing/2015/10/21/chartex" xmlns:cx3="http://schemas.microsoft.com/office/drawing/2016/5/9/chartex" xmlns:cx4="http://schemas.microsoft.com/office/drawing/2016/5/10/chartex" xmlns:cx5="http://schemas.microsoft.com/office/drawing/2016/5/11/chartex" xmlns:cx6="http://schemas.microsoft.com/office/drawing/2016/5/12/chartex" xmlns:cx7="http://schemas.microsoft.com/office/drawing/2016/5/13/chartex" xmlns:cx8="http://schemas.microsoft.com/office/drawing/2016/5/14/chartex" xmlns:aink="http://schemas.microsoft.com/office/drawing/2016/ink" xmlns:am3d="http://schemas.microsoft.com/office/drawing/2017/model3d" xmlns:w16cid="http://schemas.microsoft.com/office/word/2016/wordml/cid" xmlns:w16se="http://schemas.microsoft.com/office/word/2015/wordml/symex" xmlns:a14="http://schemas.microsoft.com/office/drawing/2010/main" xmlns:w="http://schemas.openxmlformats.org/wordprocessingml/2006/main" xmlns:w10="urn:schemas-microsoft-com:office:word" xmlns:v="urn:schemas-microsoft-com:vml" xmlns:o="urn:schemas-microsoft-com:office:office" xmlns:mv="urn:schemas-microsoft-com:mac:vml" xmlns:mo="http://schemas.microsoft.com/office/mac/office/2008/main" xmlns="" xmlns:arto="http://schemas.microsoft.com/office/word/2006/arto" xmlns:lc="http://schemas.openxmlformats.org/drawingml/2006/lockedCanvas">
+                  <a14:hiddenFill xmlns:lc="http://schemas.openxmlformats.org/drawingml/2006/lockedCanvas" xmlns:arto="http://schemas.microsoft.com/office/word/2006/arto" xmlns="" xmlns:mo="http://schemas.microsoft.com/office/mac/office/2008/main" xmlns:mv="urn:schemas-microsoft-com:mac:vml" xmlns:o="urn:schemas-microsoft-com:office:office" xmlns:v="urn:schemas-microsoft-com:vml" xmlns:w10="urn:schemas-microsoft-com:office:word" xmlns:w="http://schemas.openxmlformats.org/wordprocessingml/2006/main" xmlns:a14="http://schemas.microsoft.com/office/drawing/2010/main" xmlns:w16se="http://schemas.microsoft.com/office/word/2015/wordml/symex" xmlns:w16cid="http://schemas.microsoft.com/office/word/2016/wordml/cid" xmlns:am3d="http://schemas.microsoft.com/office/drawing/2017/model3d" xmlns:aink="http://schemas.microsoft.com/office/drawing/2016/ink" xmlns:cx8="http://schemas.microsoft.com/office/drawing/2016/5/14/chartex" xmlns:cx7="http://schemas.microsoft.com/office/drawing/2016/5/13/chartex" xmlns:cx6="http://schemas.microsoft.com/office/drawing/2016/5/12/chartex" xmlns:cx5="http://schemas.microsoft.com/office/drawing/2016/5/11/chartex" xmlns:cx4="http://schemas.microsoft.com/office/drawing/2016/5/10/chartex" xmlns:cx3="http://schemas.microsoft.com/office/drawing/2016/5/9/chartex" xmlns:cx2="http://schemas.microsoft.com/office/drawing/2015/10/21/chartex" xmlns:cx1="http://schemas.microsoft.com/office/drawing/2015/9/8/chartex" xmlns:cx="http://schemas.microsoft.com/office/drawing/2014/chartex" xmlns:wps="http://schemas.microsoft.com/office/word/2010/wordprocessingShape" xmlns:wne="http://schemas.microsoft.com/office/word/2006/wordml" xmlns:wpi="http://schemas.microsoft.com/office/word/2010/wordprocessingInk" xmlns:wpg="http://schemas.microsoft.com/office/word/2010/wordprocessingGroup" xmlns:w15="http://schemas.microsoft.com/office/word/2012/wordml" xmlns:w14="http://schemas.microsoft.com/office/word/2010/wordml" xmlns:wp="http://schemas.openxmlformats.org/drawingml/2006/wordprocessingDrawing" xmlns:wp14="http://schemas.microsoft.com/office/word/2010/wordprocessingDrawing" xmlns:m="http://schemas.openxmlformats.org/officeDocument/2006/math" xmlns:mc="http://schemas.openxmlformats.org/markup-compatibility/2006" xmlns:wpc="http://schemas.microsoft.com/office/word/2010/wordprocessingCanvas">
                     <a:noFill/>
                   </a14:hiddenFill>
                 </a:ext>
@@ -5918,14 +5451,14 @@
             </a:ln>
             <a:extLst>
               <a:ext uri="{909E8E84-426E-40dd-AFC4-6F175D3DCCD1}">
-                <a14:hiddenFill xmlns:wpc="http://schemas.microsoft.com/office/word/2010/wordprocessingCanvas" xmlns:mc="http://schemas.openxmlformats.org/markup-compatibility/2006" xmlns:m="http://schemas.openxmlformats.org/officeDocument/2006/math" xmlns:wp14="http://schemas.microsoft.com/office/word/2010/wordprocessingDrawing" xmlns:wp="http://schemas.openxmlformats.org/drawingml/2006/wordprocessingDrawing" xmlns:w14="http://schemas.microsoft.com/office/word/2010/wordml" xmlns:w15="http://schemas.microsoft.com/office/word/2012/wordml" xmlns:wpg="http://schemas.microsoft.com/office/word/2010/wordprocessingGroup" xmlns:wpi="http://schemas.microsoft.com/office/word/2010/wordprocessingInk" xmlns:wne="http://schemas.microsoft.com/office/word/2006/wordml" xmlns:wps="http://schemas.microsoft.com/office/word/2010/wordprocessingShape" xmlns:cx="http://schemas.microsoft.com/office/drawing/2014/chartex" xmlns:cx1="http://schemas.microsoft.com/office/drawing/2015/9/8/chartex" xmlns:cx2="http://schemas.microsoft.com/office/drawing/2015/10/21/chartex" xmlns:cx3="http://schemas.microsoft.com/office/drawing/2016/5/9/chartex" xmlns:cx4="http://schemas.microsoft.com/office/drawing/2016/5/10/chartex" xmlns:cx5="http://schemas.microsoft.com/office/drawing/2016/5/11/chartex" xmlns:cx6="http://schemas.microsoft.com/office/drawing/2016/5/12/chartex" xmlns:cx7="http://schemas.microsoft.com/office/drawing/2016/5/13/chartex" xmlns:cx8="http://schemas.microsoft.com/office/drawing/2016/5/14/chartex" xmlns:aink="http://schemas.microsoft.com/office/drawing/2016/ink" xmlns:am3d="http://schemas.microsoft.com/office/drawing/2017/model3d" xmlns:w16cid="http://schemas.microsoft.com/office/word/2016/wordml/cid" xmlns:w16se="http://schemas.microsoft.com/office/word/2015/wordml/symex" xmlns:a14="http://schemas.microsoft.com/office/drawing/2010/main" xmlns:w="http://schemas.openxmlformats.org/wordprocessingml/2006/main" xmlns:w10="urn:schemas-microsoft-com:office:word" xmlns:v="urn:schemas-microsoft-com:vml" xmlns:o="urn:schemas-microsoft-com:office:office" xmlns:mv="urn:schemas-microsoft-com:mac:vml" xmlns:mo="http://schemas.microsoft.com/office/mac/office/2008/main" xmlns="" xmlns:arto="http://schemas.microsoft.com/office/word/2006/arto" xmlns:lc="http://schemas.openxmlformats.org/drawingml/2006/lockedCanvas">
+                <a14:hiddenFill xmlns:lc="http://schemas.openxmlformats.org/drawingml/2006/lockedCanvas" xmlns:arto="http://schemas.microsoft.com/office/word/2006/arto" xmlns="" xmlns:mo="http://schemas.microsoft.com/office/mac/office/2008/main" xmlns:mv="urn:schemas-microsoft-com:mac:vml" xmlns:o="urn:schemas-microsoft-com:office:office" xmlns:v="urn:schemas-microsoft-com:vml" xmlns:w10="urn:schemas-microsoft-com:office:word" xmlns:w="http://schemas.openxmlformats.org/wordprocessingml/2006/main" xmlns:a14="http://schemas.microsoft.com/office/drawing/2010/main" xmlns:w16se="http://schemas.microsoft.com/office/word/2015/wordml/symex" xmlns:w16cid="http://schemas.microsoft.com/office/word/2016/wordml/cid" xmlns:am3d="http://schemas.microsoft.com/office/drawing/2017/model3d" xmlns:aink="http://schemas.microsoft.com/office/drawing/2016/ink" xmlns:cx8="http://schemas.microsoft.com/office/drawing/2016/5/14/chartex" xmlns:cx7="http://schemas.microsoft.com/office/drawing/2016/5/13/chartex" xmlns:cx6="http://schemas.microsoft.com/office/drawing/2016/5/12/chartex" xmlns:cx5="http://schemas.microsoft.com/office/drawing/2016/5/11/chartex" xmlns:cx4="http://schemas.microsoft.com/office/drawing/2016/5/10/chartex" xmlns:cx3="http://schemas.microsoft.com/office/drawing/2016/5/9/chartex" xmlns:cx2="http://schemas.microsoft.com/office/drawing/2015/10/21/chartex" xmlns:cx1="http://schemas.microsoft.com/office/drawing/2015/9/8/chartex" xmlns:cx="http://schemas.microsoft.com/office/drawing/2014/chartex" xmlns:wps="http://schemas.microsoft.com/office/word/2010/wordprocessingShape" xmlns:wne="http://schemas.microsoft.com/office/word/2006/wordml" xmlns:wpi="http://schemas.microsoft.com/office/word/2010/wordprocessingInk" xmlns:wpg="http://schemas.microsoft.com/office/word/2010/wordprocessingGroup" xmlns:w15="http://schemas.microsoft.com/office/word/2012/wordml" xmlns:w14="http://schemas.microsoft.com/office/word/2010/wordml" xmlns:wp="http://schemas.openxmlformats.org/drawingml/2006/wordprocessingDrawing" xmlns:wp14="http://schemas.microsoft.com/office/word/2010/wordprocessingDrawing" xmlns:m="http://schemas.openxmlformats.org/officeDocument/2006/math" xmlns:mc="http://schemas.openxmlformats.org/markup-compatibility/2006" xmlns:wpc="http://schemas.microsoft.com/office/word/2010/wordprocessingCanvas">
                   <a:solidFill>
                     <a:srgbClr val="FFFFFF"/>
                   </a:solidFill>
                 </a14:hiddenFill>
               </a:ext>
               <a:ext uri="{91240B29-F687-4f45-9708-019B960494DF}">
-                <a14:hiddenLine xmlns:wpc="http://schemas.microsoft.com/office/word/2010/wordprocessingCanvas" xmlns:mc="http://schemas.openxmlformats.org/markup-compatibility/2006" xmlns:m="http://schemas.openxmlformats.org/officeDocument/2006/math" xmlns:wp14="http://schemas.microsoft.com/office/word/2010/wordprocessingDrawing" xmlns:wp="http://schemas.openxmlformats.org/drawingml/2006/wordprocessingDrawing" xmlns:w14="http://schemas.microsoft.com/office/word/2010/wordml" xmlns:w15="http://schemas.microsoft.com/office/word/2012/wordml" xmlns:wpg="http://schemas.microsoft.com/office/word/2010/wordprocessingGroup" xmlns:wpi="http://schemas.microsoft.com/office/word/2010/wordprocessingInk" xmlns:wne="http://schemas.microsoft.com/office/word/2006/wordml" xmlns:wps="http://schemas.microsoft.com/office/word/2010/wordprocessingShape" xmlns:cx="http://schemas.microsoft.com/office/drawing/2014/chartex" xmlns:cx1="http://schemas.microsoft.com/office/drawing/2015/9/8/chartex" xmlns:cx2="http://schemas.microsoft.com/office/drawing/2015/10/21/chartex" xmlns:cx3="http://schemas.microsoft.com/office/drawing/2016/5/9/chartex" xmlns:cx4="http://schemas.microsoft.com/office/drawing/2016/5/10/chartex" xmlns:cx5="http://schemas.microsoft.com/office/drawing/2016/5/11/chartex" xmlns:cx6="http://schemas.microsoft.com/office/drawing/2016/5/12/chartex" xmlns:cx7="http://schemas.microsoft.com/office/drawing/2016/5/13/chartex" xmlns:cx8="http://schemas.microsoft.com/office/drawing/2016/5/14/chartex" xmlns:aink="http://schemas.microsoft.com/office/drawing/2016/ink" xmlns:am3d="http://schemas.microsoft.com/office/drawing/2017/model3d" xmlns:w16cid="http://schemas.microsoft.com/office/word/2016/wordml/cid" xmlns:w16se="http://schemas.microsoft.com/office/word/2015/wordml/symex" xmlns:a14="http://schemas.microsoft.com/office/drawing/2010/main" xmlns:w="http://schemas.openxmlformats.org/wordprocessingml/2006/main" xmlns:w10="urn:schemas-microsoft-com:office:word" xmlns:v="urn:schemas-microsoft-com:vml" xmlns:o="urn:schemas-microsoft-com:office:office" xmlns:mv="urn:schemas-microsoft-com:mac:vml" xmlns:mo="http://schemas.microsoft.com/office/mac/office/2008/main" xmlns="" xmlns:arto="http://schemas.microsoft.com/office/word/2006/arto" xmlns:lc="http://schemas.openxmlformats.org/drawingml/2006/lockedCanvas" w="9525">
+                <a14:hiddenLine xmlns:lc="http://schemas.openxmlformats.org/drawingml/2006/lockedCanvas" xmlns:arto="http://schemas.microsoft.com/office/word/2006/arto" xmlns="" xmlns:mo="http://schemas.microsoft.com/office/mac/office/2008/main" xmlns:mv="urn:schemas-microsoft-com:mac:vml" xmlns:o="urn:schemas-microsoft-com:office:office" xmlns:v="urn:schemas-microsoft-com:vml" xmlns:w10="urn:schemas-microsoft-com:office:word" xmlns:w="http://schemas.openxmlformats.org/wordprocessingml/2006/main" xmlns:a14="http://schemas.microsoft.com/office/drawing/2010/main" xmlns:w16se="http://schemas.microsoft.com/office/word/2015/wordml/symex" xmlns:w16cid="http://schemas.microsoft.com/office/word/2016/wordml/cid" xmlns:am3d="http://schemas.microsoft.com/office/drawing/2017/model3d" xmlns:aink="http://schemas.microsoft.com/office/drawing/2016/ink" xmlns:cx8="http://schemas.microsoft.com/office/drawing/2016/5/14/chartex" xmlns:cx7="http://schemas.microsoft.com/office/drawing/2016/5/13/chartex" xmlns:cx6="http://schemas.microsoft.com/office/drawing/2016/5/12/chartex" xmlns:cx5="http://schemas.microsoft.com/office/drawing/2016/5/11/chartex" xmlns:cx4="http://schemas.microsoft.com/office/drawing/2016/5/10/chartex" xmlns:cx3="http://schemas.microsoft.com/office/drawing/2016/5/9/chartex" xmlns:cx2="http://schemas.microsoft.com/office/drawing/2015/10/21/chartex" xmlns:cx1="http://schemas.microsoft.com/office/drawing/2015/9/8/chartex" xmlns:cx="http://schemas.microsoft.com/office/drawing/2014/chartex" xmlns:wps="http://schemas.microsoft.com/office/word/2010/wordprocessingShape" xmlns:wne="http://schemas.microsoft.com/office/word/2006/wordml" xmlns:wpi="http://schemas.microsoft.com/office/word/2010/wordprocessingInk" xmlns:wpg="http://schemas.microsoft.com/office/word/2010/wordprocessingGroup" xmlns:w15="http://schemas.microsoft.com/office/word/2012/wordml" xmlns:w14="http://schemas.microsoft.com/office/word/2010/wordml" xmlns:wp="http://schemas.openxmlformats.org/drawingml/2006/wordprocessingDrawing" xmlns:wp14="http://schemas.microsoft.com/office/word/2010/wordprocessingDrawing" xmlns:m="http://schemas.openxmlformats.org/officeDocument/2006/math" xmlns:mc="http://schemas.openxmlformats.org/markup-compatibility/2006" xmlns:wpc="http://schemas.microsoft.com/office/word/2010/wordprocessingCanvas" w="9525">
                   <a:solidFill>
                     <a:srgbClr val="000000"/>
                   </a:solidFill>
@@ -5942,17 +5475,9 @@
             </a:bodyPr>
             <a:lstStyle/>
             <a:p>
-              <a:pPr marL="0" marR="0" algn="ctr">
-                <a:spcBef>
-                  <a:spcPts val="0"/>
-                </a:spcBef>
-                <a:spcAft>
-                  <a:spcPts val="0"/>
-                </a:spcAft>
-              </a:pPr>
+              <a:pPr algn="ctr"/>
               <a:r>
                 <a:rPr lang="fr-FR" sz="700">
-                  <a:effectLst/>
                   <a:highlight>
                     <a:srgbClr val="D3D3D3"/>
                   </a:highlight>
@@ -5963,7 +5488,6 @@
               </a:r>
               <a:r>
                 <a:rPr lang="fr-FR" sz="700">
-                  <a:effectLst/>
                   <a:latin typeface="Times New Roman" panose="02020603050405020304" pitchFamily="18" charset="0"/>
                   <a:ea typeface="Times New Roman" panose="02020603050405020304" pitchFamily="18" charset="0"/>
                 </a:rPr>
@@ -5971,14 +5495,12 @@
               </a:r>
               <a:r>
                 <a:rPr lang="en-US" sz="700">
-                  <a:effectLst/>
                   <a:latin typeface="Times New Roman" panose="02020603050405020304" pitchFamily="18" charset="0"/>
                   <a:ea typeface="Times New Roman" panose="02020603050405020304" pitchFamily="18" charset="0"/>
                 </a:rPr>
                 <a:t>Response</a:t>
               </a:r>
               <a:endParaRPr lang="en-US" sz="1200">
-                <a:effectLst/>
                 <a:latin typeface="Times New Roman" panose="02020603050405020304" pitchFamily="18" charset="0"/>
                 <a:ea typeface="Times New Roman" panose="02020603050405020304" pitchFamily="18" charset="0"/>
               </a:endParaRPr>
@@ -6038,7 +5560,7 @@
               </a:ln>
               <a:extLst>
                 <a:ext uri="{909E8E84-426E-40dd-AFC4-6F175D3DCCD1}">
-                  <a14:hiddenFill xmlns:wpc="http://schemas.microsoft.com/office/word/2010/wordprocessingCanvas" xmlns:mc="http://schemas.openxmlformats.org/markup-compatibility/2006" xmlns:m="http://schemas.openxmlformats.org/officeDocument/2006/math" xmlns:wp14="http://schemas.microsoft.com/office/word/2010/wordprocessingDrawing" xmlns:wp="http://schemas.openxmlformats.org/drawingml/2006/wordprocessingDrawing" xmlns:w14="http://schemas.microsoft.com/office/word/2010/wordml" xmlns:w15="http://schemas.microsoft.com/office/word/2012/wordml" xmlns:wpg="http://schemas.microsoft.com/office/word/2010/wordprocessingGroup" xmlns:wpi="http://schemas.microsoft.com/office/word/2010/wordprocessingInk" xmlns:wne="http://schemas.microsoft.com/office/word/2006/wordml" xmlns:wps="http://schemas.microsoft.com/office/word/2010/wordprocessingShape" xmlns:cx="http://schemas.microsoft.com/office/drawing/2014/chartex" xmlns:cx1="http://schemas.microsoft.com/office/drawing/2015/9/8/chartex" xmlns:cx2="http://schemas.microsoft.com/office/drawing/2015/10/21/chartex" xmlns:cx3="http://schemas.microsoft.com/office/drawing/2016/5/9/chartex" xmlns:cx4="http://schemas.microsoft.com/office/drawing/2016/5/10/chartex" xmlns:cx5="http://schemas.microsoft.com/office/drawing/2016/5/11/chartex" xmlns:cx6="http://schemas.microsoft.com/office/drawing/2016/5/12/chartex" xmlns:cx7="http://schemas.microsoft.com/office/drawing/2016/5/13/chartex" xmlns:cx8="http://schemas.microsoft.com/office/drawing/2016/5/14/chartex" xmlns:aink="http://schemas.microsoft.com/office/drawing/2016/ink" xmlns:am3d="http://schemas.microsoft.com/office/drawing/2017/model3d" xmlns:w16cid="http://schemas.microsoft.com/office/word/2016/wordml/cid" xmlns:w16se="http://schemas.microsoft.com/office/word/2015/wordml/symex" xmlns:a14="http://schemas.microsoft.com/office/drawing/2010/main" xmlns:w="http://schemas.openxmlformats.org/wordprocessingml/2006/main" xmlns:w10="urn:schemas-microsoft-com:office:word" xmlns:v="urn:schemas-microsoft-com:vml" xmlns:o="urn:schemas-microsoft-com:office:office" xmlns:mv="urn:schemas-microsoft-com:mac:vml" xmlns:mo="http://schemas.microsoft.com/office/mac/office/2008/main" xmlns="" xmlns:arto="http://schemas.microsoft.com/office/word/2006/arto" xmlns:lc="http://schemas.openxmlformats.org/drawingml/2006/lockedCanvas">
+                  <a14:hiddenFill xmlns:lc="http://schemas.openxmlformats.org/drawingml/2006/lockedCanvas" xmlns:arto="http://schemas.microsoft.com/office/word/2006/arto" xmlns="" xmlns:mo="http://schemas.microsoft.com/office/mac/office/2008/main" xmlns:mv="urn:schemas-microsoft-com:mac:vml" xmlns:o="urn:schemas-microsoft-com:office:office" xmlns:v="urn:schemas-microsoft-com:vml" xmlns:w10="urn:schemas-microsoft-com:office:word" xmlns:w="http://schemas.openxmlformats.org/wordprocessingml/2006/main" xmlns:a14="http://schemas.microsoft.com/office/drawing/2010/main" xmlns:w16se="http://schemas.microsoft.com/office/word/2015/wordml/symex" xmlns:w16cid="http://schemas.microsoft.com/office/word/2016/wordml/cid" xmlns:am3d="http://schemas.microsoft.com/office/drawing/2017/model3d" xmlns:aink="http://schemas.microsoft.com/office/drawing/2016/ink" xmlns:cx8="http://schemas.microsoft.com/office/drawing/2016/5/14/chartex" xmlns:cx7="http://schemas.microsoft.com/office/drawing/2016/5/13/chartex" xmlns:cx6="http://schemas.microsoft.com/office/drawing/2016/5/12/chartex" xmlns:cx5="http://schemas.microsoft.com/office/drawing/2016/5/11/chartex" xmlns:cx4="http://schemas.microsoft.com/office/drawing/2016/5/10/chartex" xmlns:cx3="http://schemas.microsoft.com/office/drawing/2016/5/9/chartex" xmlns:cx2="http://schemas.microsoft.com/office/drawing/2015/10/21/chartex" xmlns:cx1="http://schemas.microsoft.com/office/drawing/2015/9/8/chartex" xmlns:cx="http://schemas.microsoft.com/office/drawing/2014/chartex" xmlns:wps="http://schemas.microsoft.com/office/word/2010/wordprocessingShape" xmlns:wne="http://schemas.microsoft.com/office/word/2006/wordml" xmlns:wpi="http://schemas.microsoft.com/office/word/2010/wordprocessingInk" xmlns:wpg="http://schemas.microsoft.com/office/word/2010/wordprocessingGroup" xmlns:w15="http://schemas.microsoft.com/office/word/2012/wordml" xmlns:w14="http://schemas.microsoft.com/office/word/2010/wordml" xmlns:wp="http://schemas.openxmlformats.org/drawingml/2006/wordprocessingDrawing" xmlns:wp14="http://schemas.microsoft.com/office/word/2010/wordprocessingDrawing" xmlns:m="http://schemas.openxmlformats.org/officeDocument/2006/math" xmlns:mc="http://schemas.openxmlformats.org/markup-compatibility/2006" xmlns:wpc="http://schemas.microsoft.com/office/word/2010/wordprocessingCanvas">
                     <a:noFill/>
                   </a14:hiddenFill>
                 </a:ext>
@@ -6078,7 +5600,7 @@
               </a:ln>
               <a:extLst>
                 <a:ext uri="{909E8E84-426E-40dd-AFC4-6F175D3DCCD1}">
-                  <a14:hiddenFill xmlns:wpc="http://schemas.microsoft.com/office/word/2010/wordprocessingCanvas" xmlns:mc="http://schemas.openxmlformats.org/markup-compatibility/2006" xmlns:m="http://schemas.openxmlformats.org/officeDocument/2006/math" xmlns:wp14="http://schemas.microsoft.com/office/word/2010/wordprocessingDrawing" xmlns:wp="http://schemas.openxmlformats.org/drawingml/2006/wordprocessingDrawing" xmlns:w14="http://schemas.microsoft.com/office/word/2010/wordml" xmlns:w15="http://schemas.microsoft.com/office/word/2012/wordml" xmlns:wpg="http://schemas.microsoft.com/office/word/2010/wordprocessingGroup" xmlns:wpi="http://schemas.microsoft.com/office/word/2010/wordprocessingInk" xmlns:wne="http://schemas.microsoft.com/office/word/2006/wordml" xmlns:wps="http://schemas.microsoft.com/office/word/2010/wordprocessingShape" xmlns:cx="http://schemas.microsoft.com/office/drawing/2014/chartex" xmlns:cx1="http://schemas.microsoft.com/office/drawing/2015/9/8/chartex" xmlns:cx2="http://schemas.microsoft.com/office/drawing/2015/10/21/chartex" xmlns:cx3="http://schemas.microsoft.com/office/drawing/2016/5/9/chartex" xmlns:cx4="http://schemas.microsoft.com/office/drawing/2016/5/10/chartex" xmlns:cx5="http://schemas.microsoft.com/office/drawing/2016/5/11/chartex" xmlns:cx6="http://schemas.microsoft.com/office/drawing/2016/5/12/chartex" xmlns:cx7="http://schemas.microsoft.com/office/drawing/2016/5/13/chartex" xmlns:cx8="http://schemas.microsoft.com/office/drawing/2016/5/14/chartex" xmlns:aink="http://schemas.microsoft.com/office/drawing/2016/ink" xmlns:am3d="http://schemas.microsoft.com/office/drawing/2017/model3d" xmlns:w16cid="http://schemas.microsoft.com/office/word/2016/wordml/cid" xmlns:w16se="http://schemas.microsoft.com/office/word/2015/wordml/symex" xmlns:a14="http://schemas.microsoft.com/office/drawing/2010/main" xmlns:w="http://schemas.openxmlformats.org/wordprocessingml/2006/main" xmlns:w10="urn:schemas-microsoft-com:office:word" xmlns:v="urn:schemas-microsoft-com:vml" xmlns:o="urn:schemas-microsoft-com:office:office" xmlns:mv="urn:schemas-microsoft-com:mac:vml" xmlns:mo="http://schemas.microsoft.com/office/mac/office/2008/main" xmlns="" xmlns:arto="http://schemas.microsoft.com/office/word/2006/arto" xmlns:lc="http://schemas.openxmlformats.org/drawingml/2006/lockedCanvas">
+                  <a14:hiddenFill xmlns:lc="http://schemas.openxmlformats.org/drawingml/2006/lockedCanvas" xmlns:arto="http://schemas.microsoft.com/office/word/2006/arto" xmlns="" xmlns:mo="http://schemas.microsoft.com/office/mac/office/2008/main" xmlns:mv="urn:schemas-microsoft-com:mac:vml" xmlns:o="urn:schemas-microsoft-com:office:office" xmlns:v="urn:schemas-microsoft-com:vml" xmlns:w10="urn:schemas-microsoft-com:office:word" xmlns:w="http://schemas.openxmlformats.org/wordprocessingml/2006/main" xmlns:a14="http://schemas.microsoft.com/office/drawing/2010/main" xmlns:w16se="http://schemas.microsoft.com/office/word/2015/wordml/symex" xmlns:w16cid="http://schemas.microsoft.com/office/word/2016/wordml/cid" xmlns:am3d="http://schemas.microsoft.com/office/drawing/2017/model3d" xmlns:aink="http://schemas.microsoft.com/office/drawing/2016/ink" xmlns:cx8="http://schemas.microsoft.com/office/drawing/2016/5/14/chartex" xmlns:cx7="http://schemas.microsoft.com/office/drawing/2016/5/13/chartex" xmlns:cx6="http://schemas.microsoft.com/office/drawing/2016/5/12/chartex" xmlns:cx5="http://schemas.microsoft.com/office/drawing/2016/5/11/chartex" xmlns:cx4="http://schemas.microsoft.com/office/drawing/2016/5/10/chartex" xmlns:cx3="http://schemas.microsoft.com/office/drawing/2016/5/9/chartex" xmlns:cx2="http://schemas.microsoft.com/office/drawing/2015/10/21/chartex" xmlns:cx1="http://schemas.microsoft.com/office/drawing/2015/9/8/chartex" xmlns:cx="http://schemas.microsoft.com/office/drawing/2014/chartex" xmlns:wps="http://schemas.microsoft.com/office/word/2010/wordprocessingShape" xmlns:wne="http://schemas.microsoft.com/office/word/2006/wordml" xmlns:wpi="http://schemas.microsoft.com/office/word/2010/wordprocessingInk" xmlns:wpg="http://schemas.microsoft.com/office/word/2010/wordprocessingGroup" xmlns:w15="http://schemas.microsoft.com/office/word/2012/wordml" xmlns:w14="http://schemas.microsoft.com/office/word/2010/wordml" xmlns:wp="http://schemas.openxmlformats.org/drawingml/2006/wordprocessingDrawing" xmlns:wp14="http://schemas.microsoft.com/office/word/2010/wordprocessingDrawing" xmlns:m="http://schemas.openxmlformats.org/officeDocument/2006/math" xmlns:mc="http://schemas.openxmlformats.org/markup-compatibility/2006" xmlns:wpc="http://schemas.microsoft.com/office/word/2010/wordprocessingCanvas">
                     <a:noFill/>
                   </a14:hiddenFill>
                 </a:ext>
@@ -6121,53 +5643,37 @@
             </a:bodyPr>
             <a:lstStyle/>
             <a:p>
-              <a:pPr marL="0" marR="0">
+              <a:pPr>
                 <a:lnSpc>
                   <a:spcPct val="115000"/>
                 </a:lnSpc>
-                <a:spcBef>
-                  <a:spcPts val="0"/>
-                </a:spcBef>
-                <a:spcAft>
-                  <a:spcPts val="0"/>
-                </a:spcAft>
               </a:pPr>
               <a:r>
                 <a:rPr lang="en-US" sz="600">
-                  <a:effectLst/>
                   <a:latin typeface="Times New Roman" panose="02020603050405020304" pitchFamily="18" charset="0"/>
                   <a:ea typeface="Times New Roman" panose="02020603050405020304" pitchFamily="18" charset="0"/>
                 </a:rPr>
                 <a:t>Share DE related data</a:t>
               </a:r>
               <a:endParaRPr lang="en-US" sz="1200">
-                <a:effectLst/>
                 <a:latin typeface="Times New Roman" panose="02020603050405020304" pitchFamily="18" charset="0"/>
                 <a:ea typeface="Times New Roman" panose="02020603050405020304" pitchFamily="18" charset="0"/>
               </a:endParaRPr>
             </a:p>
             <a:p>
-              <a:pPr marL="0" marR="0">
+              <a:pPr>
                 <a:lnSpc>
                   <a:spcPct val="80000"/>
                 </a:lnSpc>
-                <a:spcBef>
-                  <a:spcPts val="0"/>
-                </a:spcBef>
-                <a:spcAft>
-                  <a:spcPts val="0"/>
-                </a:spcAft>
               </a:pPr>
               <a:r>
                 <a:rPr lang="en-US" sz="600">
-                  <a:effectLst/>
                   <a:latin typeface="Times New Roman" panose="02020603050405020304" pitchFamily="18" charset="0"/>
                   <a:ea typeface="Times New Roman" panose="02020603050405020304" pitchFamily="18" charset="0"/>
                 </a:rPr>
                 <a:t>Add DE’s provenance</a:t>
               </a:r>
               <a:endParaRPr lang="en-US" sz="1200">
-                <a:effectLst/>
                 <a:latin typeface="Times New Roman" panose="02020603050405020304" pitchFamily="18" charset="0"/>
                 <a:ea typeface="Times New Roman" panose="02020603050405020304" pitchFamily="18" charset="0"/>
               </a:endParaRPr>
@@ -6351,20 +5857,13 @@
             </a:bodyPr>
             <a:lstStyle/>
             <a:p>
-              <a:pPr marL="0" marR="0" algn="r">
+              <a:pPr algn="r">
                 <a:lnSpc>
                   <a:spcPct val="90000"/>
                 </a:lnSpc>
-                <a:spcBef>
-                  <a:spcPts val="0"/>
-                </a:spcBef>
-                <a:spcAft>
-                  <a:spcPts val="0"/>
-                </a:spcAft>
               </a:pPr>
               <a:r>
                 <a:rPr lang="en-US" sz="650">
-                  <a:effectLst/>
                   <a:latin typeface="Times New Roman" panose="02020603050405020304" pitchFamily="18" charset="0"/>
                   <a:ea typeface="Times New Roman" panose="02020603050405020304" pitchFamily="18" charset="0"/>
                 </a:rPr>
@@ -6372,7 +5871,6 @@
               </a:r>
               <a:r>
                 <a:rPr lang="en-US" sz="650" u="sng">
-                  <a:effectLst/>
                   <a:latin typeface="Times New Roman" panose="02020603050405020304" pitchFamily="18" charset="0"/>
                   <a:ea typeface="Times New Roman" panose="02020603050405020304" pitchFamily="18" charset="0"/>
                 </a:rPr>
@@ -6380,7 +5878,6 @@
               </a:r>
               <a:r>
                 <a:rPr lang="en-US" sz="650">
-                  <a:effectLst/>
                   <a:latin typeface="Times New Roman" panose="02020603050405020304" pitchFamily="18" charset="0"/>
                   <a:ea typeface="Times New Roman" panose="02020603050405020304" pitchFamily="18" charset="0"/>
                 </a:rPr>
@@ -6388,14 +5885,12 @@
               </a:r>
               <a:br>
                 <a:rPr lang="en-US" sz="650">
-                  <a:effectLst/>
                   <a:latin typeface="Times New Roman" panose="02020603050405020304" pitchFamily="18" charset="0"/>
                   <a:ea typeface="Times New Roman" panose="02020603050405020304" pitchFamily="18" charset="0"/>
                 </a:rPr>
               </a:br>
               <a:r>
                 <a:rPr lang="en-US" sz="650">
-                  <a:effectLst/>
                   <a:latin typeface="Times New Roman" panose="02020603050405020304" pitchFamily="18" charset="0"/>
                   <a:ea typeface="Times New Roman" panose="02020603050405020304" pitchFamily="18" charset="0"/>
                 </a:rPr>
@@ -6403,21 +5898,18 @@
               </a:r>
               <a:br>
                 <a:rPr lang="en-US" sz="650">
-                  <a:effectLst/>
                   <a:latin typeface="Times New Roman" panose="02020603050405020304" pitchFamily="18" charset="0"/>
                   <a:ea typeface="Times New Roman" panose="02020603050405020304" pitchFamily="18" charset="0"/>
                 </a:rPr>
               </a:br>
               <a:r>
                 <a:rPr lang="en-US" sz="650">
-                  <a:effectLst/>
                   <a:latin typeface="Times New Roman" panose="02020603050405020304" pitchFamily="18" charset="0"/>
                   <a:ea typeface="Times New Roman" panose="02020603050405020304" pitchFamily="18" charset="0"/>
                 </a:rPr>
                 <a:t>referenced by DE’s provenance</a:t>
               </a:r>
               <a:endParaRPr lang="en-US" sz="1200">
-                <a:effectLst/>
                 <a:latin typeface="Times New Roman" panose="02020603050405020304" pitchFamily="18" charset="0"/>
                 <a:ea typeface="Times New Roman" panose="02020603050405020304" pitchFamily="18" charset="0"/>
               </a:endParaRPr>
@@ -6603,23 +6095,16 @@
             </a:bodyPr>
             <a:lstStyle/>
             <a:p>
-              <a:pPr marL="0" marR="0" algn="ctr">
+              <a:pPr algn="ctr">
                 <a:lnSpc>
                   <a:spcPct val="80000"/>
                 </a:lnSpc>
-                <a:spcBef>
-                  <a:spcPts val="0"/>
-                </a:spcBef>
-                <a:spcAft>
-                  <a:spcPts val="0"/>
-                </a:spcAft>
               </a:pPr>
               <a:r>
                 <a:rPr lang="en-US" sz="650" b="1">
                   <a:solidFill>
                     <a:srgbClr val="595959"/>
                   </a:solidFill>
-                  <a:effectLst/>
                   <a:latin typeface="Times New Roman" panose="02020603050405020304" pitchFamily="18" charset="0"/>
                   <a:ea typeface="Times New Roman" panose="02020603050405020304" pitchFamily="18" charset="0"/>
                 </a:rPr>
@@ -6630,7 +6115,6 @@
                   <a:solidFill>
                     <a:srgbClr val="595959"/>
                   </a:solidFill>
-                  <a:effectLst/>
                   <a:latin typeface="Times New Roman" panose="02020603050405020304" pitchFamily="18" charset="0"/>
                   <a:ea typeface="Times New Roman" panose="02020603050405020304" pitchFamily="18" charset="0"/>
                 </a:rPr>
@@ -6640,14 +6124,12 @@
                   <a:solidFill>
                     <a:srgbClr val="595959"/>
                   </a:solidFill>
-                  <a:effectLst/>
                   <a:latin typeface="Times New Roman" panose="02020603050405020304" pitchFamily="18" charset="0"/>
                   <a:ea typeface="Times New Roman" panose="02020603050405020304" pitchFamily="18" charset="0"/>
                 </a:rPr>
                 <a:t>and Data Storage </a:t>
               </a:r>
               <a:endParaRPr lang="en-US" sz="1200">
-                <a:effectLst/>
                 <a:latin typeface="Times New Roman" panose="02020603050405020304" pitchFamily="18" charset="0"/>
                 <a:ea typeface="Times New Roman" panose="02020603050405020304" pitchFamily="18" charset="0"/>
               </a:endParaRPr>
@@ -6707,17 +6189,9 @@
               </a:bodyPr>
               <a:lstStyle/>
               <a:p>
-                <a:pPr marL="0" marR="0" algn="ctr">
-                  <a:spcBef>
-                    <a:spcPts val="0"/>
-                  </a:spcBef>
-                  <a:spcAft>
-                    <a:spcPts val="0"/>
-                  </a:spcAft>
-                </a:pPr>
+                <a:pPr algn="ctr"/>
                 <a:r>
                   <a:rPr lang="fr-FR" sz="650" b="1" dirty="0">
-                    <a:effectLst/>
                     <a:latin typeface="Times New Roman" panose="02020603050405020304" pitchFamily="18" charset="0"/>
                     <a:ea typeface="Times New Roman" panose="02020603050405020304" pitchFamily="18" charset="0"/>
                   </a:rPr>
@@ -6725,37 +6199,30 @@
                 </a:r>
                 <a:r>
                   <a:rPr lang="en-US" sz="650" b="1" dirty="0">
-                    <a:effectLst/>
                     <a:latin typeface="Times New Roman" panose="02020603050405020304" pitchFamily="18" charset="0"/>
                     <a:ea typeface="Times New Roman" panose="02020603050405020304" pitchFamily="18" charset="0"/>
                   </a:rPr>
                   <a:t>Extractor</a:t>
                 </a:r>
                 <a:endParaRPr lang="en-US" sz="1200" dirty="0">
-                  <a:effectLst/>
                   <a:latin typeface="Times New Roman" panose="02020603050405020304" pitchFamily="18" charset="0"/>
                   <a:ea typeface="Times New Roman" panose="02020603050405020304" pitchFamily="18" charset="0"/>
                 </a:endParaRPr>
               </a:p>
               <a:p>
-                <a:pPr marL="0" marR="0" algn="ctr">
+                <a:pPr algn="ctr">
                   <a:spcBef>
                     <a:spcPts val="600"/>
                   </a:spcBef>
-                  <a:spcAft>
-                    <a:spcPts val="0"/>
-                  </a:spcAft>
                 </a:pPr>
                 <a:r>
                   <a:rPr lang="en-US" sz="1100" dirty="0">
-                    <a:effectLst/>
                     <a:latin typeface="Times New Roman" panose="02020603050405020304" pitchFamily="18" charset="0"/>
                     <a:ea typeface="Times New Roman" panose="02020603050405020304" pitchFamily="18" charset="0"/>
                   </a:rPr>
                   <a:t> </a:t>
                 </a:r>
                 <a:endParaRPr lang="en-US" sz="1200" dirty="0">
-                  <a:effectLst/>
                   <a:latin typeface="Times New Roman" panose="02020603050405020304" pitchFamily="18" charset="0"/>
                   <a:ea typeface="Times New Roman" panose="02020603050405020304" pitchFamily="18" charset="0"/>
                 </a:endParaRPr>
@@ -6790,7 +6257,7 @@
               </a:ln>
               <a:extLst>
                 <a:ext uri="{91240B29-F687-4f45-9708-019B960494DF}">
-                  <a14:hiddenLine xmlns:wpc="http://schemas.microsoft.com/office/word/2010/wordprocessingCanvas" xmlns:mc="http://schemas.openxmlformats.org/markup-compatibility/2006" xmlns:m="http://schemas.openxmlformats.org/officeDocument/2006/math" xmlns:wp14="http://schemas.microsoft.com/office/word/2010/wordprocessingDrawing" xmlns:wp="http://schemas.openxmlformats.org/drawingml/2006/wordprocessingDrawing" xmlns:w14="http://schemas.microsoft.com/office/word/2010/wordml" xmlns:w15="http://schemas.microsoft.com/office/word/2012/wordml" xmlns:wpg="http://schemas.microsoft.com/office/word/2010/wordprocessingGroup" xmlns:wpi="http://schemas.microsoft.com/office/word/2010/wordprocessingInk" xmlns:wne="http://schemas.microsoft.com/office/word/2006/wordml" xmlns:wps="http://schemas.microsoft.com/office/word/2010/wordprocessingShape" xmlns:cx="http://schemas.microsoft.com/office/drawing/2014/chartex" xmlns:cx1="http://schemas.microsoft.com/office/drawing/2015/9/8/chartex" xmlns:cx2="http://schemas.microsoft.com/office/drawing/2015/10/21/chartex" xmlns:cx3="http://schemas.microsoft.com/office/drawing/2016/5/9/chartex" xmlns:cx4="http://schemas.microsoft.com/office/drawing/2016/5/10/chartex" xmlns:cx5="http://schemas.microsoft.com/office/drawing/2016/5/11/chartex" xmlns:cx6="http://schemas.microsoft.com/office/drawing/2016/5/12/chartex" xmlns:cx7="http://schemas.microsoft.com/office/drawing/2016/5/13/chartex" xmlns:cx8="http://schemas.microsoft.com/office/drawing/2016/5/14/chartex" xmlns:aink="http://schemas.microsoft.com/office/drawing/2016/ink" xmlns:am3d="http://schemas.microsoft.com/office/drawing/2017/model3d" xmlns:w16cid="http://schemas.microsoft.com/office/word/2016/wordml/cid" xmlns:w16se="http://schemas.microsoft.com/office/word/2015/wordml/symex" xmlns:a14="http://schemas.microsoft.com/office/drawing/2010/main" xmlns:w="http://schemas.openxmlformats.org/wordprocessingml/2006/main" xmlns:w10="urn:schemas-microsoft-com:office:word" xmlns:v="urn:schemas-microsoft-com:vml" xmlns:o="urn:schemas-microsoft-com:office:office" xmlns:mv="urn:schemas-microsoft-com:mac:vml" xmlns:mo="http://schemas.microsoft.com/office/mac/office/2008/main" xmlns="" xmlns:arto="http://schemas.microsoft.com/office/word/2006/arto" xmlns:lc="http://schemas.openxmlformats.org/drawingml/2006/lockedCanvas" w="9525">
+                  <a14:hiddenLine xmlns:lc="http://schemas.openxmlformats.org/drawingml/2006/lockedCanvas" xmlns:arto="http://schemas.microsoft.com/office/word/2006/arto" xmlns="" xmlns:mo="http://schemas.microsoft.com/office/mac/office/2008/main" xmlns:mv="urn:schemas-microsoft-com:mac:vml" xmlns:o="urn:schemas-microsoft-com:office:office" xmlns:v="urn:schemas-microsoft-com:vml" xmlns:w10="urn:schemas-microsoft-com:office:word" xmlns:w="http://schemas.openxmlformats.org/wordprocessingml/2006/main" xmlns:a14="http://schemas.microsoft.com/office/drawing/2010/main" xmlns:w16se="http://schemas.microsoft.com/office/word/2015/wordml/symex" xmlns:w16cid="http://schemas.microsoft.com/office/word/2016/wordml/cid" xmlns:am3d="http://schemas.microsoft.com/office/drawing/2017/model3d" xmlns:aink="http://schemas.microsoft.com/office/drawing/2016/ink" xmlns:cx8="http://schemas.microsoft.com/office/drawing/2016/5/14/chartex" xmlns:cx7="http://schemas.microsoft.com/office/drawing/2016/5/13/chartex" xmlns:cx6="http://schemas.microsoft.com/office/drawing/2016/5/12/chartex" xmlns:cx5="http://schemas.microsoft.com/office/drawing/2016/5/11/chartex" xmlns:cx4="http://schemas.microsoft.com/office/drawing/2016/5/10/chartex" xmlns:cx3="http://schemas.microsoft.com/office/drawing/2016/5/9/chartex" xmlns:cx2="http://schemas.microsoft.com/office/drawing/2015/10/21/chartex" xmlns:cx1="http://schemas.microsoft.com/office/drawing/2015/9/8/chartex" xmlns:cx="http://schemas.microsoft.com/office/drawing/2014/chartex" xmlns:wps="http://schemas.microsoft.com/office/word/2010/wordprocessingShape" xmlns:wne="http://schemas.microsoft.com/office/word/2006/wordml" xmlns:wpi="http://schemas.microsoft.com/office/word/2010/wordprocessingInk" xmlns:wpg="http://schemas.microsoft.com/office/word/2010/wordprocessingGroup" xmlns:w15="http://schemas.microsoft.com/office/word/2012/wordml" xmlns:w14="http://schemas.microsoft.com/office/word/2010/wordml" xmlns:wp="http://schemas.openxmlformats.org/drawingml/2006/wordprocessingDrawing" xmlns:wp14="http://schemas.microsoft.com/office/word/2010/wordprocessingDrawing" xmlns:m="http://schemas.openxmlformats.org/officeDocument/2006/math" xmlns:mc="http://schemas.openxmlformats.org/markup-compatibility/2006" xmlns:wpc="http://schemas.microsoft.com/office/word/2010/wordprocessingCanvas" w="9525">
                     <a:solidFill>
                       <a:srgbClr val="000000"/>
                     </a:solidFill>
@@ -6807,27 +6274,19 @@
               </a:bodyPr>
               <a:lstStyle/>
               <a:p>
-                <a:pPr marL="0" marR="0" algn="ctr">
+                <a:pPr algn="ctr">
                   <a:lnSpc>
                     <a:spcPct val="80000"/>
                   </a:lnSpc>
-                  <a:spcBef>
-                    <a:spcPts val="0"/>
-                  </a:spcBef>
-                  <a:spcAft>
-                    <a:spcPts val="0"/>
-                  </a:spcAft>
                 </a:pPr>
                 <a:r>
                   <a:rPr lang="en-US" sz="650" b="1">
-                    <a:effectLst/>
                     <a:latin typeface="Times New Roman" panose="02020603050405020304" pitchFamily="18" charset="0"/>
                     <a:ea typeface="Times New Roman" panose="02020603050405020304" pitchFamily="18" charset="0"/>
                   </a:rPr>
                   <a:t>XDS Document Registry</a:t>
                 </a:r>
                 <a:endParaRPr lang="en-US" sz="1200">
-                  <a:effectLst/>
                   <a:latin typeface="Times New Roman" panose="02020603050405020304" pitchFamily="18" charset="0"/>
                   <a:ea typeface="Times New Roman" panose="02020603050405020304" pitchFamily="18" charset="0"/>
                 </a:endParaRPr>
@@ -6867,20 +6326,13 @@
               </a:bodyPr>
               <a:lstStyle/>
               <a:p>
-                <a:pPr marL="0" marR="0" algn="ctr">
+                <a:pPr algn="ctr">
                   <a:lnSpc>
                     <a:spcPct val="80000"/>
                   </a:lnSpc>
-                  <a:spcBef>
-                    <a:spcPts val="0"/>
-                  </a:spcBef>
-                  <a:spcAft>
-                    <a:spcPts val="0"/>
-                  </a:spcAft>
                 </a:pPr>
                 <a:r>
                   <a:rPr lang="en-US" sz="650" b="1">
-                    <a:effectLst/>
                     <a:latin typeface="Times New Roman" panose="02020603050405020304" pitchFamily="18" charset="0"/>
                     <a:ea typeface="Times New Roman" panose="02020603050405020304" pitchFamily="18" charset="0"/>
                   </a:rPr>
@@ -6888,21 +6340,18 @@
                 </a:r>
                 <a:br>
                   <a:rPr lang="en-US" sz="650" b="1">
-                    <a:effectLst/>
                     <a:latin typeface="Times New Roman" panose="02020603050405020304" pitchFamily="18" charset="0"/>
                     <a:ea typeface="Times New Roman" panose="02020603050405020304" pitchFamily="18" charset="0"/>
                   </a:rPr>
                 </a:br>
                 <a:r>
                   <a:rPr lang="en-US" sz="650" b="1">
-                    <a:effectLst/>
                     <a:latin typeface="Times New Roman" panose="02020603050405020304" pitchFamily="18" charset="0"/>
                     <a:ea typeface="Times New Roman" panose="02020603050405020304" pitchFamily="18" charset="0"/>
                   </a:rPr>
                   <a:t>Document Repository</a:t>
                 </a:r>
                 <a:endParaRPr lang="en-US" sz="1200">
-                  <a:effectLst/>
                   <a:latin typeface="Times New Roman" panose="02020603050405020304" pitchFamily="18" charset="0"/>
                   <a:ea typeface="Times New Roman" panose="02020603050405020304" pitchFamily="18" charset="0"/>
                 </a:endParaRPr>
@@ -6942,20 +6391,13 @@
               </a:bodyPr>
               <a:lstStyle/>
               <a:p>
-                <a:pPr marL="0" marR="0" algn="ctr">
+                <a:pPr algn="ctr">
                   <a:lnSpc>
                     <a:spcPct val="80000"/>
                   </a:lnSpc>
-                  <a:spcBef>
-                    <a:spcPts val="0"/>
-                  </a:spcBef>
-                  <a:spcAft>
-                    <a:spcPts val="0"/>
-                  </a:spcAft>
                 </a:pPr>
                 <a:r>
                   <a:rPr lang="en-US" sz="650" b="1">
-                    <a:effectLst/>
                     <a:latin typeface="Times New Roman" panose="02020603050405020304" pitchFamily="18" charset="0"/>
                     <a:ea typeface="Times New Roman" panose="02020603050405020304" pitchFamily="18" charset="0"/>
                   </a:rPr>
@@ -6963,14 +6405,12 @@
                 </a:r>
                 <a:br>
                   <a:rPr lang="en-US" sz="650" b="1">
-                    <a:effectLst/>
                     <a:latin typeface="Times New Roman" panose="02020603050405020304" pitchFamily="18" charset="0"/>
                     <a:ea typeface="Times New Roman" panose="02020603050405020304" pitchFamily="18" charset="0"/>
                   </a:rPr>
                 </a:br>
                 <a:r>
                   <a:rPr lang="en-US" sz="650" b="1">
-                    <a:effectLst/>
                     <a:latin typeface="Times New Roman" panose="02020603050405020304" pitchFamily="18" charset="0"/>
                     <a:ea typeface="Times New Roman" panose="02020603050405020304" pitchFamily="18" charset="0"/>
                   </a:rPr>
@@ -6978,21 +6418,18 @@
                 </a:r>
                 <a:br>
                   <a:rPr lang="en-US" sz="650" b="1">
-                    <a:effectLst/>
                     <a:latin typeface="Times New Roman" panose="02020603050405020304" pitchFamily="18" charset="0"/>
                     <a:ea typeface="Times New Roman" panose="02020603050405020304" pitchFamily="18" charset="0"/>
                   </a:rPr>
                 </a:br>
                 <a:r>
                   <a:rPr lang="en-US" sz="650" b="1">
-                    <a:effectLst/>
                     <a:latin typeface="Times New Roman" panose="02020603050405020304" pitchFamily="18" charset="0"/>
                     <a:ea typeface="Times New Roman" panose="02020603050405020304" pitchFamily="18" charset="0"/>
                   </a:rPr>
                   <a:t>Responder</a:t>
                 </a:r>
                 <a:endParaRPr lang="en-US" sz="1200">
-                  <a:effectLst/>
                   <a:latin typeface="Times New Roman" panose="02020603050405020304" pitchFamily="18" charset="0"/>
                   <a:ea typeface="Times New Roman" panose="02020603050405020304" pitchFamily="18" charset="0"/>
                 </a:endParaRPr>
@@ -7032,20 +6469,13 @@
               </a:bodyPr>
               <a:lstStyle/>
               <a:p>
-                <a:pPr marL="0" marR="0" algn="r">
+                <a:pPr algn="r">
                   <a:lnSpc>
                     <a:spcPct val="80000"/>
                   </a:lnSpc>
-                  <a:spcBef>
-                    <a:spcPts val="0"/>
-                  </a:spcBef>
-                  <a:spcAft>
-                    <a:spcPts val="0"/>
-                  </a:spcAft>
                 </a:pPr>
                 <a:r>
                   <a:rPr lang="en-US" sz="650" b="1">
-                    <a:effectLst/>
                     <a:latin typeface="Times New Roman" panose="02020603050405020304" pitchFamily="18" charset="0"/>
                     <a:ea typeface="Times New Roman" panose="02020603050405020304" pitchFamily="18" charset="0"/>
                   </a:rPr>
@@ -7053,14 +6483,12 @@
                 </a:r>
                 <a:br>
                   <a:rPr lang="en-US" sz="650" b="1">
-                    <a:effectLst/>
                     <a:latin typeface="Times New Roman" panose="02020603050405020304" pitchFamily="18" charset="0"/>
                     <a:ea typeface="Times New Roman" panose="02020603050405020304" pitchFamily="18" charset="0"/>
                   </a:rPr>
                 </a:br>
                 <a:r>
                   <a:rPr lang="en-US" sz="650" b="1">
-                    <a:effectLst/>
                     <a:latin typeface="Times New Roman" panose="02020603050405020304" pitchFamily="18" charset="0"/>
                     <a:ea typeface="Times New Roman" panose="02020603050405020304" pitchFamily="18" charset="0"/>
                   </a:rPr>
@@ -7068,14 +6496,12 @@
                 </a:r>
                 <a:r>
                   <a:rPr lang="fr-FR" sz="650" b="1">
-                    <a:effectLst/>
                     <a:latin typeface="Times New Roman" panose="02020603050405020304" pitchFamily="18" charset="0"/>
                     <a:ea typeface="Times New Roman" panose="02020603050405020304" pitchFamily="18" charset="0"/>
                   </a:rPr>
                   <a:t> Data Source</a:t>
                 </a:r>
                 <a:endParaRPr lang="en-US" sz="1200">
-                  <a:effectLst/>
                   <a:latin typeface="Times New Roman" panose="02020603050405020304" pitchFamily="18" charset="0"/>
                   <a:ea typeface="Times New Roman" panose="02020603050405020304" pitchFamily="18" charset="0"/>
                 </a:endParaRPr>
@@ -7208,20 +6634,13 @@
               </a:bodyPr>
               <a:lstStyle/>
               <a:p>
-                <a:pPr marL="0" marR="0" algn="ctr">
+                <a:pPr algn="ctr">
                   <a:lnSpc>
                     <a:spcPct val="80000"/>
                   </a:lnSpc>
-                  <a:spcBef>
-                    <a:spcPts val="0"/>
-                  </a:spcBef>
-                  <a:spcAft>
-                    <a:spcPts val="0"/>
-                  </a:spcAft>
                 </a:pPr>
                 <a:r>
                   <a:rPr lang="en-US" sz="650" b="1">
-                    <a:effectLst/>
                     <a:latin typeface="Times New Roman" panose="02020603050405020304" pitchFamily="18" charset="0"/>
                     <a:ea typeface="Times New Roman" panose="02020603050405020304" pitchFamily="18" charset="0"/>
                   </a:rPr>
@@ -7229,14 +6648,12 @@
                 </a:r>
                 <a:br>
                   <a:rPr lang="en-US" sz="650" b="1">
-                    <a:effectLst/>
                     <a:latin typeface="Times New Roman" panose="02020603050405020304" pitchFamily="18" charset="0"/>
                     <a:ea typeface="Times New Roman" panose="02020603050405020304" pitchFamily="18" charset="0"/>
                   </a:rPr>
                 </a:br>
                 <a:r>
                   <a:rPr lang="en-US" sz="650" b="1">
-                    <a:effectLst/>
                     <a:latin typeface="Times New Roman" panose="02020603050405020304" pitchFamily="18" charset="0"/>
                     <a:ea typeface="Times New Roman" panose="02020603050405020304" pitchFamily="18" charset="0"/>
                   </a:rPr>
@@ -7244,21 +6661,18 @@
                 </a:r>
                 <a:br>
                   <a:rPr lang="en-US" sz="650" b="1">
-                    <a:effectLst/>
                     <a:latin typeface="Times New Roman" panose="02020603050405020304" pitchFamily="18" charset="0"/>
                     <a:ea typeface="Times New Roman" panose="02020603050405020304" pitchFamily="18" charset="0"/>
                   </a:rPr>
                 </a:br>
                 <a:r>
                   <a:rPr lang="en-US" sz="650" b="1">
-                    <a:effectLst/>
                     <a:latin typeface="Times New Roman" panose="02020603050405020304" pitchFamily="18" charset="0"/>
                     <a:ea typeface="Times New Roman" panose="02020603050405020304" pitchFamily="18" charset="0"/>
                   </a:rPr>
                   <a:t>Recipient</a:t>
                 </a:r>
                 <a:endParaRPr lang="en-US" sz="1200">
-                  <a:effectLst/>
                   <a:latin typeface="Times New Roman" panose="02020603050405020304" pitchFamily="18" charset="0"/>
                   <a:ea typeface="Times New Roman" panose="02020603050405020304" pitchFamily="18" charset="0"/>
                 </a:endParaRPr>
@@ -7325,14 +6739,14 @@
             </a:ln>
             <a:extLst>
               <a:ext uri="{909E8E84-426E-40dd-AFC4-6F175D3DCCD1}">
-                <a14:hiddenFill xmlns:wpc="http://schemas.microsoft.com/office/word/2010/wordprocessingCanvas" xmlns:mc="http://schemas.openxmlformats.org/markup-compatibility/2006" xmlns:m="http://schemas.openxmlformats.org/officeDocument/2006/math" xmlns:wp14="http://schemas.microsoft.com/office/word/2010/wordprocessingDrawing" xmlns:wp="http://schemas.openxmlformats.org/drawingml/2006/wordprocessingDrawing" xmlns:w14="http://schemas.microsoft.com/office/word/2010/wordml" xmlns:w15="http://schemas.microsoft.com/office/word/2012/wordml" xmlns:wpg="http://schemas.microsoft.com/office/word/2010/wordprocessingGroup" xmlns:wpi="http://schemas.microsoft.com/office/word/2010/wordprocessingInk" xmlns:wne="http://schemas.microsoft.com/office/word/2006/wordml" xmlns:wps="http://schemas.microsoft.com/office/word/2010/wordprocessingShape" xmlns:cx="http://schemas.microsoft.com/office/drawing/2014/chartex" xmlns:cx1="http://schemas.microsoft.com/office/drawing/2015/9/8/chartex" xmlns:cx2="http://schemas.microsoft.com/office/drawing/2015/10/21/chartex" xmlns:cx3="http://schemas.microsoft.com/office/drawing/2016/5/9/chartex" xmlns:cx4="http://schemas.microsoft.com/office/drawing/2016/5/10/chartex" xmlns:cx5="http://schemas.microsoft.com/office/drawing/2016/5/11/chartex" xmlns:cx6="http://schemas.microsoft.com/office/drawing/2016/5/12/chartex" xmlns:cx7="http://schemas.microsoft.com/office/drawing/2016/5/13/chartex" xmlns:cx8="http://schemas.microsoft.com/office/drawing/2016/5/14/chartex" xmlns:aink="http://schemas.microsoft.com/office/drawing/2016/ink" xmlns:am3d="http://schemas.microsoft.com/office/drawing/2017/model3d" xmlns:w16cid="http://schemas.microsoft.com/office/word/2016/wordml/cid" xmlns:w16se="http://schemas.microsoft.com/office/word/2015/wordml/symex" xmlns:a14="http://schemas.microsoft.com/office/drawing/2010/main" xmlns:w="http://schemas.openxmlformats.org/wordprocessingml/2006/main" xmlns:w10="urn:schemas-microsoft-com:office:word" xmlns:v="urn:schemas-microsoft-com:vml" xmlns:o="urn:schemas-microsoft-com:office:office" xmlns:mv="urn:schemas-microsoft-com:mac:vml" xmlns:mo="http://schemas.microsoft.com/office/mac/office/2008/main" xmlns="" xmlns:arto="http://schemas.microsoft.com/office/word/2006/arto" xmlns:lc="http://schemas.openxmlformats.org/drawingml/2006/lockedCanvas">
+                <a14:hiddenFill xmlns:lc="http://schemas.openxmlformats.org/drawingml/2006/lockedCanvas" xmlns:arto="http://schemas.microsoft.com/office/word/2006/arto" xmlns="" xmlns:mo="http://schemas.microsoft.com/office/mac/office/2008/main" xmlns:mv="urn:schemas-microsoft-com:mac:vml" xmlns:o="urn:schemas-microsoft-com:office:office" xmlns:v="urn:schemas-microsoft-com:vml" xmlns:w10="urn:schemas-microsoft-com:office:word" xmlns:w="http://schemas.openxmlformats.org/wordprocessingml/2006/main" xmlns:a14="http://schemas.microsoft.com/office/drawing/2010/main" xmlns:w16se="http://schemas.microsoft.com/office/word/2015/wordml/symex" xmlns:w16cid="http://schemas.microsoft.com/office/word/2016/wordml/cid" xmlns:am3d="http://schemas.microsoft.com/office/drawing/2017/model3d" xmlns:aink="http://schemas.microsoft.com/office/drawing/2016/ink" xmlns:cx8="http://schemas.microsoft.com/office/drawing/2016/5/14/chartex" xmlns:cx7="http://schemas.microsoft.com/office/drawing/2016/5/13/chartex" xmlns:cx6="http://schemas.microsoft.com/office/drawing/2016/5/12/chartex" xmlns:cx5="http://schemas.microsoft.com/office/drawing/2016/5/11/chartex" xmlns:cx4="http://schemas.microsoft.com/office/drawing/2016/5/10/chartex" xmlns:cx3="http://schemas.microsoft.com/office/drawing/2016/5/9/chartex" xmlns:cx2="http://schemas.microsoft.com/office/drawing/2015/10/21/chartex" xmlns:cx1="http://schemas.microsoft.com/office/drawing/2015/9/8/chartex" xmlns:cx="http://schemas.microsoft.com/office/drawing/2014/chartex" xmlns:wps="http://schemas.microsoft.com/office/word/2010/wordprocessingShape" xmlns:wne="http://schemas.microsoft.com/office/word/2006/wordml" xmlns:wpi="http://schemas.microsoft.com/office/word/2010/wordprocessingInk" xmlns:wpg="http://schemas.microsoft.com/office/word/2010/wordprocessingGroup" xmlns:w15="http://schemas.microsoft.com/office/word/2012/wordml" xmlns:w14="http://schemas.microsoft.com/office/word/2010/wordml" xmlns:wp="http://schemas.openxmlformats.org/drawingml/2006/wordprocessingDrawing" xmlns:wp14="http://schemas.microsoft.com/office/word/2010/wordprocessingDrawing" xmlns:m="http://schemas.openxmlformats.org/officeDocument/2006/math" xmlns:mc="http://schemas.openxmlformats.org/markup-compatibility/2006" xmlns:wpc="http://schemas.microsoft.com/office/word/2010/wordprocessingCanvas">
                   <a:solidFill>
                     <a:srgbClr val="FFFFFF"/>
                   </a:solidFill>
                 </a14:hiddenFill>
               </a:ext>
               <a:ext uri="{91240B29-F687-4f45-9708-019B960494DF}">
-                <a14:hiddenLine xmlns:wpc="http://schemas.microsoft.com/office/word/2010/wordprocessingCanvas" xmlns:mc="http://schemas.openxmlformats.org/markup-compatibility/2006" xmlns:m="http://schemas.openxmlformats.org/officeDocument/2006/math" xmlns:wp14="http://schemas.microsoft.com/office/word/2010/wordprocessingDrawing" xmlns:wp="http://schemas.openxmlformats.org/drawingml/2006/wordprocessingDrawing" xmlns:w14="http://schemas.microsoft.com/office/word/2010/wordml" xmlns:w15="http://schemas.microsoft.com/office/word/2012/wordml" xmlns:wpg="http://schemas.microsoft.com/office/word/2010/wordprocessingGroup" xmlns:wpi="http://schemas.microsoft.com/office/word/2010/wordprocessingInk" xmlns:wne="http://schemas.microsoft.com/office/word/2006/wordml" xmlns:wps="http://schemas.microsoft.com/office/word/2010/wordprocessingShape" xmlns:cx="http://schemas.microsoft.com/office/drawing/2014/chartex" xmlns:cx1="http://schemas.microsoft.com/office/drawing/2015/9/8/chartex" xmlns:cx2="http://schemas.microsoft.com/office/drawing/2015/10/21/chartex" xmlns:cx3="http://schemas.microsoft.com/office/drawing/2016/5/9/chartex" xmlns:cx4="http://schemas.microsoft.com/office/drawing/2016/5/10/chartex" xmlns:cx5="http://schemas.microsoft.com/office/drawing/2016/5/11/chartex" xmlns:cx6="http://schemas.microsoft.com/office/drawing/2016/5/12/chartex" xmlns:cx7="http://schemas.microsoft.com/office/drawing/2016/5/13/chartex" xmlns:cx8="http://schemas.microsoft.com/office/drawing/2016/5/14/chartex" xmlns:aink="http://schemas.microsoft.com/office/drawing/2016/ink" xmlns:am3d="http://schemas.microsoft.com/office/drawing/2017/model3d" xmlns:w16cid="http://schemas.microsoft.com/office/word/2016/wordml/cid" xmlns:w16se="http://schemas.microsoft.com/office/word/2015/wordml/symex" xmlns:a14="http://schemas.microsoft.com/office/drawing/2010/main" xmlns:w="http://schemas.openxmlformats.org/wordprocessingml/2006/main" xmlns:w10="urn:schemas-microsoft-com:office:word" xmlns:v="urn:schemas-microsoft-com:vml" xmlns:o="urn:schemas-microsoft-com:office:office" xmlns:mv="urn:schemas-microsoft-com:mac:vml" xmlns:mo="http://schemas.microsoft.com/office/mac/office/2008/main" xmlns="" xmlns:arto="http://schemas.microsoft.com/office/word/2006/arto" xmlns:lc="http://schemas.openxmlformats.org/drawingml/2006/lockedCanvas" w="9525">
+                <a14:hiddenLine xmlns:lc="http://schemas.openxmlformats.org/drawingml/2006/lockedCanvas" xmlns:arto="http://schemas.microsoft.com/office/word/2006/arto" xmlns="" xmlns:mo="http://schemas.microsoft.com/office/mac/office/2008/main" xmlns:mv="urn:schemas-microsoft-com:mac:vml" xmlns:o="urn:schemas-microsoft-com:office:office" xmlns:v="urn:schemas-microsoft-com:vml" xmlns:w10="urn:schemas-microsoft-com:office:word" xmlns:w="http://schemas.openxmlformats.org/wordprocessingml/2006/main" xmlns:a14="http://schemas.microsoft.com/office/drawing/2010/main" xmlns:w16se="http://schemas.microsoft.com/office/word/2015/wordml/symex" xmlns:w16cid="http://schemas.microsoft.com/office/word/2016/wordml/cid" xmlns:am3d="http://schemas.microsoft.com/office/drawing/2017/model3d" xmlns:aink="http://schemas.microsoft.com/office/drawing/2016/ink" xmlns:cx8="http://schemas.microsoft.com/office/drawing/2016/5/14/chartex" xmlns:cx7="http://schemas.microsoft.com/office/drawing/2016/5/13/chartex" xmlns:cx6="http://schemas.microsoft.com/office/drawing/2016/5/12/chartex" xmlns:cx5="http://schemas.microsoft.com/office/drawing/2016/5/11/chartex" xmlns:cx4="http://schemas.microsoft.com/office/drawing/2016/5/10/chartex" xmlns:cx3="http://schemas.microsoft.com/office/drawing/2016/5/9/chartex" xmlns:cx2="http://schemas.microsoft.com/office/drawing/2015/10/21/chartex" xmlns:cx1="http://schemas.microsoft.com/office/drawing/2015/9/8/chartex" xmlns:cx="http://schemas.microsoft.com/office/drawing/2014/chartex" xmlns:wps="http://schemas.microsoft.com/office/word/2010/wordprocessingShape" xmlns:wne="http://schemas.microsoft.com/office/word/2006/wordml" xmlns:wpi="http://schemas.microsoft.com/office/word/2010/wordprocessingInk" xmlns:wpg="http://schemas.microsoft.com/office/word/2010/wordprocessingGroup" xmlns:w15="http://schemas.microsoft.com/office/word/2012/wordml" xmlns:w14="http://schemas.microsoft.com/office/word/2010/wordml" xmlns:wp="http://schemas.openxmlformats.org/drawingml/2006/wordprocessingDrawing" xmlns:wp14="http://schemas.microsoft.com/office/word/2010/wordprocessingDrawing" xmlns:m="http://schemas.openxmlformats.org/officeDocument/2006/math" xmlns:mc="http://schemas.openxmlformats.org/markup-compatibility/2006" xmlns:wpc="http://schemas.microsoft.com/office/word/2010/wordprocessingCanvas" w="9525">
                   <a:solidFill>
                     <a:srgbClr val="000000"/>
                   </a:solidFill>
@@ -7349,20 +6763,13 @@
             </a:bodyPr>
             <a:lstStyle/>
             <a:p>
-              <a:pPr marL="0" marR="0" algn="ctr">
+              <a:pPr algn="ctr">
                 <a:lnSpc>
                   <a:spcPct val="115000"/>
                 </a:lnSpc>
-                <a:spcBef>
-                  <a:spcPts val="0"/>
-                </a:spcBef>
-                <a:spcAft>
-                  <a:spcPts val="0"/>
-                </a:spcAft>
               </a:pPr>
               <a:r>
                 <a:rPr lang="en-US" sz="700">
-                  <a:effectLst/>
                   <a:highlight>
                     <a:srgbClr val="D3D3D3"/>
                   </a:highlight>
@@ -7373,14 +6780,12 @@
               </a:r>
               <a:r>
                 <a:rPr lang="en-US" sz="700">
-                  <a:effectLst/>
                   <a:latin typeface="Times New Roman" panose="02020603050405020304" pitchFamily="18" charset="0"/>
                   <a:ea typeface="Times New Roman" panose="02020603050405020304" pitchFamily="18" charset="0"/>
                 </a:rPr>
                 <a:t> Response</a:t>
               </a:r>
               <a:endParaRPr lang="en-US" sz="1200">
-                <a:effectLst/>
                 <a:latin typeface="Times New Roman" panose="02020603050405020304" pitchFamily="18" charset="0"/>
                 <a:ea typeface="Times New Roman" panose="02020603050405020304" pitchFamily="18" charset="0"/>
               </a:endParaRPr>
@@ -7415,14 +6820,14 @@
             </a:ln>
             <a:extLst>
               <a:ext uri="{909E8E84-426E-40dd-AFC4-6F175D3DCCD1}">
-                <a14:hiddenFill xmlns:wpc="http://schemas.microsoft.com/office/word/2010/wordprocessingCanvas" xmlns:mc="http://schemas.openxmlformats.org/markup-compatibility/2006" xmlns:m="http://schemas.openxmlformats.org/officeDocument/2006/math" xmlns:wp14="http://schemas.microsoft.com/office/word/2010/wordprocessingDrawing" xmlns:wp="http://schemas.openxmlformats.org/drawingml/2006/wordprocessingDrawing" xmlns:w14="http://schemas.microsoft.com/office/word/2010/wordml" xmlns:w15="http://schemas.microsoft.com/office/word/2012/wordml" xmlns:wpg="http://schemas.microsoft.com/office/word/2010/wordprocessingGroup" xmlns:wpi="http://schemas.microsoft.com/office/word/2010/wordprocessingInk" xmlns:wne="http://schemas.microsoft.com/office/word/2006/wordml" xmlns:wps="http://schemas.microsoft.com/office/word/2010/wordprocessingShape" xmlns:cx="http://schemas.microsoft.com/office/drawing/2014/chartex" xmlns:cx1="http://schemas.microsoft.com/office/drawing/2015/9/8/chartex" xmlns:cx2="http://schemas.microsoft.com/office/drawing/2015/10/21/chartex" xmlns:cx3="http://schemas.microsoft.com/office/drawing/2016/5/9/chartex" xmlns:cx4="http://schemas.microsoft.com/office/drawing/2016/5/10/chartex" xmlns:cx5="http://schemas.microsoft.com/office/drawing/2016/5/11/chartex" xmlns:cx6="http://schemas.microsoft.com/office/drawing/2016/5/12/chartex" xmlns:cx7="http://schemas.microsoft.com/office/drawing/2016/5/13/chartex" xmlns:cx8="http://schemas.microsoft.com/office/drawing/2016/5/14/chartex" xmlns:aink="http://schemas.microsoft.com/office/drawing/2016/ink" xmlns:am3d="http://schemas.microsoft.com/office/drawing/2017/model3d" xmlns:w16cid="http://schemas.microsoft.com/office/word/2016/wordml/cid" xmlns:w16se="http://schemas.microsoft.com/office/word/2015/wordml/symex" xmlns:a14="http://schemas.microsoft.com/office/drawing/2010/main" xmlns:w="http://schemas.openxmlformats.org/wordprocessingml/2006/main" xmlns:w10="urn:schemas-microsoft-com:office:word" xmlns:v="urn:schemas-microsoft-com:vml" xmlns:o="urn:schemas-microsoft-com:office:office" xmlns:mv="urn:schemas-microsoft-com:mac:vml" xmlns:mo="http://schemas.microsoft.com/office/mac/office/2008/main" xmlns="" xmlns:arto="http://schemas.microsoft.com/office/word/2006/arto" xmlns:lc="http://schemas.openxmlformats.org/drawingml/2006/lockedCanvas">
+                <a14:hiddenFill xmlns:lc="http://schemas.openxmlformats.org/drawingml/2006/lockedCanvas" xmlns:arto="http://schemas.microsoft.com/office/word/2006/arto" xmlns="" xmlns:mo="http://schemas.microsoft.com/office/mac/office/2008/main" xmlns:mv="urn:schemas-microsoft-com:mac:vml" xmlns:o="urn:schemas-microsoft-com:office:office" xmlns:v="urn:schemas-microsoft-com:vml" xmlns:w10="urn:schemas-microsoft-com:office:word" xmlns:w="http://schemas.openxmlformats.org/wordprocessingml/2006/main" xmlns:a14="http://schemas.microsoft.com/office/drawing/2010/main" xmlns:w16se="http://schemas.microsoft.com/office/word/2015/wordml/symex" xmlns:w16cid="http://schemas.microsoft.com/office/word/2016/wordml/cid" xmlns:am3d="http://schemas.microsoft.com/office/drawing/2017/model3d" xmlns:aink="http://schemas.microsoft.com/office/drawing/2016/ink" xmlns:cx8="http://schemas.microsoft.com/office/drawing/2016/5/14/chartex" xmlns:cx7="http://schemas.microsoft.com/office/drawing/2016/5/13/chartex" xmlns:cx6="http://schemas.microsoft.com/office/drawing/2016/5/12/chartex" xmlns:cx5="http://schemas.microsoft.com/office/drawing/2016/5/11/chartex" xmlns:cx4="http://schemas.microsoft.com/office/drawing/2016/5/10/chartex" xmlns:cx3="http://schemas.microsoft.com/office/drawing/2016/5/9/chartex" xmlns:cx2="http://schemas.microsoft.com/office/drawing/2015/10/21/chartex" xmlns:cx1="http://schemas.microsoft.com/office/drawing/2015/9/8/chartex" xmlns:cx="http://schemas.microsoft.com/office/drawing/2014/chartex" xmlns:wps="http://schemas.microsoft.com/office/word/2010/wordprocessingShape" xmlns:wne="http://schemas.microsoft.com/office/word/2006/wordml" xmlns:wpi="http://schemas.microsoft.com/office/word/2010/wordprocessingInk" xmlns:wpg="http://schemas.microsoft.com/office/word/2010/wordprocessingGroup" xmlns:w15="http://schemas.microsoft.com/office/word/2012/wordml" xmlns:w14="http://schemas.microsoft.com/office/word/2010/wordml" xmlns:wp="http://schemas.openxmlformats.org/drawingml/2006/wordprocessingDrawing" xmlns:wp14="http://schemas.microsoft.com/office/word/2010/wordprocessingDrawing" xmlns:m="http://schemas.openxmlformats.org/officeDocument/2006/math" xmlns:mc="http://schemas.openxmlformats.org/markup-compatibility/2006" xmlns:wpc="http://schemas.microsoft.com/office/word/2010/wordprocessingCanvas">
                   <a:solidFill>
                     <a:srgbClr val="FFFFFF"/>
                   </a:solidFill>
                 </a14:hiddenFill>
               </a:ext>
               <a:ext uri="{91240B29-F687-4f45-9708-019B960494DF}">
-                <a14:hiddenLine xmlns:wpc="http://schemas.microsoft.com/office/word/2010/wordprocessingCanvas" xmlns:mc="http://schemas.openxmlformats.org/markup-compatibility/2006" xmlns:m="http://schemas.openxmlformats.org/officeDocument/2006/math" xmlns:wp14="http://schemas.microsoft.com/office/word/2010/wordprocessingDrawing" xmlns:wp="http://schemas.openxmlformats.org/drawingml/2006/wordprocessingDrawing" xmlns:w14="http://schemas.microsoft.com/office/word/2010/wordml" xmlns:w15="http://schemas.microsoft.com/office/word/2012/wordml" xmlns:wpg="http://schemas.microsoft.com/office/word/2010/wordprocessingGroup" xmlns:wpi="http://schemas.microsoft.com/office/word/2010/wordprocessingInk" xmlns:wne="http://schemas.microsoft.com/office/word/2006/wordml" xmlns:wps="http://schemas.microsoft.com/office/word/2010/wordprocessingShape" xmlns:cx="http://schemas.microsoft.com/office/drawing/2014/chartex" xmlns:cx1="http://schemas.microsoft.com/office/drawing/2015/9/8/chartex" xmlns:cx2="http://schemas.microsoft.com/office/drawing/2015/10/21/chartex" xmlns:cx3="http://schemas.microsoft.com/office/drawing/2016/5/9/chartex" xmlns:cx4="http://schemas.microsoft.com/office/drawing/2016/5/10/chartex" xmlns:cx5="http://schemas.microsoft.com/office/drawing/2016/5/11/chartex" xmlns:cx6="http://schemas.microsoft.com/office/drawing/2016/5/12/chartex" xmlns:cx7="http://schemas.microsoft.com/office/drawing/2016/5/13/chartex" xmlns:cx8="http://schemas.microsoft.com/office/drawing/2016/5/14/chartex" xmlns:aink="http://schemas.microsoft.com/office/drawing/2016/ink" xmlns:am3d="http://schemas.microsoft.com/office/drawing/2017/model3d" xmlns:w16cid="http://schemas.microsoft.com/office/word/2016/wordml/cid" xmlns:w16se="http://schemas.microsoft.com/office/word/2015/wordml/symex" xmlns:a14="http://schemas.microsoft.com/office/drawing/2010/main" xmlns:w="http://schemas.openxmlformats.org/wordprocessingml/2006/main" xmlns:w10="urn:schemas-microsoft-com:office:word" xmlns:v="urn:schemas-microsoft-com:vml" xmlns:o="urn:schemas-microsoft-com:office:office" xmlns:mv="urn:schemas-microsoft-com:mac:vml" xmlns:mo="http://schemas.microsoft.com/office/mac/office/2008/main" xmlns="" xmlns:arto="http://schemas.microsoft.com/office/word/2006/arto" xmlns:lc="http://schemas.openxmlformats.org/drawingml/2006/lockedCanvas" w="9525">
+                <a14:hiddenLine xmlns:lc="http://schemas.openxmlformats.org/drawingml/2006/lockedCanvas" xmlns:arto="http://schemas.microsoft.com/office/word/2006/arto" xmlns="" xmlns:mo="http://schemas.microsoft.com/office/mac/office/2008/main" xmlns:mv="urn:schemas-microsoft-com:mac:vml" xmlns:o="urn:schemas-microsoft-com:office:office" xmlns:v="urn:schemas-microsoft-com:vml" xmlns:w10="urn:schemas-microsoft-com:office:word" xmlns:w="http://schemas.openxmlformats.org/wordprocessingml/2006/main" xmlns:a14="http://schemas.microsoft.com/office/drawing/2010/main" xmlns:w16se="http://schemas.microsoft.com/office/word/2015/wordml/symex" xmlns:w16cid="http://schemas.microsoft.com/office/word/2016/wordml/cid" xmlns:am3d="http://schemas.microsoft.com/office/drawing/2017/model3d" xmlns:aink="http://schemas.microsoft.com/office/drawing/2016/ink" xmlns:cx8="http://schemas.microsoft.com/office/drawing/2016/5/14/chartex" xmlns:cx7="http://schemas.microsoft.com/office/drawing/2016/5/13/chartex" xmlns:cx6="http://schemas.microsoft.com/office/drawing/2016/5/12/chartex" xmlns:cx5="http://schemas.microsoft.com/office/drawing/2016/5/11/chartex" xmlns:cx4="http://schemas.microsoft.com/office/drawing/2016/5/10/chartex" xmlns:cx3="http://schemas.microsoft.com/office/drawing/2016/5/9/chartex" xmlns:cx2="http://schemas.microsoft.com/office/drawing/2015/10/21/chartex" xmlns:cx1="http://schemas.microsoft.com/office/drawing/2015/9/8/chartex" xmlns:cx="http://schemas.microsoft.com/office/drawing/2014/chartex" xmlns:wps="http://schemas.microsoft.com/office/word/2010/wordprocessingShape" xmlns:wne="http://schemas.microsoft.com/office/word/2006/wordml" xmlns:wpi="http://schemas.microsoft.com/office/word/2010/wordprocessingInk" xmlns:wpg="http://schemas.microsoft.com/office/word/2010/wordprocessingGroup" xmlns:w15="http://schemas.microsoft.com/office/word/2012/wordml" xmlns:w14="http://schemas.microsoft.com/office/word/2010/wordml" xmlns:wp="http://schemas.openxmlformats.org/drawingml/2006/wordprocessingDrawing" xmlns:wp14="http://schemas.microsoft.com/office/word/2010/wordprocessingDrawing" xmlns:m="http://schemas.openxmlformats.org/officeDocument/2006/math" xmlns:mc="http://schemas.openxmlformats.org/markup-compatibility/2006" xmlns:wpc="http://schemas.microsoft.com/office/word/2010/wordprocessingCanvas" w="9525">
                   <a:solidFill>
                     <a:srgbClr val="000000"/>
                   </a:solidFill>
@@ -7439,20 +6844,13 @@
             </a:bodyPr>
             <a:lstStyle/>
             <a:p>
-              <a:pPr marL="0" marR="0" algn="ctr">
+              <a:pPr algn="ctr">
                 <a:lnSpc>
                   <a:spcPct val="115000"/>
                 </a:lnSpc>
-                <a:spcBef>
-                  <a:spcPts val="0"/>
-                </a:spcBef>
-                <a:spcAft>
-                  <a:spcPts val="0"/>
-                </a:spcAft>
               </a:pPr>
               <a:r>
                 <a:rPr lang="en-US" sz="700">
-                  <a:effectLst/>
                   <a:highlight>
                     <a:srgbClr val="D3D3D3"/>
                   </a:highlight>
@@ -7463,14 +6861,12 @@
               </a:r>
               <a:r>
                 <a:rPr lang="en-US" sz="700">
-                  <a:effectLst/>
                   <a:latin typeface="Times New Roman" panose="02020603050405020304" pitchFamily="18" charset="0"/>
                   <a:ea typeface="Times New Roman" panose="02020603050405020304" pitchFamily="18" charset="0"/>
                 </a:rPr>
                 <a:t> Request</a:t>
               </a:r>
               <a:endParaRPr lang="en-US" sz="1200">
-                <a:effectLst/>
                 <a:latin typeface="Times New Roman" panose="02020603050405020304" pitchFamily="18" charset="0"/>
                 <a:ea typeface="Times New Roman" panose="02020603050405020304" pitchFamily="18" charset="0"/>
               </a:endParaRPr>
@@ -7505,14 +6901,14 @@
             </a:ln>
             <a:extLst>
               <a:ext uri="{909E8E84-426E-40dd-AFC4-6F175D3DCCD1}">
-                <a14:hiddenFill xmlns:wpc="http://schemas.microsoft.com/office/word/2010/wordprocessingCanvas" xmlns:mc="http://schemas.openxmlformats.org/markup-compatibility/2006" xmlns:m="http://schemas.openxmlformats.org/officeDocument/2006/math" xmlns:wp14="http://schemas.microsoft.com/office/word/2010/wordprocessingDrawing" xmlns:wp="http://schemas.openxmlformats.org/drawingml/2006/wordprocessingDrawing" xmlns:w14="http://schemas.microsoft.com/office/word/2010/wordml" xmlns:w15="http://schemas.microsoft.com/office/word/2012/wordml" xmlns:wpg="http://schemas.microsoft.com/office/word/2010/wordprocessingGroup" xmlns:wpi="http://schemas.microsoft.com/office/word/2010/wordprocessingInk" xmlns:wne="http://schemas.microsoft.com/office/word/2006/wordml" xmlns:wps="http://schemas.microsoft.com/office/word/2010/wordprocessingShape" xmlns:cx="http://schemas.microsoft.com/office/drawing/2014/chartex" xmlns:cx1="http://schemas.microsoft.com/office/drawing/2015/9/8/chartex" xmlns:cx2="http://schemas.microsoft.com/office/drawing/2015/10/21/chartex" xmlns:cx3="http://schemas.microsoft.com/office/drawing/2016/5/9/chartex" xmlns:cx4="http://schemas.microsoft.com/office/drawing/2016/5/10/chartex" xmlns:cx5="http://schemas.microsoft.com/office/drawing/2016/5/11/chartex" xmlns:cx6="http://schemas.microsoft.com/office/drawing/2016/5/12/chartex" xmlns:cx7="http://schemas.microsoft.com/office/drawing/2016/5/13/chartex" xmlns:cx8="http://schemas.microsoft.com/office/drawing/2016/5/14/chartex" xmlns:aink="http://schemas.microsoft.com/office/drawing/2016/ink" xmlns:am3d="http://schemas.microsoft.com/office/drawing/2017/model3d" xmlns:w16cid="http://schemas.microsoft.com/office/word/2016/wordml/cid" xmlns:w16se="http://schemas.microsoft.com/office/word/2015/wordml/symex" xmlns:a14="http://schemas.microsoft.com/office/drawing/2010/main" xmlns:w="http://schemas.openxmlformats.org/wordprocessingml/2006/main" xmlns:w10="urn:schemas-microsoft-com:office:word" xmlns:v="urn:schemas-microsoft-com:vml" xmlns:o="urn:schemas-microsoft-com:office:office" xmlns:mv="urn:schemas-microsoft-com:mac:vml" xmlns:mo="http://schemas.microsoft.com/office/mac/office/2008/main" xmlns="" xmlns:arto="http://schemas.microsoft.com/office/word/2006/arto" xmlns:lc="http://schemas.openxmlformats.org/drawingml/2006/lockedCanvas">
+                <a14:hiddenFill xmlns:lc="http://schemas.openxmlformats.org/drawingml/2006/lockedCanvas" xmlns:arto="http://schemas.microsoft.com/office/word/2006/arto" xmlns="" xmlns:mo="http://schemas.microsoft.com/office/mac/office/2008/main" xmlns:mv="urn:schemas-microsoft-com:mac:vml" xmlns:o="urn:schemas-microsoft-com:office:office" xmlns:v="urn:schemas-microsoft-com:vml" xmlns:w10="urn:schemas-microsoft-com:office:word" xmlns:w="http://schemas.openxmlformats.org/wordprocessingml/2006/main" xmlns:a14="http://schemas.microsoft.com/office/drawing/2010/main" xmlns:w16se="http://schemas.microsoft.com/office/word/2015/wordml/symex" xmlns:w16cid="http://schemas.microsoft.com/office/word/2016/wordml/cid" xmlns:am3d="http://schemas.microsoft.com/office/drawing/2017/model3d" xmlns:aink="http://schemas.microsoft.com/office/drawing/2016/ink" xmlns:cx8="http://schemas.microsoft.com/office/drawing/2016/5/14/chartex" xmlns:cx7="http://schemas.microsoft.com/office/drawing/2016/5/13/chartex" xmlns:cx6="http://schemas.microsoft.com/office/drawing/2016/5/12/chartex" xmlns:cx5="http://schemas.microsoft.com/office/drawing/2016/5/11/chartex" xmlns:cx4="http://schemas.microsoft.com/office/drawing/2016/5/10/chartex" xmlns:cx3="http://schemas.microsoft.com/office/drawing/2016/5/9/chartex" xmlns:cx2="http://schemas.microsoft.com/office/drawing/2015/10/21/chartex" xmlns:cx1="http://schemas.microsoft.com/office/drawing/2015/9/8/chartex" xmlns:cx="http://schemas.microsoft.com/office/drawing/2014/chartex" xmlns:wps="http://schemas.microsoft.com/office/word/2010/wordprocessingShape" xmlns:wne="http://schemas.microsoft.com/office/word/2006/wordml" xmlns:wpi="http://schemas.microsoft.com/office/word/2010/wordprocessingInk" xmlns:wpg="http://schemas.microsoft.com/office/word/2010/wordprocessingGroup" xmlns:w15="http://schemas.microsoft.com/office/word/2012/wordml" xmlns:w14="http://schemas.microsoft.com/office/word/2010/wordml" xmlns:wp="http://schemas.openxmlformats.org/drawingml/2006/wordprocessingDrawing" xmlns:wp14="http://schemas.microsoft.com/office/word/2010/wordprocessingDrawing" xmlns:m="http://schemas.openxmlformats.org/officeDocument/2006/math" xmlns:mc="http://schemas.openxmlformats.org/markup-compatibility/2006" xmlns:wpc="http://schemas.microsoft.com/office/word/2010/wordprocessingCanvas">
                   <a:solidFill>
                     <a:srgbClr val="FFFFFF"/>
                   </a:solidFill>
                 </a14:hiddenFill>
               </a:ext>
               <a:ext uri="{91240B29-F687-4f45-9708-019B960494DF}">
-                <a14:hiddenLine xmlns:wpc="http://schemas.microsoft.com/office/word/2010/wordprocessingCanvas" xmlns:mc="http://schemas.openxmlformats.org/markup-compatibility/2006" xmlns:m="http://schemas.openxmlformats.org/officeDocument/2006/math" xmlns:wp14="http://schemas.microsoft.com/office/word/2010/wordprocessingDrawing" xmlns:wp="http://schemas.openxmlformats.org/drawingml/2006/wordprocessingDrawing" xmlns:w14="http://schemas.microsoft.com/office/word/2010/wordml" xmlns:w15="http://schemas.microsoft.com/office/word/2012/wordml" xmlns:wpg="http://schemas.microsoft.com/office/word/2010/wordprocessingGroup" xmlns:wpi="http://schemas.microsoft.com/office/word/2010/wordprocessingInk" xmlns:wne="http://schemas.microsoft.com/office/word/2006/wordml" xmlns:wps="http://schemas.microsoft.com/office/word/2010/wordprocessingShape" xmlns:cx="http://schemas.microsoft.com/office/drawing/2014/chartex" xmlns:cx1="http://schemas.microsoft.com/office/drawing/2015/9/8/chartex" xmlns:cx2="http://schemas.microsoft.com/office/drawing/2015/10/21/chartex" xmlns:cx3="http://schemas.microsoft.com/office/drawing/2016/5/9/chartex" xmlns:cx4="http://schemas.microsoft.com/office/drawing/2016/5/10/chartex" xmlns:cx5="http://schemas.microsoft.com/office/drawing/2016/5/11/chartex" xmlns:cx6="http://schemas.microsoft.com/office/drawing/2016/5/12/chartex" xmlns:cx7="http://schemas.microsoft.com/office/drawing/2016/5/13/chartex" xmlns:cx8="http://schemas.microsoft.com/office/drawing/2016/5/14/chartex" xmlns:aink="http://schemas.microsoft.com/office/drawing/2016/ink" xmlns:am3d="http://schemas.microsoft.com/office/drawing/2017/model3d" xmlns:w16cid="http://schemas.microsoft.com/office/word/2016/wordml/cid" xmlns:w16se="http://schemas.microsoft.com/office/word/2015/wordml/symex" xmlns:a14="http://schemas.microsoft.com/office/drawing/2010/main" xmlns:w="http://schemas.openxmlformats.org/wordprocessingml/2006/main" xmlns:w10="urn:schemas-microsoft-com:office:word" xmlns:v="urn:schemas-microsoft-com:vml" xmlns:o="urn:schemas-microsoft-com:office:office" xmlns:mv="urn:schemas-microsoft-com:mac:vml" xmlns:mo="http://schemas.microsoft.com/office/mac/office/2008/main" xmlns="" xmlns:arto="http://schemas.microsoft.com/office/word/2006/arto" xmlns:lc="http://schemas.openxmlformats.org/drawingml/2006/lockedCanvas" w="9525">
+                <a14:hiddenLine xmlns:lc="http://schemas.openxmlformats.org/drawingml/2006/lockedCanvas" xmlns:arto="http://schemas.microsoft.com/office/word/2006/arto" xmlns="" xmlns:mo="http://schemas.microsoft.com/office/mac/office/2008/main" xmlns:mv="urn:schemas-microsoft-com:mac:vml" xmlns:o="urn:schemas-microsoft-com:office:office" xmlns:v="urn:schemas-microsoft-com:vml" xmlns:w10="urn:schemas-microsoft-com:office:word" xmlns:w="http://schemas.openxmlformats.org/wordprocessingml/2006/main" xmlns:a14="http://schemas.microsoft.com/office/drawing/2010/main" xmlns:w16se="http://schemas.microsoft.com/office/word/2015/wordml/symex" xmlns:w16cid="http://schemas.microsoft.com/office/word/2016/wordml/cid" xmlns:am3d="http://schemas.microsoft.com/office/drawing/2017/model3d" xmlns:aink="http://schemas.microsoft.com/office/drawing/2016/ink" xmlns:cx8="http://schemas.microsoft.com/office/drawing/2016/5/14/chartex" xmlns:cx7="http://schemas.microsoft.com/office/drawing/2016/5/13/chartex" xmlns:cx6="http://schemas.microsoft.com/office/drawing/2016/5/12/chartex" xmlns:cx5="http://schemas.microsoft.com/office/drawing/2016/5/11/chartex" xmlns:cx4="http://schemas.microsoft.com/office/drawing/2016/5/10/chartex" xmlns:cx3="http://schemas.microsoft.com/office/drawing/2016/5/9/chartex" xmlns:cx2="http://schemas.microsoft.com/office/drawing/2015/10/21/chartex" xmlns:cx1="http://schemas.microsoft.com/office/drawing/2015/9/8/chartex" xmlns:cx="http://schemas.microsoft.com/office/drawing/2014/chartex" xmlns:wps="http://schemas.microsoft.com/office/word/2010/wordprocessingShape" xmlns:wne="http://schemas.microsoft.com/office/word/2006/wordml" xmlns:wpi="http://schemas.microsoft.com/office/word/2010/wordprocessingInk" xmlns:wpg="http://schemas.microsoft.com/office/word/2010/wordprocessingGroup" xmlns:w15="http://schemas.microsoft.com/office/word/2012/wordml" xmlns:w14="http://schemas.microsoft.com/office/word/2010/wordml" xmlns:wp="http://schemas.openxmlformats.org/drawingml/2006/wordprocessingDrawing" xmlns:wp14="http://schemas.microsoft.com/office/word/2010/wordprocessingDrawing" xmlns:m="http://schemas.openxmlformats.org/officeDocument/2006/math" xmlns:mc="http://schemas.openxmlformats.org/markup-compatibility/2006" xmlns:wpc="http://schemas.microsoft.com/office/word/2010/wordprocessingCanvas" w="9525">
                   <a:solidFill>
                     <a:srgbClr val="000000"/>
                   </a:solidFill>
@@ -7529,17 +6925,9 @@
             </a:bodyPr>
             <a:lstStyle/>
             <a:p>
-              <a:pPr marL="0" marR="0" algn="ctr">
-                <a:spcBef>
-                  <a:spcPts val="0"/>
-                </a:spcBef>
-                <a:spcAft>
-                  <a:spcPts val="0"/>
-                </a:spcAft>
-              </a:pPr>
+              <a:pPr algn="ctr"/>
               <a:r>
                 <a:rPr lang="fr-FR" sz="700">
-                  <a:effectLst/>
                   <a:highlight>
                     <a:srgbClr val="D3D3D3"/>
                   </a:highlight>
@@ -7550,14 +6938,12 @@
               </a:r>
               <a:r>
                 <a:rPr lang="fr-FR" sz="700">
-                  <a:effectLst/>
                   <a:latin typeface="Times New Roman" panose="02020603050405020304" pitchFamily="18" charset="0"/>
                   <a:ea typeface="Times New Roman" panose="02020603050405020304" pitchFamily="18" charset="0"/>
                 </a:rPr>
                 <a:t> Request</a:t>
               </a:r>
               <a:endParaRPr lang="en-US" sz="1200">
-                <a:effectLst/>
                 <a:latin typeface="Times New Roman" panose="02020603050405020304" pitchFamily="18" charset="0"/>
                 <a:ea typeface="Times New Roman" panose="02020603050405020304" pitchFamily="18" charset="0"/>
               </a:endParaRPr>
@@ -7581,7 +6967,7 @@
         </p:nvCxnSpPr>
         <p:spPr>
           <a:xfrm>
-            <a:off x="3855525" y="2098405"/>
+            <a:off x="2331526" y="2098405"/>
             <a:ext cx="986717" cy="0"/>
           </a:xfrm>
           <a:prstGeom prst="line">
@@ -7622,7 +7008,7 @@
         </p:nvCxnSpPr>
         <p:spPr>
           <a:xfrm>
-            <a:off x="6288462" y="2112687"/>
+            <a:off x="4764462" y="2112687"/>
             <a:ext cx="2193054" cy="0"/>
           </a:xfrm>
           <a:prstGeom prst="line">
@@ -7665,7 +7051,7 @@
 <file path=ppt/theme/theme1.xml><?xml version="1.0" encoding="utf-8"?>
 <a:theme xmlns:a="http://schemas.openxmlformats.org/drawingml/2006/main" name="Office Theme">
   <a:themeElements>
-    <a:clrScheme name="Office">
+    <a:clrScheme name="Office Theme">
       <a:dk1>
         <a:sysClr val="windowText" lastClr="000000"/>
       </a:dk1>
@@ -7703,7 +7089,7 @@
         <a:srgbClr val="954F72"/>
       </a:folHlink>
     </a:clrScheme>
-    <a:fontScheme name="Office">
+    <a:fontScheme name="Office Theme">
       <a:majorFont>
         <a:latin typeface="Calibri Light" panose="020F0302020204030204"/>
         <a:ea typeface=""/>
@@ -7738,23 +7124,6 @@
         <a:font script="Viet" typeface="Times New Roman"/>
         <a:font script="Uigh" typeface="Microsoft Uighur"/>
         <a:font script="Geor" typeface="Sylfaen"/>
-        <a:font script="Armn" typeface="Arial"/>
-        <a:font script="Bugi" typeface="Leelawadee UI"/>
-        <a:font script="Bopo" typeface="Microsoft JhengHei"/>
-        <a:font script="Java" typeface="Javanese Text"/>
-        <a:font script="Lisu" typeface="Segoe UI"/>
-        <a:font script="Mymr" typeface="Myanmar Text"/>
-        <a:font script="Nkoo" typeface="Ebrima"/>
-        <a:font script="Olck" typeface="Nirmala UI"/>
-        <a:font script="Osma" typeface="Ebrima"/>
-        <a:font script="Phag" typeface="Phagspa"/>
-        <a:font script="Syrn" typeface="Estrangelo Edessa"/>
-        <a:font script="Syrj" typeface="Estrangelo Edessa"/>
-        <a:font script="Syre" typeface="Estrangelo Edessa"/>
-        <a:font script="Sora" typeface="Nirmala UI"/>
-        <a:font script="Tale" typeface="Microsoft Tai Le"/>
-        <a:font script="Talu" typeface="Microsoft New Tai Lue"/>
-        <a:font script="Tfng" typeface="Ebrima"/>
       </a:majorFont>
       <a:minorFont>
         <a:latin typeface="Calibri" panose="020F0502020204030204"/>
@@ -7790,26 +7159,9 @@
         <a:font script="Viet" typeface="Arial"/>
         <a:font script="Uigh" typeface="Microsoft Uighur"/>
         <a:font script="Geor" typeface="Sylfaen"/>
-        <a:font script="Armn" typeface="Arial"/>
-        <a:font script="Bugi" typeface="Leelawadee UI"/>
-        <a:font script="Bopo" typeface="Microsoft JhengHei"/>
-        <a:font script="Java" typeface="Javanese Text"/>
-        <a:font script="Lisu" typeface="Segoe UI"/>
-        <a:font script="Mymr" typeface="Myanmar Text"/>
-        <a:font script="Nkoo" typeface="Ebrima"/>
-        <a:font script="Olck" typeface="Nirmala UI"/>
-        <a:font script="Osma" typeface="Ebrima"/>
-        <a:font script="Phag" typeface="Phagspa"/>
-        <a:font script="Syrn" typeface="Estrangelo Edessa"/>
-        <a:font script="Syrj" typeface="Estrangelo Edessa"/>
-        <a:font script="Syre" typeface="Estrangelo Edessa"/>
-        <a:font script="Sora" typeface="Nirmala UI"/>
-        <a:font script="Tale" typeface="Microsoft Tai Le"/>
-        <a:font script="Talu" typeface="Microsoft New Tai Lue"/>
-        <a:font script="Tfng" typeface="Ebrima"/>
       </a:minorFont>
     </a:fontScheme>
-    <a:fmtScheme name="Office">
+    <a:fmtScheme name="Office Theme">
       <a:fillStyleLst>
         <a:solidFill>
           <a:schemeClr val="phClr"/>
